--- a/Documents/AngbandOS.Web Topology.pptx
+++ b/Documents/AngbandOS.Web Topology.pptx
@@ -113,23 +113,47 @@
 </p:presentation>
 </file>
 
+<file path=ppt/revisionInfo.xml><?xml version="1.0" encoding="utf-8"?>
+<p1510:revInfo xmlns:a="http://schemas.openxmlformats.org/drawingml/2006/main" xmlns:r="http://schemas.openxmlformats.org/officeDocument/2006/relationships" xmlns:p1510="http://schemas.microsoft.com/office/powerpoint/2015/10/main">
+  <p1510:revLst>
+    <p1510:client id="{F93D44ED-375D-4FA9-90AA-824A0B780C8F}" v="2" dt="2023-07-18T01:02:54.655"/>
+  </p1510:revLst>
+</p1510:revInfo>
+</file>
+
 <file path=ppt/changesInfos/changesInfo1.xml><?xml version="1.0" encoding="utf-8"?>
 <pc:chgInfo xmlns:a="http://schemas.openxmlformats.org/drawingml/2006/main" xmlns:r="http://schemas.openxmlformats.org/officeDocument/2006/relationships" xmlns:ac="http://schemas.microsoft.com/office/drawing/2013/main/command" xmlns:pc="http://schemas.microsoft.com/office/powerpoint/2013/main/command">
   <pc:docChgLst>
     <pc:chgData name="Marc Johnston" userId="4bd435294172a9e0" providerId="LiveId" clId="{F93D44ED-375D-4FA9-90AA-824A0B780C8F}"/>
     <pc:docChg chg="undo custSel modSld">
-      <pc:chgData name="Marc Johnston" userId="4bd435294172a9e0" providerId="LiveId" clId="{F93D44ED-375D-4FA9-90AA-824A0B780C8F}" dt="2023-07-17T15:44:11.904" v="943" actId="20577"/>
+      <pc:chgData name="Marc Johnston" userId="4bd435294172a9e0" providerId="LiveId" clId="{F93D44ED-375D-4FA9-90AA-824A0B780C8F}" dt="2023-07-18T01:09:03.779" v="957" actId="14100"/>
       <pc:docMkLst>
         <pc:docMk/>
       </pc:docMkLst>
-      <pc:sldChg chg="modSp mod">
-        <pc:chgData name="Marc Johnston" userId="4bd435294172a9e0" providerId="LiveId" clId="{F93D44ED-375D-4FA9-90AA-824A0B780C8F}" dt="2023-07-17T15:44:11.904" v="943" actId="20577"/>
+      <pc:sldChg chg="addSp delSp modSp mod">
+        <pc:chgData name="Marc Johnston" userId="4bd435294172a9e0" providerId="LiveId" clId="{F93D44ED-375D-4FA9-90AA-824A0B780C8F}" dt="2023-07-18T01:09:03.779" v="957" actId="14100"/>
         <pc:sldMkLst>
           <pc:docMk/>
           <pc:sldMk cId="2233212922" sldId="257"/>
         </pc:sldMkLst>
+        <pc:spChg chg="add mod">
+          <ac:chgData name="Marc Johnston" userId="4bd435294172a9e0" providerId="LiveId" clId="{F93D44ED-375D-4FA9-90AA-824A0B780C8F}" dt="2023-07-18T01:08:57.567" v="955" actId="1076"/>
+          <ac:spMkLst>
+            <pc:docMk/>
+            <pc:sldMk cId="2233212922" sldId="257"/>
+            <ac:spMk id="3" creationId="{472FE763-C632-39E0-CC24-E3FEAEABA863}"/>
+          </ac:spMkLst>
+        </pc:spChg>
         <pc:spChg chg="mod">
-          <ac:chgData name="Marc Johnston" userId="4bd435294172a9e0" providerId="LiveId" clId="{F93D44ED-375D-4FA9-90AA-824A0B780C8F}" dt="2023-07-17T15:24:29.209" v="69" actId="20577"/>
+          <ac:chgData name="Marc Johnston" userId="4bd435294172a9e0" providerId="LiveId" clId="{F93D44ED-375D-4FA9-90AA-824A0B780C8F}" dt="2023-07-18T01:03:16.645" v="952" actId="1076"/>
+          <ac:spMkLst>
+            <pc:docMk/>
+            <pc:sldMk cId="2233212922" sldId="257"/>
+            <ac:spMk id="4" creationId="{361EE555-D2E2-6CE1-0E88-E13C3D96B1C8}"/>
+          </ac:spMkLst>
+        </pc:spChg>
+        <pc:spChg chg="mod">
+          <ac:chgData name="Marc Johnston" userId="4bd435294172a9e0" providerId="LiveId" clId="{F93D44ED-375D-4FA9-90AA-824A0B780C8F}" dt="2023-07-18T01:03:16.645" v="952" actId="1076"/>
           <ac:spMkLst>
             <pc:docMk/>
             <pc:sldMk cId="2233212922" sldId="257"/>
@@ -137,15 +161,15 @@
           </ac:spMkLst>
         </pc:spChg>
         <pc:spChg chg="mod">
-          <ac:chgData name="Marc Johnston" userId="4bd435294172a9e0" providerId="LiveId" clId="{F93D44ED-375D-4FA9-90AA-824A0B780C8F}" dt="2023-07-17T15:44:11.904" v="943" actId="20577"/>
+          <ac:chgData name="Marc Johnston" userId="4bd435294172a9e0" providerId="LiveId" clId="{F93D44ED-375D-4FA9-90AA-824A0B780C8F}" dt="2023-07-18T01:03:16.645" v="952" actId="1076"/>
           <ac:spMkLst>
             <pc:docMk/>
             <pc:sldMk cId="2233212922" sldId="257"/>
             <ac:spMk id="7" creationId="{0A5CE1D2-34E5-AE08-0A55-29C482C7857A}"/>
           </ac:spMkLst>
         </pc:spChg>
-        <pc:spChg chg="mod">
-          <ac:chgData name="Marc Johnston" userId="4bd435294172a9e0" providerId="LiveId" clId="{F93D44ED-375D-4FA9-90AA-824A0B780C8F}" dt="2023-07-17T15:37:05.627" v="793" actId="20577"/>
+        <pc:spChg chg="del mod">
+          <ac:chgData name="Marc Johnston" userId="4bd435294172a9e0" providerId="LiveId" clId="{F93D44ED-375D-4FA9-90AA-824A0B780C8F}" dt="2023-07-18T01:08:50.538" v="954" actId="478"/>
           <ac:spMkLst>
             <pc:docMk/>
             <pc:sldMk cId="2233212922" sldId="257"/>
@@ -153,7 +177,7 @@
           </ac:spMkLst>
         </pc:spChg>
         <pc:spChg chg="mod">
-          <ac:chgData name="Marc Johnston" userId="4bd435294172a9e0" providerId="LiveId" clId="{F93D44ED-375D-4FA9-90AA-824A0B780C8F}" dt="2023-07-17T15:34:52.138" v="615" actId="20577"/>
+          <ac:chgData name="Marc Johnston" userId="4bd435294172a9e0" providerId="LiveId" clId="{F93D44ED-375D-4FA9-90AA-824A0B780C8F}" dt="2023-07-18T01:02:40.635" v="946" actId="1076"/>
           <ac:spMkLst>
             <pc:docMk/>
             <pc:sldMk cId="2233212922" sldId="257"/>
@@ -161,23 +185,127 @@
           </ac:spMkLst>
         </pc:spChg>
         <pc:spChg chg="mod">
-          <ac:chgData name="Marc Johnston" userId="4bd435294172a9e0" providerId="LiveId" clId="{F93D44ED-375D-4FA9-90AA-824A0B780C8F}" dt="2023-07-17T15:30:17.600" v="288" actId="14100"/>
+          <ac:chgData name="Marc Johnston" userId="4bd435294172a9e0" providerId="LiveId" clId="{F93D44ED-375D-4FA9-90AA-824A0B780C8F}" dt="2023-07-18T01:02:40.635" v="946" actId="1076"/>
           <ac:spMkLst>
             <pc:docMk/>
             <pc:sldMk cId="2233212922" sldId="257"/>
             <ac:spMk id="10" creationId="{4C12BEFF-E90E-1D70-62F7-4BEDF3D77363}"/>
           </ac:spMkLst>
         </pc:spChg>
+        <pc:spChg chg="mod">
+          <ac:chgData name="Marc Johnston" userId="4bd435294172a9e0" providerId="LiveId" clId="{F93D44ED-375D-4FA9-90AA-824A0B780C8F}" dt="2023-07-18T01:02:40.635" v="946" actId="1076"/>
+          <ac:spMkLst>
+            <pc:docMk/>
+            <pc:sldMk cId="2233212922" sldId="257"/>
+            <ac:spMk id="11" creationId="{B1FBD51A-3396-DA46-4DB6-1B2110DB7C65}"/>
+          </ac:spMkLst>
+        </pc:spChg>
+        <pc:spChg chg="add mod">
+          <ac:chgData name="Marc Johnston" userId="4bd435294172a9e0" providerId="LiveId" clId="{F93D44ED-375D-4FA9-90AA-824A0B780C8F}" dt="2023-07-18T01:02:28.032" v="945" actId="1076"/>
+          <ac:spMkLst>
+            <pc:docMk/>
+            <pc:sldMk cId="2233212922" sldId="257"/>
+            <ac:spMk id="12" creationId="{7EBD8B86-B21B-910D-94A8-8A462016F5A2}"/>
+          </ac:spMkLst>
+        </pc:spChg>
+        <pc:spChg chg="add mod">
+          <ac:chgData name="Marc Johnston" userId="4bd435294172a9e0" providerId="LiveId" clId="{F93D44ED-375D-4FA9-90AA-824A0B780C8F}" dt="2023-07-18T01:02:28.032" v="945" actId="1076"/>
+          <ac:spMkLst>
+            <pc:docMk/>
+            <pc:sldMk cId="2233212922" sldId="257"/>
+            <ac:spMk id="14" creationId="{AE3440A7-CE35-E404-B1AA-B675A983A11F}"/>
+          </ac:spMkLst>
+        </pc:spChg>
+        <pc:spChg chg="add mod">
+          <ac:chgData name="Marc Johnston" userId="4bd435294172a9e0" providerId="LiveId" clId="{F93D44ED-375D-4FA9-90AA-824A0B780C8F}" dt="2023-07-18T01:02:28.032" v="945" actId="1076"/>
+          <ac:spMkLst>
+            <pc:docMk/>
+            <pc:sldMk cId="2233212922" sldId="257"/>
+            <ac:spMk id="15" creationId="{23F010BA-0A3E-2D9D-C5D0-198753767110}"/>
+          </ac:spMkLst>
+        </pc:spChg>
+        <pc:spChg chg="add mod">
+          <ac:chgData name="Marc Johnston" userId="4bd435294172a9e0" providerId="LiveId" clId="{F93D44ED-375D-4FA9-90AA-824A0B780C8F}" dt="2023-07-18T01:03:00.581" v="949" actId="1076"/>
+          <ac:spMkLst>
+            <pc:docMk/>
+            <pc:sldMk cId="2233212922" sldId="257"/>
+            <ac:spMk id="28" creationId="{C41F0AA0-E02D-0BBD-4248-554AB051E6C8}"/>
+          </ac:spMkLst>
+        </pc:spChg>
+        <pc:spChg chg="add mod">
+          <ac:chgData name="Marc Johnston" userId="4bd435294172a9e0" providerId="LiveId" clId="{F93D44ED-375D-4FA9-90AA-824A0B780C8F}" dt="2023-07-18T01:03:00.581" v="949" actId="1076"/>
+          <ac:spMkLst>
+            <pc:docMk/>
+            <pc:sldMk cId="2233212922" sldId="257"/>
+            <ac:spMk id="29" creationId="{A1E3DD89-B89A-8EFC-799F-83AB20555B94}"/>
+          </ac:spMkLst>
+        </pc:spChg>
+        <pc:spChg chg="add mod">
+          <ac:chgData name="Marc Johnston" userId="4bd435294172a9e0" providerId="LiveId" clId="{F93D44ED-375D-4FA9-90AA-824A0B780C8F}" dt="2023-07-18T01:03:00.581" v="949" actId="1076"/>
+          <ac:spMkLst>
+            <pc:docMk/>
+            <pc:sldMk cId="2233212922" sldId="257"/>
+            <ac:spMk id="30" creationId="{A7035500-5107-341F-10AD-6490E25B3775}"/>
+          </ac:spMkLst>
+        </pc:spChg>
         <pc:cxnChg chg="mod">
-          <ac:chgData name="Marc Johnston" userId="4bd435294172a9e0" providerId="LiveId" clId="{F93D44ED-375D-4FA9-90AA-824A0B780C8F}" dt="2023-07-17T15:36:40.951" v="743" actId="14100"/>
+          <ac:chgData name="Marc Johnston" userId="4bd435294172a9e0" providerId="LiveId" clId="{F93D44ED-375D-4FA9-90AA-824A0B780C8F}" dt="2023-07-18T01:03:16.645" v="952" actId="1076"/>
+          <ac:cxnSpMkLst>
+            <pc:docMk/>
+            <pc:sldMk cId="2233212922" sldId="257"/>
+            <ac:cxnSpMk id="13" creationId="{AEC3F272-C444-08AE-D215-89066ED048F8}"/>
+          </ac:cxnSpMkLst>
+        </pc:cxnChg>
+        <pc:cxnChg chg="mod">
+          <ac:chgData name="Marc Johnston" userId="4bd435294172a9e0" providerId="LiveId" clId="{F93D44ED-375D-4FA9-90AA-824A0B780C8F}" dt="2023-07-18T01:03:16.645" v="952" actId="1076"/>
+          <ac:cxnSpMkLst>
+            <pc:docMk/>
+            <pc:sldMk cId="2233212922" sldId="257"/>
+            <ac:cxnSpMk id="16" creationId="{09139845-CBA0-8117-CA77-8764D191CCB4}"/>
+          </ac:cxnSpMkLst>
+        </pc:cxnChg>
+        <pc:cxnChg chg="add mod">
+          <ac:chgData name="Marc Johnston" userId="4bd435294172a9e0" providerId="LiveId" clId="{F93D44ED-375D-4FA9-90AA-824A0B780C8F}" dt="2023-07-18T01:08:57.567" v="955" actId="1076"/>
+          <ac:cxnSpMkLst>
+            <pc:docMk/>
+            <pc:sldMk cId="2233212922" sldId="257"/>
+            <ac:cxnSpMk id="17" creationId="{8FB44040-55B5-E07E-B264-F04292F19B74}"/>
+          </ac:cxnSpMkLst>
+        </pc:cxnChg>
+        <pc:cxnChg chg="mod">
+          <ac:chgData name="Marc Johnston" userId="4bd435294172a9e0" providerId="LiveId" clId="{F93D44ED-375D-4FA9-90AA-824A0B780C8F}" dt="2023-07-18T01:03:16.645" v="952" actId="1076"/>
+          <ac:cxnSpMkLst>
+            <pc:docMk/>
+            <pc:sldMk cId="2233212922" sldId="257"/>
+            <ac:cxnSpMk id="18" creationId="{6D3782EE-8A3E-EDB4-9F34-CA9C71943B53}"/>
+          </ac:cxnSpMkLst>
+        </pc:cxnChg>
+        <pc:cxnChg chg="add mod">
+          <ac:chgData name="Marc Johnston" userId="4bd435294172a9e0" providerId="LiveId" clId="{F93D44ED-375D-4FA9-90AA-824A0B780C8F}" dt="2023-07-18T01:02:28.032" v="945" actId="1076"/>
+          <ac:cxnSpMkLst>
+            <pc:docMk/>
+            <pc:sldMk cId="2233212922" sldId="257"/>
+            <ac:cxnSpMk id="19" creationId="{79E27562-CCCE-447B-E4DE-925B9E608267}"/>
+          </ac:cxnSpMkLst>
+        </pc:cxnChg>
+        <pc:cxnChg chg="del mod">
+          <ac:chgData name="Marc Johnston" userId="4bd435294172a9e0" providerId="LiveId" clId="{F93D44ED-375D-4FA9-90AA-824A0B780C8F}" dt="2023-07-18T01:09:00.040" v="956" actId="478"/>
           <ac:cxnSpMkLst>
             <pc:docMk/>
             <pc:sldMk cId="2233212922" sldId="257"/>
             <ac:cxnSpMk id="20" creationId="{DDD01F96-6F22-9191-0B13-D5D5BBE3F3BD}"/>
           </ac:cxnSpMkLst>
         </pc:cxnChg>
+        <pc:cxnChg chg="add mod">
+          <ac:chgData name="Marc Johnston" userId="4bd435294172a9e0" providerId="LiveId" clId="{F93D44ED-375D-4FA9-90AA-824A0B780C8F}" dt="2023-07-18T01:02:28.032" v="945" actId="1076"/>
+          <ac:cxnSpMkLst>
+            <pc:docMk/>
+            <pc:sldMk cId="2233212922" sldId="257"/>
+            <ac:cxnSpMk id="21" creationId="{B986D3F1-C796-8A7C-5146-405AD6A9AC75}"/>
+          </ac:cxnSpMkLst>
+        </pc:cxnChg>
         <pc:cxnChg chg="mod">
-          <ac:chgData name="Marc Johnston" userId="4bd435294172a9e0" providerId="LiveId" clId="{F93D44ED-375D-4FA9-90AA-824A0B780C8F}" dt="2023-07-17T15:36:40.951" v="743" actId="14100"/>
+          <ac:chgData name="Marc Johnston" userId="4bd435294172a9e0" providerId="LiveId" clId="{F93D44ED-375D-4FA9-90AA-824A0B780C8F}" dt="2023-07-18T01:09:03.779" v="957" actId="14100"/>
           <ac:cxnSpMkLst>
             <pc:docMk/>
             <pc:sldMk cId="2233212922" sldId="257"/>
@@ -185,7 +313,7 @@
           </ac:cxnSpMkLst>
         </pc:cxnChg>
         <pc:cxnChg chg="mod">
-          <ac:chgData name="Marc Johnston" userId="4bd435294172a9e0" providerId="LiveId" clId="{F93D44ED-375D-4FA9-90AA-824A0B780C8F}" dt="2023-07-17T15:30:17.600" v="288" actId="14100"/>
+          <ac:chgData name="Marc Johnston" userId="4bd435294172a9e0" providerId="LiveId" clId="{F93D44ED-375D-4FA9-90AA-824A0B780C8F}" dt="2023-07-18T01:02:40.635" v="946" actId="1076"/>
           <ac:cxnSpMkLst>
             <pc:docMk/>
             <pc:sldMk cId="2233212922" sldId="257"/>
@@ -193,11 +321,43 @@
           </ac:cxnSpMkLst>
         </pc:cxnChg>
         <pc:cxnChg chg="mod">
-          <ac:chgData name="Marc Johnston" userId="4bd435294172a9e0" providerId="LiveId" clId="{F93D44ED-375D-4FA9-90AA-824A0B780C8F}" dt="2023-07-17T15:30:17.600" v="288" actId="14100"/>
+          <ac:chgData name="Marc Johnston" userId="4bd435294172a9e0" providerId="LiveId" clId="{F93D44ED-375D-4FA9-90AA-824A0B780C8F}" dt="2023-07-18T01:02:40.635" v="946" actId="1076"/>
           <ac:cxnSpMkLst>
             <pc:docMk/>
             <pc:sldMk cId="2233212922" sldId="257"/>
             <ac:cxnSpMk id="26" creationId="{5A387D98-2263-5C90-86AD-6B3727A8CEAC}"/>
+          </ac:cxnSpMkLst>
+        </pc:cxnChg>
+        <pc:cxnChg chg="add mod">
+          <ac:chgData name="Marc Johnston" userId="4bd435294172a9e0" providerId="LiveId" clId="{F93D44ED-375D-4FA9-90AA-824A0B780C8F}" dt="2023-07-18T01:08:57.567" v="955" actId="1076"/>
+          <ac:cxnSpMkLst>
+            <pc:docMk/>
+            <pc:sldMk cId="2233212922" sldId="257"/>
+            <ac:cxnSpMk id="27" creationId="{3C517CF3-A8A5-ECDA-3C88-1825F1B85510}"/>
+          </ac:cxnSpMkLst>
+        </pc:cxnChg>
+        <pc:cxnChg chg="add mod">
+          <ac:chgData name="Marc Johnston" userId="4bd435294172a9e0" providerId="LiveId" clId="{F93D44ED-375D-4FA9-90AA-824A0B780C8F}" dt="2023-07-18T01:03:00.581" v="949" actId="1076"/>
+          <ac:cxnSpMkLst>
+            <pc:docMk/>
+            <pc:sldMk cId="2233212922" sldId="257"/>
+            <ac:cxnSpMk id="31" creationId="{7144A539-0F02-682B-3969-1B2EF727490F}"/>
+          </ac:cxnSpMkLst>
+        </pc:cxnChg>
+        <pc:cxnChg chg="add mod">
+          <ac:chgData name="Marc Johnston" userId="4bd435294172a9e0" providerId="LiveId" clId="{F93D44ED-375D-4FA9-90AA-824A0B780C8F}" dt="2023-07-18T01:03:00.581" v="949" actId="1076"/>
+          <ac:cxnSpMkLst>
+            <pc:docMk/>
+            <pc:sldMk cId="2233212922" sldId="257"/>
+            <ac:cxnSpMk id="32" creationId="{C8D79935-A19D-1EE1-6472-C6B93366D254}"/>
+          </ac:cxnSpMkLst>
+        </pc:cxnChg>
+        <pc:cxnChg chg="add">
+          <ac:chgData name="Marc Johnston" userId="4bd435294172a9e0" providerId="LiveId" clId="{F93D44ED-375D-4FA9-90AA-824A0B780C8F}" dt="2023-07-18T01:03:26.901" v="953" actId="11529"/>
+          <ac:cxnSpMkLst>
+            <pc:docMk/>
+            <pc:sldMk cId="2233212922" sldId="257"/>
+            <ac:cxnSpMk id="35" creationId="{C126DB57-E201-CEE9-0A7C-4EDF448659B9}"/>
           </ac:cxnSpMkLst>
         </pc:cxnChg>
       </pc:sldChg>
@@ -3553,7 +3713,7 @@
         </p:nvSpPr>
         <p:spPr>
           <a:xfrm>
-            <a:off x="4760335" y="1404365"/>
+            <a:off x="2420655" y="1410968"/>
             <a:ext cx="2671329" cy="380010"/>
           </a:xfrm>
           <a:prstGeom prst="rect">
@@ -3610,7 +3770,7 @@
         </p:nvSpPr>
         <p:spPr>
           <a:xfrm>
-            <a:off x="4202688" y="2032062"/>
+            <a:off x="1863008" y="2038665"/>
             <a:ext cx="3786621" cy="390439"/>
           </a:xfrm>
           <a:prstGeom prst="rect">
@@ -3748,7 +3908,7 @@
         </p:nvSpPr>
         <p:spPr>
           <a:xfrm>
-            <a:off x="4026041" y="2670188"/>
+            <a:off x="1686361" y="2676791"/>
             <a:ext cx="4139912" cy="390439"/>
           </a:xfrm>
           <a:prstGeom prst="rect">
@@ -3817,10 +3977,10 @@
       </p:sp>
       <p:sp>
         <p:nvSpPr>
-          <p:cNvPr id="8" name="Rectangle 7">
-            <a:extLst>
-              <a:ext uri="{FF2B5EF4-FFF2-40B4-BE49-F238E27FC236}">
-                <a16:creationId xmlns:a16="http://schemas.microsoft.com/office/drawing/2014/main" id="{759871E1-1E6C-67C2-77F8-2483DE2C4658}"/>
+          <p:cNvPr id="9" name="Rectangle 8">
+            <a:extLst>
+              <a:ext uri="{FF2B5EF4-FFF2-40B4-BE49-F238E27FC236}">
+                <a16:creationId xmlns:a16="http://schemas.microsoft.com/office/drawing/2014/main" id="{FECA6C2C-07F6-C103-7A6B-63F8FB5CC506}"/>
               </a:ext>
             </a:extLst>
           </p:cNvPr>
@@ -3829,7 +3989,493 @@
         </p:nvSpPr>
         <p:spPr>
           <a:xfrm>
-            <a:off x="3902649" y="3948616"/>
+            <a:off x="1439578" y="4587830"/>
+            <a:ext cx="4386696" cy="390439"/>
+          </a:xfrm>
+          <a:prstGeom prst="rect">
+            <a:avLst/>
+          </a:prstGeom>
+        </p:spPr>
+        <p:style>
+          <a:lnRef idx="2">
+            <a:schemeClr val="accent1">
+              <a:shade val="15000"/>
+            </a:schemeClr>
+          </a:lnRef>
+          <a:fillRef idx="1">
+            <a:schemeClr val="accent1"/>
+          </a:fillRef>
+          <a:effectRef idx="0">
+            <a:schemeClr val="accent1"/>
+          </a:effectRef>
+          <a:fontRef idx="minor">
+            <a:schemeClr val="lt1"/>
+          </a:fontRef>
+        </p:style>
+        <p:txBody>
+          <a:bodyPr rtlCol="0" anchor="ctr"/>
+          <a:lstStyle/>
+          <a:p>
+            <a:pPr algn="ctr"/>
+            <a:r>
+              <a:rPr lang="en-US" sz="1200" dirty="0" err="1"/>
+              <a:t>AngbandOS.Web.PlayComponent.ts</a:t>
+            </a:r>
+            <a:endParaRPr lang="en-US" sz="1200" dirty="0"/>
+          </a:p>
+          <a:p>
+            <a:pPr algn="ctr"/>
+            <a:r>
+              <a:rPr lang="en-US" sz="700" dirty="0"/>
+              <a:t>This is the client-side component and screen for the game console.  It connects to a </a:t>
+            </a:r>
+            <a:r>
+              <a:rPr lang="en-US" sz="700" dirty="0" err="1"/>
+              <a:t>GameHub</a:t>
+            </a:r>
+            <a:r>
+              <a:rPr lang="en-US" sz="700" dirty="0"/>
+              <a:t> using a signal-r connection.  It uses an </a:t>
+            </a:r>
+            <a:r>
+              <a:rPr lang="en-US" sz="700" dirty="0" err="1"/>
+              <a:t>HtmlConsoleComponent</a:t>
+            </a:r>
+            <a:r>
+              <a:rPr lang="en-US" sz="700" dirty="0"/>
+              <a:t> object to handle the </a:t>
+            </a:r>
+            <a:r>
+              <a:rPr lang="en-US" sz="700" dirty="0" err="1"/>
+              <a:t>HTMLCanvas</a:t>
+            </a:r>
+            <a:r>
+              <a:rPr lang="en-US" sz="700" dirty="0"/>
+              <a:t> rendering.</a:t>
+            </a:r>
+          </a:p>
+        </p:txBody>
+      </p:sp>
+      <p:sp>
+        <p:nvSpPr>
+          <p:cNvPr id="10" name="Rectangle 9">
+            <a:extLst>
+              <a:ext uri="{FF2B5EF4-FFF2-40B4-BE49-F238E27FC236}">
+                <a16:creationId xmlns:a16="http://schemas.microsoft.com/office/drawing/2014/main" id="{4C12BEFF-E90E-1D70-62F7-4BEDF3D77363}"/>
+              </a:ext>
+            </a:extLst>
+          </p:cNvPr>
+          <p:cNvSpPr/>
+          <p:nvPr/>
+        </p:nvSpPr>
+        <p:spPr>
+          <a:xfrm>
+            <a:off x="1439578" y="5228862"/>
+            <a:ext cx="4386696" cy="390440"/>
+          </a:xfrm>
+          <a:prstGeom prst="rect">
+            <a:avLst/>
+          </a:prstGeom>
+        </p:spPr>
+        <p:style>
+          <a:lnRef idx="2">
+            <a:schemeClr val="accent1">
+              <a:shade val="15000"/>
+            </a:schemeClr>
+          </a:lnRef>
+          <a:fillRef idx="1">
+            <a:schemeClr val="accent1"/>
+          </a:fillRef>
+          <a:effectRef idx="0">
+            <a:schemeClr val="accent1"/>
+          </a:effectRef>
+          <a:fontRef idx="minor">
+            <a:schemeClr val="lt1"/>
+          </a:fontRef>
+        </p:style>
+        <p:txBody>
+          <a:bodyPr rtlCol="0" anchor="ctr"/>
+          <a:lstStyle/>
+          <a:p>
+            <a:pPr algn="ctr"/>
+            <a:r>
+              <a:rPr lang="en-US" sz="1200" dirty="0" err="1"/>
+              <a:t>AngbandOS.Web.HtmlConsoleComponent</a:t>
+            </a:r>
+            <a:endParaRPr lang="en-US" sz="1200" dirty="0"/>
+          </a:p>
+          <a:p>
+            <a:pPr algn="ctr"/>
+            <a:r>
+              <a:rPr lang="en-US" sz="700" dirty="0"/>
+              <a:t>This is a client-side typescript object that accepts and wraps the </a:t>
+            </a:r>
+            <a:r>
+              <a:rPr lang="en-US" sz="700" dirty="0" err="1"/>
+              <a:t>HTMLCanvas</a:t>
+            </a:r>
+            <a:r>
+              <a:rPr lang="en-US" sz="700" dirty="0"/>
+              <a:t> element and handles all of the </a:t>
+            </a:r>
+            <a:r>
+              <a:rPr lang="en-US" sz="700" dirty="0" err="1"/>
+              <a:t>HTMLCanvas</a:t>
+            </a:r>
+            <a:r>
+              <a:rPr lang="en-US" sz="700" dirty="0"/>
+              <a:t> interactions.  This component is used by both the </a:t>
+            </a:r>
+            <a:r>
+              <a:rPr lang="en-US" sz="700" dirty="0" err="1"/>
+              <a:t>PlayComponent</a:t>
+            </a:r>
+            <a:r>
+              <a:rPr lang="en-US" sz="700" dirty="0"/>
+              <a:t> and the </a:t>
+            </a:r>
+            <a:r>
+              <a:rPr lang="en-US" sz="700" dirty="0" err="1"/>
+              <a:t>WatchComponent</a:t>
+            </a:r>
+            <a:r>
+              <a:rPr lang="en-US" sz="700" dirty="0"/>
+              <a:t>.</a:t>
+            </a:r>
+          </a:p>
+        </p:txBody>
+      </p:sp>
+      <p:sp>
+        <p:nvSpPr>
+          <p:cNvPr id="11" name="Rectangle 10">
+            <a:extLst>
+              <a:ext uri="{FF2B5EF4-FFF2-40B4-BE49-F238E27FC236}">
+                <a16:creationId xmlns:a16="http://schemas.microsoft.com/office/drawing/2014/main" id="{B1FBD51A-3396-DA46-4DB6-1B2110DB7C65}"/>
+              </a:ext>
+            </a:extLst>
+          </p:cNvPr>
+          <p:cNvSpPr/>
+          <p:nvPr/>
+        </p:nvSpPr>
+        <p:spPr>
+          <a:xfrm>
+            <a:off x="2266521" y="5872735"/>
+            <a:ext cx="2732810" cy="390440"/>
+          </a:xfrm>
+          <a:prstGeom prst="rect">
+            <a:avLst/>
+          </a:prstGeom>
+        </p:spPr>
+        <p:style>
+          <a:lnRef idx="2">
+            <a:schemeClr val="accent1">
+              <a:shade val="15000"/>
+            </a:schemeClr>
+          </a:lnRef>
+          <a:fillRef idx="1">
+            <a:schemeClr val="accent1"/>
+          </a:fillRef>
+          <a:effectRef idx="0">
+            <a:schemeClr val="accent1"/>
+          </a:effectRef>
+          <a:fontRef idx="minor">
+            <a:schemeClr val="lt1"/>
+          </a:fontRef>
+        </p:style>
+        <p:txBody>
+          <a:bodyPr rtlCol="0" anchor="ctr"/>
+          <a:lstStyle/>
+          <a:p>
+            <a:pPr algn="ctr"/>
+            <a:r>
+              <a:rPr lang="en-US" sz="1200" dirty="0" err="1"/>
+              <a:t>HTMLCanvas</a:t>
+            </a:r>
+            <a:endParaRPr lang="en-US" sz="1200" dirty="0"/>
+          </a:p>
+          <a:p>
+            <a:pPr algn="ctr"/>
+            <a:r>
+              <a:rPr lang="en-US" sz="700" dirty="0"/>
+              <a:t>This is the HTML component that renders the game on the browser.</a:t>
+            </a:r>
+            <a:endParaRPr lang="en-US" sz="100" dirty="0"/>
+          </a:p>
+        </p:txBody>
+      </p:sp>
+      <p:cxnSp>
+        <p:nvCxnSpPr>
+          <p:cNvPr id="13" name="Straight Arrow Connector 12">
+            <a:extLst>
+              <a:ext uri="{FF2B5EF4-FFF2-40B4-BE49-F238E27FC236}">
+                <a16:creationId xmlns:a16="http://schemas.microsoft.com/office/drawing/2014/main" id="{AEC3F272-C444-08AE-D215-89066ED048F8}"/>
+              </a:ext>
+            </a:extLst>
+          </p:cNvPr>
+          <p:cNvCxnSpPr>
+            <a:cxnSpLocks/>
+            <a:stCxn id="4" idx="2"/>
+            <a:endCxn id="5" idx="0"/>
+          </p:cNvCxnSpPr>
+          <p:nvPr/>
+        </p:nvCxnSpPr>
+        <p:spPr>
+          <a:xfrm flipH="1">
+            <a:off x="3756319" y="1790978"/>
+            <a:ext cx="1" cy="247687"/>
+          </a:xfrm>
+          <a:prstGeom prst="straightConnector1">
+            <a:avLst/>
+          </a:prstGeom>
+          <a:ln>
+            <a:tailEnd type="triangle"/>
+          </a:ln>
+        </p:spPr>
+        <p:style>
+          <a:lnRef idx="1">
+            <a:schemeClr val="accent1"/>
+          </a:lnRef>
+          <a:fillRef idx="0">
+            <a:schemeClr val="accent1"/>
+          </a:fillRef>
+          <a:effectRef idx="0">
+            <a:schemeClr val="accent1"/>
+          </a:effectRef>
+          <a:fontRef idx="minor">
+            <a:schemeClr val="tx1"/>
+          </a:fontRef>
+        </p:style>
+      </p:cxnSp>
+      <p:cxnSp>
+        <p:nvCxnSpPr>
+          <p:cNvPr id="16" name="Straight Arrow Connector 15">
+            <a:extLst>
+              <a:ext uri="{FF2B5EF4-FFF2-40B4-BE49-F238E27FC236}">
+                <a16:creationId xmlns:a16="http://schemas.microsoft.com/office/drawing/2014/main" id="{09139845-CBA0-8117-CA77-8764D191CCB4}"/>
+              </a:ext>
+            </a:extLst>
+          </p:cNvPr>
+          <p:cNvCxnSpPr>
+            <a:cxnSpLocks/>
+            <a:stCxn id="5" idx="2"/>
+            <a:endCxn id="7" idx="0"/>
+          </p:cNvCxnSpPr>
+          <p:nvPr/>
+        </p:nvCxnSpPr>
+        <p:spPr>
+          <a:xfrm flipH="1">
+            <a:off x="3756317" y="2429104"/>
+            <a:ext cx="2" cy="247687"/>
+          </a:xfrm>
+          <a:prstGeom prst="straightConnector1">
+            <a:avLst/>
+          </a:prstGeom>
+          <a:ln>
+            <a:tailEnd type="triangle"/>
+          </a:ln>
+        </p:spPr>
+        <p:style>
+          <a:lnRef idx="1">
+            <a:schemeClr val="accent1"/>
+          </a:lnRef>
+          <a:fillRef idx="0">
+            <a:schemeClr val="accent1"/>
+          </a:fillRef>
+          <a:effectRef idx="0">
+            <a:schemeClr val="accent1"/>
+          </a:effectRef>
+          <a:fontRef idx="minor">
+            <a:schemeClr val="tx1"/>
+          </a:fontRef>
+        </p:style>
+      </p:cxnSp>
+      <p:cxnSp>
+        <p:nvCxnSpPr>
+          <p:cNvPr id="18" name="Straight Arrow Connector 17">
+            <a:extLst>
+              <a:ext uri="{FF2B5EF4-FFF2-40B4-BE49-F238E27FC236}">
+                <a16:creationId xmlns:a16="http://schemas.microsoft.com/office/drawing/2014/main" id="{6D3782EE-8A3E-EDB4-9F34-CA9C71943B53}"/>
+              </a:ext>
+            </a:extLst>
+          </p:cNvPr>
+          <p:cNvCxnSpPr>
+            <a:cxnSpLocks/>
+            <a:stCxn id="7" idx="2"/>
+            <a:endCxn id="6" idx="0"/>
+          </p:cNvCxnSpPr>
+          <p:nvPr/>
+        </p:nvCxnSpPr>
+        <p:spPr>
+          <a:xfrm>
+            <a:off x="3756317" y="3067230"/>
+            <a:ext cx="2339681" cy="242172"/>
+          </a:xfrm>
+          <a:prstGeom prst="straightConnector1">
+            <a:avLst/>
+          </a:prstGeom>
+          <a:ln>
+            <a:tailEnd type="triangle"/>
+          </a:ln>
+        </p:spPr>
+        <p:style>
+          <a:lnRef idx="1">
+            <a:schemeClr val="accent1"/>
+          </a:lnRef>
+          <a:fillRef idx="0">
+            <a:schemeClr val="accent1"/>
+          </a:fillRef>
+          <a:effectRef idx="0">
+            <a:schemeClr val="accent1"/>
+          </a:effectRef>
+          <a:fontRef idx="minor">
+            <a:schemeClr val="tx1"/>
+          </a:fontRef>
+        </p:style>
+      </p:cxnSp>
+      <p:cxnSp>
+        <p:nvCxnSpPr>
+          <p:cNvPr id="22" name="Straight Arrow Connector 21">
+            <a:extLst>
+              <a:ext uri="{FF2B5EF4-FFF2-40B4-BE49-F238E27FC236}">
+                <a16:creationId xmlns:a16="http://schemas.microsoft.com/office/drawing/2014/main" id="{C4E392C9-13B0-F3F7-A581-7D0A42B01EE2}"/>
+              </a:ext>
+            </a:extLst>
+          </p:cNvPr>
+          <p:cNvCxnSpPr>
+            <a:cxnSpLocks/>
+            <a:stCxn id="3" idx="2"/>
+            <a:endCxn id="9" idx="0"/>
+          </p:cNvCxnSpPr>
+          <p:nvPr/>
+        </p:nvCxnSpPr>
+        <p:spPr>
+          <a:xfrm flipH="1">
+            <a:off x="3632926" y="4348614"/>
+            <a:ext cx="2463071" cy="239216"/>
+          </a:xfrm>
+          <a:prstGeom prst="straightConnector1">
+            <a:avLst/>
+          </a:prstGeom>
+          <a:ln>
+            <a:tailEnd type="triangle"/>
+          </a:ln>
+        </p:spPr>
+        <p:style>
+          <a:lnRef idx="1">
+            <a:schemeClr val="accent1"/>
+          </a:lnRef>
+          <a:fillRef idx="0">
+            <a:schemeClr val="accent1"/>
+          </a:fillRef>
+          <a:effectRef idx="0">
+            <a:schemeClr val="accent1"/>
+          </a:effectRef>
+          <a:fontRef idx="minor">
+            <a:schemeClr val="tx1"/>
+          </a:fontRef>
+        </p:style>
+      </p:cxnSp>
+      <p:cxnSp>
+        <p:nvCxnSpPr>
+          <p:cNvPr id="24" name="Straight Arrow Connector 23">
+            <a:extLst>
+              <a:ext uri="{FF2B5EF4-FFF2-40B4-BE49-F238E27FC236}">
+                <a16:creationId xmlns:a16="http://schemas.microsoft.com/office/drawing/2014/main" id="{06A53A37-00F2-6F4B-C9E9-6F406A44949E}"/>
+              </a:ext>
+            </a:extLst>
+          </p:cNvPr>
+          <p:cNvCxnSpPr>
+            <a:cxnSpLocks/>
+            <a:stCxn id="9" idx="2"/>
+            <a:endCxn id="10" idx="0"/>
+          </p:cNvCxnSpPr>
+          <p:nvPr/>
+        </p:nvCxnSpPr>
+        <p:spPr>
+          <a:xfrm>
+            <a:off x="3632926" y="4978269"/>
+            <a:ext cx="0" cy="250593"/>
+          </a:xfrm>
+          <a:prstGeom prst="straightConnector1">
+            <a:avLst/>
+          </a:prstGeom>
+          <a:ln>
+            <a:tailEnd type="triangle"/>
+          </a:ln>
+        </p:spPr>
+        <p:style>
+          <a:lnRef idx="1">
+            <a:schemeClr val="accent1"/>
+          </a:lnRef>
+          <a:fillRef idx="0">
+            <a:schemeClr val="accent1"/>
+          </a:fillRef>
+          <a:effectRef idx="0">
+            <a:schemeClr val="accent1"/>
+          </a:effectRef>
+          <a:fontRef idx="minor">
+            <a:schemeClr val="tx1"/>
+          </a:fontRef>
+        </p:style>
+      </p:cxnSp>
+      <p:cxnSp>
+        <p:nvCxnSpPr>
+          <p:cNvPr id="26" name="Straight Arrow Connector 25">
+            <a:extLst>
+              <a:ext uri="{FF2B5EF4-FFF2-40B4-BE49-F238E27FC236}">
+                <a16:creationId xmlns:a16="http://schemas.microsoft.com/office/drawing/2014/main" id="{5A387D98-2263-5C90-86AD-6B3727A8CEAC}"/>
+              </a:ext>
+            </a:extLst>
+          </p:cNvPr>
+          <p:cNvCxnSpPr>
+            <a:cxnSpLocks/>
+            <a:stCxn id="10" idx="2"/>
+            <a:endCxn id="11" idx="0"/>
+          </p:cNvCxnSpPr>
+          <p:nvPr/>
+        </p:nvCxnSpPr>
+        <p:spPr>
+          <a:xfrm>
+            <a:off x="3632926" y="5619302"/>
+            <a:ext cx="0" cy="253433"/>
+          </a:xfrm>
+          <a:prstGeom prst="straightConnector1">
+            <a:avLst/>
+          </a:prstGeom>
+          <a:ln>
+            <a:tailEnd type="triangle"/>
+          </a:ln>
+        </p:spPr>
+        <p:style>
+          <a:lnRef idx="1">
+            <a:schemeClr val="accent1"/>
+          </a:lnRef>
+          <a:fillRef idx="0">
+            <a:schemeClr val="accent1"/>
+          </a:fillRef>
+          <a:effectRef idx="0">
+            <a:schemeClr val="accent1"/>
+          </a:effectRef>
+          <a:fontRef idx="minor">
+            <a:schemeClr val="tx1"/>
+          </a:fontRef>
+        </p:style>
+      </p:cxnSp>
+      <p:sp>
+        <p:nvSpPr>
+          <p:cNvPr id="3" name="Rectangle 2">
+            <a:extLst>
+              <a:ext uri="{FF2B5EF4-FFF2-40B4-BE49-F238E27FC236}">
+                <a16:creationId xmlns:a16="http://schemas.microsoft.com/office/drawing/2014/main" id="{472FE763-C632-39E0-CC24-E3FEAEABA863}"/>
+              </a:ext>
+            </a:extLst>
+          </p:cNvPr>
+          <p:cNvSpPr/>
+          <p:nvPr/>
+        </p:nvSpPr>
+        <p:spPr>
+          <a:xfrm>
+            <a:off x="3902649" y="3958175"/>
             <a:ext cx="4386695" cy="390439"/>
           </a:xfrm>
           <a:prstGeom prst="rect">
@@ -3890,10 +4536,10 @@
       </p:sp>
       <p:sp>
         <p:nvSpPr>
-          <p:cNvPr id="9" name="Rectangle 8">
-            <a:extLst>
-              <a:ext uri="{FF2B5EF4-FFF2-40B4-BE49-F238E27FC236}">
-                <a16:creationId xmlns:a16="http://schemas.microsoft.com/office/drawing/2014/main" id="{FECA6C2C-07F6-C103-7A6B-63F8FB5CC506}"/>
+          <p:cNvPr id="12" name="Rectangle 11">
+            <a:extLst>
+              <a:ext uri="{FF2B5EF4-FFF2-40B4-BE49-F238E27FC236}">
+                <a16:creationId xmlns:a16="http://schemas.microsoft.com/office/drawing/2014/main" id="{7EBD8B86-B21B-910D-94A8-8A462016F5A2}"/>
               </a:ext>
             </a:extLst>
           </p:cNvPr>
@@ -3902,7 +4548,7 @@
         </p:nvSpPr>
         <p:spPr>
           <a:xfrm>
-            <a:off x="3902649" y="4587830"/>
+            <a:off x="6365727" y="4587830"/>
             <a:ext cx="4386696" cy="390439"/>
           </a:xfrm>
           <a:prstGeom prst="rect">
@@ -3971,10 +4617,10 @@
       </p:sp>
       <p:sp>
         <p:nvSpPr>
-          <p:cNvPr id="10" name="Rectangle 9">
-            <a:extLst>
-              <a:ext uri="{FF2B5EF4-FFF2-40B4-BE49-F238E27FC236}">
-                <a16:creationId xmlns:a16="http://schemas.microsoft.com/office/drawing/2014/main" id="{4C12BEFF-E90E-1D70-62F7-4BEDF3D77363}"/>
+          <p:cNvPr id="14" name="Rectangle 13">
+            <a:extLst>
+              <a:ext uri="{FF2B5EF4-FFF2-40B4-BE49-F238E27FC236}">
+                <a16:creationId xmlns:a16="http://schemas.microsoft.com/office/drawing/2014/main" id="{AE3440A7-CE35-E404-B1AA-B675A983A11F}"/>
               </a:ext>
             </a:extLst>
           </p:cNvPr>
@@ -3983,7 +4629,7 @@
         </p:nvSpPr>
         <p:spPr>
           <a:xfrm>
-            <a:off x="3902649" y="5228862"/>
+            <a:off x="6365727" y="5228862"/>
             <a:ext cx="4386696" cy="390440"/>
           </a:xfrm>
           <a:prstGeom prst="rect">
@@ -4060,10 +4706,10 @@
       </p:sp>
       <p:sp>
         <p:nvSpPr>
-          <p:cNvPr id="11" name="Rectangle 10">
-            <a:extLst>
-              <a:ext uri="{FF2B5EF4-FFF2-40B4-BE49-F238E27FC236}">
-                <a16:creationId xmlns:a16="http://schemas.microsoft.com/office/drawing/2014/main" id="{B1FBD51A-3396-DA46-4DB6-1B2110DB7C65}"/>
+          <p:cNvPr id="15" name="Rectangle 14">
+            <a:extLst>
+              <a:ext uri="{FF2B5EF4-FFF2-40B4-BE49-F238E27FC236}">
+                <a16:creationId xmlns:a16="http://schemas.microsoft.com/office/drawing/2014/main" id="{23F010BA-0A3E-2D9D-C5D0-198753767110}"/>
               </a:ext>
             </a:extLst>
           </p:cNvPr>
@@ -4072,7 +4718,7 @@
         </p:nvSpPr>
         <p:spPr>
           <a:xfrm>
-            <a:off x="4729592" y="5872735"/>
+            <a:off x="7192670" y="5872735"/>
             <a:ext cx="2732810" cy="390440"/>
           </a:xfrm>
           <a:prstGeom prst="rect">
@@ -4118,23 +4764,397 @@
       </p:sp>
       <p:cxnSp>
         <p:nvCxnSpPr>
-          <p:cNvPr id="13" name="Straight Arrow Connector 12">
-            <a:extLst>
-              <a:ext uri="{FF2B5EF4-FFF2-40B4-BE49-F238E27FC236}">
-                <a16:creationId xmlns:a16="http://schemas.microsoft.com/office/drawing/2014/main" id="{AEC3F272-C444-08AE-D215-89066ED048F8}"/>
+          <p:cNvPr id="17" name="Straight Arrow Connector 16">
+            <a:extLst>
+              <a:ext uri="{FF2B5EF4-FFF2-40B4-BE49-F238E27FC236}">
+                <a16:creationId xmlns:a16="http://schemas.microsoft.com/office/drawing/2014/main" id="{8FB44040-55B5-E07E-B264-F04292F19B74}"/>
               </a:ext>
             </a:extLst>
           </p:cNvPr>
           <p:cNvCxnSpPr>
             <a:cxnSpLocks/>
-            <a:stCxn id="4" idx="2"/>
-            <a:endCxn id="5" idx="0"/>
+            <a:stCxn id="3" idx="2"/>
+            <a:endCxn id="12" idx="0"/>
+          </p:cNvCxnSpPr>
+          <p:nvPr/>
+        </p:nvCxnSpPr>
+        <p:spPr>
+          <a:xfrm>
+            <a:off x="6095997" y="4348614"/>
+            <a:ext cx="2463078" cy="239216"/>
+          </a:xfrm>
+          <a:prstGeom prst="straightConnector1">
+            <a:avLst/>
+          </a:prstGeom>
+          <a:ln>
+            <a:tailEnd type="triangle"/>
+          </a:ln>
+        </p:spPr>
+        <p:style>
+          <a:lnRef idx="1">
+            <a:schemeClr val="accent1"/>
+          </a:lnRef>
+          <a:fillRef idx="0">
+            <a:schemeClr val="accent1"/>
+          </a:fillRef>
+          <a:effectRef idx="0">
+            <a:schemeClr val="accent1"/>
+          </a:effectRef>
+          <a:fontRef idx="minor">
+            <a:schemeClr val="tx1"/>
+          </a:fontRef>
+        </p:style>
+      </p:cxnSp>
+      <p:cxnSp>
+        <p:nvCxnSpPr>
+          <p:cNvPr id="19" name="Straight Arrow Connector 18">
+            <a:extLst>
+              <a:ext uri="{FF2B5EF4-FFF2-40B4-BE49-F238E27FC236}">
+                <a16:creationId xmlns:a16="http://schemas.microsoft.com/office/drawing/2014/main" id="{79E27562-CCCE-447B-E4DE-925B9E608267}"/>
+              </a:ext>
+            </a:extLst>
+          </p:cNvPr>
+          <p:cNvCxnSpPr>
+            <a:cxnSpLocks/>
+            <a:stCxn id="12" idx="2"/>
+            <a:endCxn id="14" idx="0"/>
+          </p:cNvCxnSpPr>
+          <p:nvPr/>
+        </p:nvCxnSpPr>
+        <p:spPr>
+          <a:xfrm>
+            <a:off x="8559075" y="4978269"/>
+            <a:ext cx="0" cy="250593"/>
+          </a:xfrm>
+          <a:prstGeom prst="straightConnector1">
+            <a:avLst/>
+          </a:prstGeom>
+          <a:ln>
+            <a:tailEnd type="triangle"/>
+          </a:ln>
+        </p:spPr>
+        <p:style>
+          <a:lnRef idx="1">
+            <a:schemeClr val="accent1"/>
+          </a:lnRef>
+          <a:fillRef idx="0">
+            <a:schemeClr val="accent1"/>
+          </a:fillRef>
+          <a:effectRef idx="0">
+            <a:schemeClr val="accent1"/>
+          </a:effectRef>
+          <a:fontRef idx="minor">
+            <a:schemeClr val="tx1"/>
+          </a:fontRef>
+        </p:style>
+      </p:cxnSp>
+      <p:cxnSp>
+        <p:nvCxnSpPr>
+          <p:cNvPr id="21" name="Straight Arrow Connector 20">
+            <a:extLst>
+              <a:ext uri="{FF2B5EF4-FFF2-40B4-BE49-F238E27FC236}">
+                <a16:creationId xmlns:a16="http://schemas.microsoft.com/office/drawing/2014/main" id="{B986D3F1-C796-8A7C-5146-405AD6A9AC75}"/>
+              </a:ext>
+            </a:extLst>
+          </p:cNvPr>
+          <p:cNvCxnSpPr>
+            <a:cxnSpLocks/>
+            <a:stCxn id="14" idx="2"/>
+            <a:endCxn id="15" idx="0"/>
+          </p:cNvCxnSpPr>
+          <p:nvPr/>
+        </p:nvCxnSpPr>
+        <p:spPr>
+          <a:xfrm>
+            <a:off x="8559075" y="5619302"/>
+            <a:ext cx="0" cy="253433"/>
+          </a:xfrm>
+          <a:prstGeom prst="straightConnector1">
+            <a:avLst/>
+          </a:prstGeom>
+          <a:ln>
+            <a:tailEnd type="triangle"/>
+          </a:ln>
+        </p:spPr>
+        <p:style>
+          <a:lnRef idx="1">
+            <a:schemeClr val="accent1"/>
+          </a:lnRef>
+          <a:fillRef idx="0">
+            <a:schemeClr val="accent1"/>
+          </a:fillRef>
+          <a:effectRef idx="0">
+            <a:schemeClr val="accent1"/>
+          </a:effectRef>
+          <a:fontRef idx="minor">
+            <a:schemeClr val="tx1"/>
+          </a:fontRef>
+        </p:style>
+      </p:cxnSp>
+      <p:cxnSp>
+        <p:nvCxnSpPr>
+          <p:cNvPr id="27" name="Straight Arrow Connector 26">
+            <a:extLst>
+              <a:ext uri="{FF2B5EF4-FFF2-40B4-BE49-F238E27FC236}">
+                <a16:creationId xmlns:a16="http://schemas.microsoft.com/office/drawing/2014/main" id="{3C517CF3-A8A5-ECDA-3C88-1825F1B85510}"/>
+              </a:ext>
+            </a:extLst>
+          </p:cNvPr>
+          <p:cNvCxnSpPr>
+            <a:stCxn id="6" idx="2"/>
+            <a:endCxn id="3" idx="0"/>
           </p:cNvCxnSpPr>
           <p:nvPr/>
         </p:nvCxnSpPr>
         <p:spPr>
           <a:xfrm flipH="1">
-            <a:off x="6095999" y="1784375"/>
+            <a:off x="6095997" y="3699841"/>
+            <a:ext cx="1" cy="258334"/>
+          </a:xfrm>
+          <a:prstGeom prst="straightConnector1">
+            <a:avLst/>
+          </a:prstGeom>
+          <a:ln>
+            <a:tailEnd type="triangle"/>
+          </a:ln>
+        </p:spPr>
+        <p:style>
+          <a:lnRef idx="1">
+            <a:schemeClr val="accent1"/>
+          </a:lnRef>
+          <a:fillRef idx="0">
+            <a:schemeClr val="accent1"/>
+          </a:fillRef>
+          <a:effectRef idx="0">
+            <a:schemeClr val="accent1"/>
+          </a:effectRef>
+          <a:fontRef idx="minor">
+            <a:schemeClr val="tx1"/>
+          </a:fontRef>
+        </p:style>
+      </p:cxnSp>
+      <p:sp>
+        <p:nvSpPr>
+          <p:cNvPr id="28" name="Rectangle 27">
+            <a:extLst>
+              <a:ext uri="{FF2B5EF4-FFF2-40B4-BE49-F238E27FC236}">
+                <a16:creationId xmlns:a16="http://schemas.microsoft.com/office/drawing/2014/main" id="{C41F0AA0-E02D-0BBD-4248-554AB051E6C8}"/>
+              </a:ext>
+            </a:extLst>
+          </p:cNvPr>
+          <p:cNvSpPr/>
+          <p:nvPr/>
+        </p:nvSpPr>
+        <p:spPr>
+          <a:xfrm>
+            <a:off x="7100021" y="1410968"/>
+            <a:ext cx="2671329" cy="380010"/>
+          </a:xfrm>
+          <a:prstGeom prst="rect">
+            <a:avLst/>
+          </a:prstGeom>
+        </p:spPr>
+        <p:style>
+          <a:lnRef idx="2">
+            <a:schemeClr val="accent1">
+              <a:shade val="15000"/>
+            </a:schemeClr>
+          </a:lnRef>
+          <a:fillRef idx="1">
+            <a:schemeClr val="accent1"/>
+          </a:fillRef>
+          <a:effectRef idx="0">
+            <a:schemeClr val="accent1"/>
+          </a:effectRef>
+          <a:fontRef idx="minor">
+            <a:schemeClr val="lt1"/>
+          </a:fontRef>
+        </p:style>
+        <p:txBody>
+          <a:bodyPr rtlCol="0" anchor="ctr"/>
+          <a:lstStyle/>
+          <a:p>
+            <a:pPr algn="ctr"/>
+            <a:r>
+              <a:rPr lang="en-US" sz="1200" dirty="0" err="1"/>
+              <a:t>AngbandOS.Core</a:t>
+            </a:r>
+            <a:endParaRPr lang="en-US" sz="1200" dirty="0"/>
+          </a:p>
+          <a:p>
+            <a:pPr algn="ctr"/>
+            <a:r>
+              <a:rPr lang="en-US" sz="700" dirty="0"/>
+              <a:t>This is the DLL that implements the core of the game functionality.</a:t>
+            </a:r>
+          </a:p>
+        </p:txBody>
+      </p:sp>
+      <p:sp>
+        <p:nvSpPr>
+          <p:cNvPr id="29" name="Rectangle 28">
+            <a:extLst>
+              <a:ext uri="{FF2B5EF4-FFF2-40B4-BE49-F238E27FC236}">
+                <a16:creationId xmlns:a16="http://schemas.microsoft.com/office/drawing/2014/main" id="{A1E3DD89-B89A-8EFC-799F-83AB20555B94}"/>
+              </a:ext>
+            </a:extLst>
+          </p:cNvPr>
+          <p:cNvSpPr/>
+          <p:nvPr/>
+        </p:nvSpPr>
+        <p:spPr>
+          <a:xfrm>
+            <a:off x="6542374" y="2038665"/>
+            <a:ext cx="3786621" cy="390439"/>
+          </a:xfrm>
+          <a:prstGeom prst="rect">
+            <a:avLst/>
+          </a:prstGeom>
+        </p:spPr>
+        <p:style>
+          <a:lnRef idx="2">
+            <a:schemeClr val="accent1">
+              <a:shade val="15000"/>
+            </a:schemeClr>
+          </a:lnRef>
+          <a:fillRef idx="1">
+            <a:schemeClr val="accent1"/>
+          </a:fillRef>
+          <a:effectRef idx="0">
+            <a:schemeClr val="accent1"/>
+          </a:effectRef>
+          <a:fontRef idx="minor">
+            <a:schemeClr val="lt1"/>
+          </a:fontRef>
+        </p:style>
+        <p:txBody>
+          <a:bodyPr rtlCol="0" anchor="ctr"/>
+          <a:lstStyle/>
+          <a:p>
+            <a:pPr algn="ctr"/>
+            <a:r>
+              <a:rPr lang="en-US" sz="1200" dirty="0" err="1"/>
+              <a:t>AngbandOS.Core.Interface.IConsole</a:t>
+            </a:r>
+            <a:endParaRPr lang="en-US" sz="1200" dirty="0"/>
+          </a:p>
+          <a:p>
+            <a:pPr algn="ctr"/>
+            <a:r>
+              <a:rPr lang="en-US" sz="700" dirty="0"/>
+              <a:t>This is the interface that needs to be implemented by clients (e.g. </a:t>
+            </a:r>
+            <a:r>
+              <a:rPr lang="en-US" sz="700" dirty="0" err="1"/>
+              <a:t>AngbandOS.Web</a:t>
+            </a:r>
+            <a:r>
+              <a:rPr lang="en-US" sz="700" dirty="0"/>
+              <a:t>) to participate in with the game “core”.</a:t>
+            </a:r>
+          </a:p>
+        </p:txBody>
+      </p:sp>
+      <p:sp>
+        <p:nvSpPr>
+          <p:cNvPr id="30" name="Rectangle 29">
+            <a:extLst>
+              <a:ext uri="{FF2B5EF4-FFF2-40B4-BE49-F238E27FC236}">
+                <a16:creationId xmlns:a16="http://schemas.microsoft.com/office/drawing/2014/main" id="{A7035500-5107-341F-10AD-6490E25B3775}"/>
+              </a:ext>
+            </a:extLst>
+          </p:cNvPr>
+          <p:cNvSpPr/>
+          <p:nvPr/>
+        </p:nvSpPr>
+        <p:spPr>
+          <a:xfrm>
+            <a:off x="6365727" y="2676791"/>
+            <a:ext cx="4139912" cy="390439"/>
+          </a:xfrm>
+          <a:prstGeom prst="rect">
+            <a:avLst/>
+          </a:prstGeom>
+        </p:spPr>
+        <p:style>
+          <a:lnRef idx="2">
+            <a:schemeClr val="accent1">
+              <a:shade val="15000"/>
+            </a:schemeClr>
+          </a:lnRef>
+          <a:fillRef idx="1">
+            <a:schemeClr val="accent1"/>
+          </a:fillRef>
+          <a:effectRef idx="0">
+            <a:schemeClr val="accent1"/>
+          </a:effectRef>
+          <a:fontRef idx="minor">
+            <a:schemeClr val="lt1"/>
+          </a:fontRef>
+        </p:style>
+        <p:txBody>
+          <a:bodyPr rtlCol="0" anchor="ctr"/>
+          <a:lstStyle/>
+          <a:p>
+            <a:pPr algn="ctr"/>
+            <a:r>
+              <a:rPr lang="en-US" sz="1200" dirty="0" err="1"/>
+              <a:t>AngbandOS.Web.SignalRConsole</a:t>
+            </a:r>
+            <a:endParaRPr lang="en-US" sz="1200" dirty="0"/>
+          </a:p>
+          <a:p>
+            <a:pPr algn="ctr"/>
+            <a:r>
+              <a:rPr lang="en-US" sz="700" dirty="0"/>
+              <a:t>This is an object that the </a:t>
+            </a:r>
+            <a:r>
+              <a:rPr lang="en-US" sz="700" dirty="0" err="1"/>
+              <a:t>GameService</a:t>
+            </a:r>
+            <a:r>
+              <a:rPr lang="en-US" sz="700" dirty="0"/>
+              <a:t> creates to run in the background to relay </a:t>
+            </a:r>
+            <a:r>
+              <a:rPr lang="en-US" sz="700" dirty="0" err="1"/>
+              <a:t>IConsole</a:t>
+            </a:r>
+            <a:r>
+              <a:rPr lang="en-US" sz="700" dirty="0"/>
+              <a:t> interface commands from the game “core” to the </a:t>
+            </a:r>
+            <a:r>
+              <a:rPr lang="en-US" sz="700" dirty="0" err="1"/>
+              <a:t>GameHub</a:t>
+            </a:r>
+            <a:r>
+              <a:rPr lang="en-US" sz="700" dirty="0"/>
+              <a:t>.</a:t>
+            </a:r>
+          </a:p>
+        </p:txBody>
+      </p:sp>
+      <p:cxnSp>
+        <p:nvCxnSpPr>
+          <p:cNvPr id="31" name="Straight Arrow Connector 30">
+            <a:extLst>
+              <a:ext uri="{FF2B5EF4-FFF2-40B4-BE49-F238E27FC236}">
+                <a16:creationId xmlns:a16="http://schemas.microsoft.com/office/drawing/2014/main" id="{7144A539-0F02-682B-3969-1B2EF727490F}"/>
+              </a:ext>
+            </a:extLst>
+          </p:cNvPr>
+          <p:cNvCxnSpPr>
+            <a:cxnSpLocks/>
+            <a:stCxn id="28" idx="2"/>
+            <a:endCxn id="29" idx="0"/>
+          </p:cNvCxnSpPr>
+          <p:nvPr/>
+        </p:nvCxnSpPr>
+        <p:spPr>
+          <a:xfrm flipH="1">
+            <a:off x="8435685" y="1790978"/>
             <a:ext cx="1" cy="247687"/>
           </a:xfrm>
           <a:prstGeom prst="straightConnector1">
@@ -4161,23 +5181,23 @@
       </p:cxnSp>
       <p:cxnSp>
         <p:nvCxnSpPr>
-          <p:cNvPr id="16" name="Straight Arrow Connector 15">
-            <a:extLst>
-              <a:ext uri="{FF2B5EF4-FFF2-40B4-BE49-F238E27FC236}">
-                <a16:creationId xmlns:a16="http://schemas.microsoft.com/office/drawing/2014/main" id="{09139845-CBA0-8117-CA77-8764D191CCB4}"/>
+          <p:cNvPr id="32" name="Straight Arrow Connector 31">
+            <a:extLst>
+              <a:ext uri="{FF2B5EF4-FFF2-40B4-BE49-F238E27FC236}">
+                <a16:creationId xmlns:a16="http://schemas.microsoft.com/office/drawing/2014/main" id="{C8D79935-A19D-1EE1-6472-C6B93366D254}"/>
               </a:ext>
             </a:extLst>
           </p:cNvPr>
           <p:cNvCxnSpPr>
             <a:cxnSpLocks/>
-            <a:stCxn id="5" idx="2"/>
-            <a:endCxn id="7" idx="0"/>
+            <a:stCxn id="29" idx="2"/>
+            <a:endCxn id="30" idx="0"/>
           </p:cNvCxnSpPr>
           <p:nvPr/>
         </p:nvCxnSpPr>
         <p:spPr>
           <a:xfrm flipH="1">
-            <a:off x="6095997" y="2422501"/>
+            <a:off x="8435683" y="2429104"/>
             <a:ext cx="2" cy="247687"/>
           </a:xfrm>
           <a:prstGeom prst="straightConnector1">
@@ -4204,196 +5224,22 @@
       </p:cxnSp>
       <p:cxnSp>
         <p:nvCxnSpPr>
-          <p:cNvPr id="18" name="Straight Arrow Connector 17">
-            <a:extLst>
-              <a:ext uri="{FF2B5EF4-FFF2-40B4-BE49-F238E27FC236}">
-                <a16:creationId xmlns:a16="http://schemas.microsoft.com/office/drawing/2014/main" id="{6D3782EE-8A3E-EDB4-9F34-CA9C71943B53}"/>
+          <p:cNvPr id="35" name="Straight Arrow Connector 34">
+            <a:extLst>
+              <a:ext uri="{FF2B5EF4-FFF2-40B4-BE49-F238E27FC236}">
+                <a16:creationId xmlns:a16="http://schemas.microsoft.com/office/drawing/2014/main" id="{C126DB57-E201-CEE9-0A7C-4EDF448659B9}"/>
               </a:ext>
             </a:extLst>
           </p:cNvPr>
           <p:cNvCxnSpPr>
-            <a:cxnSpLocks/>
-            <a:stCxn id="7" idx="2"/>
-            <a:endCxn id="6" idx="0"/>
-          </p:cNvCxnSpPr>
-          <p:nvPr/>
-        </p:nvCxnSpPr>
-        <p:spPr>
-          <a:xfrm>
-            <a:off x="6095997" y="3060627"/>
-            <a:ext cx="1" cy="248775"/>
-          </a:xfrm>
-          <a:prstGeom prst="straightConnector1">
-            <a:avLst/>
-          </a:prstGeom>
-          <a:ln>
-            <a:tailEnd type="triangle"/>
-          </a:ln>
-        </p:spPr>
-        <p:style>
-          <a:lnRef idx="1">
-            <a:schemeClr val="accent1"/>
-          </a:lnRef>
-          <a:fillRef idx="0">
-            <a:schemeClr val="accent1"/>
-          </a:fillRef>
-          <a:effectRef idx="0">
-            <a:schemeClr val="accent1"/>
-          </a:effectRef>
-          <a:fontRef idx="minor">
-            <a:schemeClr val="tx1"/>
-          </a:fontRef>
-        </p:style>
-      </p:cxnSp>
-      <p:cxnSp>
-        <p:nvCxnSpPr>
-          <p:cNvPr id="20" name="Straight Arrow Connector 19">
-            <a:extLst>
-              <a:ext uri="{FF2B5EF4-FFF2-40B4-BE49-F238E27FC236}">
-                <a16:creationId xmlns:a16="http://schemas.microsoft.com/office/drawing/2014/main" id="{DDD01F96-6F22-9191-0B13-D5D5BBE3F3BD}"/>
-              </a:ext>
-            </a:extLst>
-          </p:cNvPr>
-          <p:cNvCxnSpPr>
-            <a:cxnSpLocks/>
-            <a:stCxn id="6" idx="2"/>
-            <a:endCxn id="8" idx="0"/>
+            <a:stCxn id="30" idx="2"/>
           </p:cNvCxnSpPr>
           <p:nvPr/>
         </p:nvCxnSpPr>
         <p:spPr>
           <a:xfrm flipH="1">
-            <a:off x="6095997" y="3699841"/>
-            <a:ext cx="1" cy="248775"/>
-          </a:xfrm>
-          <a:prstGeom prst="straightConnector1">
-            <a:avLst/>
-          </a:prstGeom>
-          <a:ln>
-            <a:tailEnd type="triangle"/>
-          </a:ln>
-        </p:spPr>
-        <p:style>
-          <a:lnRef idx="1">
-            <a:schemeClr val="accent1"/>
-          </a:lnRef>
-          <a:fillRef idx="0">
-            <a:schemeClr val="accent1"/>
-          </a:fillRef>
-          <a:effectRef idx="0">
-            <a:schemeClr val="accent1"/>
-          </a:effectRef>
-          <a:fontRef idx="minor">
-            <a:schemeClr val="tx1"/>
-          </a:fontRef>
-        </p:style>
-      </p:cxnSp>
-      <p:cxnSp>
-        <p:nvCxnSpPr>
-          <p:cNvPr id="22" name="Straight Arrow Connector 21">
-            <a:extLst>
-              <a:ext uri="{FF2B5EF4-FFF2-40B4-BE49-F238E27FC236}">
-                <a16:creationId xmlns:a16="http://schemas.microsoft.com/office/drawing/2014/main" id="{C4E392C9-13B0-F3F7-A581-7D0A42B01EE2}"/>
-              </a:ext>
-            </a:extLst>
-          </p:cNvPr>
-          <p:cNvCxnSpPr>
-            <a:cxnSpLocks/>
-            <a:stCxn id="8" idx="2"/>
-            <a:endCxn id="9" idx="0"/>
-          </p:cNvCxnSpPr>
-          <p:nvPr/>
-        </p:nvCxnSpPr>
-        <p:spPr>
-          <a:xfrm>
-            <a:off x="6095997" y="4339055"/>
-            <a:ext cx="0" cy="248775"/>
-          </a:xfrm>
-          <a:prstGeom prst="straightConnector1">
-            <a:avLst/>
-          </a:prstGeom>
-          <a:ln>
-            <a:tailEnd type="triangle"/>
-          </a:ln>
-        </p:spPr>
-        <p:style>
-          <a:lnRef idx="1">
-            <a:schemeClr val="accent1"/>
-          </a:lnRef>
-          <a:fillRef idx="0">
-            <a:schemeClr val="accent1"/>
-          </a:fillRef>
-          <a:effectRef idx="0">
-            <a:schemeClr val="accent1"/>
-          </a:effectRef>
-          <a:fontRef idx="minor">
-            <a:schemeClr val="tx1"/>
-          </a:fontRef>
-        </p:style>
-      </p:cxnSp>
-      <p:cxnSp>
-        <p:nvCxnSpPr>
-          <p:cNvPr id="24" name="Straight Arrow Connector 23">
-            <a:extLst>
-              <a:ext uri="{FF2B5EF4-FFF2-40B4-BE49-F238E27FC236}">
-                <a16:creationId xmlns:a16="http://schemas.microsoft.com/office/drawing/2014/main" id="{06A53A37-00F2-6F4B-C9E9-6F406A44949E}"/>
-              </a:ext>
-            </a:extLst>
-          </p:cNvPr>
-          <p:cNvCxnSpPr>
-            <a:cxnSpLocks/>
-            <a:stCxn id="9" idx="2"/>
-            <a:endCxn id="10" idx="0"/>
-          </p:cNvCxnSpPr>
-          <p:nvPr/>
-        </p:nvCxnSpPr>
-        <p:spPr>
-          <a:xfrm>
-            <a:off x="6095997" y="4978269"/>
-            <a:ext cx="0" cy="250593"/>
-          </a:xfrm>
-          <a:prstGeom prst="straightConnector1">
-            <a:avLst/>
-          </a:prstGeom>
-          <a:ln>
-            <a:tailEnd type="triangle"/>
-          </a:ln>
-        </p:spPr>
-        <p:style>
-          <a:lnRef idx="1">
-            <a:schemeClr val="accent1"/>
-          </a:lnRef>
-          <a:fillRef idx="0">
-            <a:schemeClr val="accent1"/>
-          </a:fillRef>
-          <a:effectRef idx="0">
-            <a:schemeClr val="accent1"/>
-          </a:effectRef>
-          <a:fontRef idx="minor">
-            <a:schemeClr val="tx1"/>
-          </a:fontRef>
-        </p:style>
-      </p:cxnSp>
-      <p:cxnSp>
-        <p:nvCxnSpPr>
-          <p:cNvPr id="26" name="Straight Arrow Connector 25">
-            <a:extLst>
-              <a:ext uri="{FF2B5EF4-FFF2-40B4-BE49-F238E27FC236}">
-                <a16:creationId xmlns:a16="http://schemas.microsoft.com/office/drawing/2014/main" id="{5A387D98-2263-5C90-86AD-6B3727A8CEAC}"/>
-              </a:ext>
-            </a:extLst>
-          </p:cNvPr>
-          <p:cNvCxnSpPr>
-            <a:cxnSpLocks/>
-            <a:stCxn id="10" idx="2"/>
-            <a:endCxn id="11" idx="0"/>
-          </p:cNvCxnSpPr>
-          <p:nvPr/>
-        </p:nvCxnSpPr>
-        <p:spPr>
-          <a:xfrm>
-            <a:off x="6095997" y="5619302"/>
-            <a:ext cx="0" cy="253433"/>
+            <a:off x="5971922" y="3067230"/>
+            <a:ext cx="2463761" cy="242171"/>
           </a:xfrm>
           <a:prstGeom prst="straightConnector1">
             <a:avLst/>

--- a/Documents/AngbandOS.Web Topology.pptx
+++ b/Documents/AngbandOS.Web Topology.pptx
@@ -6,7 +6,7 @@
   </p:sldMasterIdLst>
   <p:sldIdLst>
     <p:sldId id="256" r:id="rId2"/>
-    <p:sldId id="257" r:id="rId3"/>
+    <p:sldId id="258" r:id="rId3"/>
   </p:sldIdLst>
   <p:sldSz cx="12192000" cy="6858000"/>
   <p:notesSz cx="6858000" cy="9144000"/>
@@ -116,7 +116,7 @@
 <file path=ppt/revisionInfo.xml><?xml version="1.0" encoding="utf-8"?>
 <p1510:revInfo xmlns:a="http://schemas.openxmlformats.org/drawingml/2006/main" xmlns:r="http://schemas.openxmlformats.org/officeDocument/2006/relationships" xmlns:p1510="http://schemas.microsoft.com/office/powerpoint/2015/10/main">
   <p1510:revLst>
-    <p1510:client id="{F93D44ED-375D-4FA9-90AA-824A0B780C8F}" v="2" dt="2023-07-18T01:02:54.655"/>
+    <p1510:client id="{F93D44ED-375D-4FA9-90AA-824A0B780C8F}" v="73" dt="2024-10-08T21:19:22.841"/>
   </p1510:revLst>
 </p1510:revInfo>
 </file>
@@ -125,43 +125,51 @@
 <pc:chgInfo xmlns:a="http://schemas.openxmlformats.org/drawingml/2006/main" xmlns:r="http://schemas.openxmlformats.org/officeDocument/2006/relationships" xmlns:ac="http://schemas.microsoft.com/office/drawing/2013/main/command" xmlns:pc="http://schemas.microsoft.com/office/powerpoint/2013/main/command">
   <pc:docChgLst>
     <pc:chgData name="Marc Johnston" userId="4bd435294172a9e0" providerId="LiveId" clId="{F93D44ED-375D-4FA9-90AA-824A0B780C8F}"/>
-    <pc:docChg chg="undo custSel modSld">
-      <pc:chgData name="Marc Johnston" userId="4bd435294172a9e0" providerId="LiveId" clId="{F93D44ED-375D-4FA9-90AA-824A0B780C8F}" dt="2023-07-18T01:09:03.779" v="957" actId="14100"/>
+    <pc:docChg chg="undo custSel addSld delSld modSld">
+      <pc:chgData name="Marc Johnston" userId="4bd435294172a9e0" providerId="LiveId" clId="{F93D44ED-375D-4FA9-90AA-824A0B780C8F}" dt="2024-10-08T21:28:12.017" v="1759" actId="14100"/>
       <pc:docMkLst>
         <pc:docMk/>
       </pc:docMkLst>
-      <pc:sldChg chg="addSp delSp modSp mod">
-        <pc:chgData name="Marc Johnston" userId="4bd435294172a9e0" providerId="LiveId" clId="{F93D44ED-375D-4FA9-90AA-824A0B780C8F}" dt="2023-07-18T01:09:03.779" v="957" actId="14100"/>
+      <pc:sldChg chg="addSp delSp modSp del mod">
+        <pc:chgData name="Marc Johnston" userId="4bd435294172a9e0" providerId="LiveId" clId="{F93D44ED-375D-4FA9-90AA-824A0B780C8F}" dt="2024-10-08T21:15:58.463" v="1724" actId="47"/>
         <pc:sldMkLst>
           <pc:docMk/>
           <pc:sldMk cId="2233212922" sldId="257"/>
         </pc:sldMkLst>
+        <pc:spChg chg="mod">
+          <ac:chgData name="Marc Johnston" userId="4bd435294172a9e0" providerId="LiveId" clId="{F93D44ED-375D-4FA9-90AA-824A0B780C8F}" dt="2024-10-08T20:50:56.815" v="997" actId="1076"/>
+          <ac:spMkLst>
+            <pc:docMk/>
+            <pc:sldMk cId="2233212922" sldId="257"/>
+            <ac:spMk id="2" creationId="{07C1F892-02E5-C608-D277-D70B99CE7F83}"/>
+          </ac:spMkLst>
+        </pc:spChg>
         <pc:spChg chg="add mod">
-          <ac:chgData name="Marc Johnston" userId="4bd435294172a9e0" providerId="LiveId" clId="{F93D44ED-375D-4FA9-90AA-824A0B780C8F}" dt="2023-07-18T01:08:57.567" v="955" actId="1076"/>
+          <ac:chgData name="Marc Johnston" userId="4bd435294172a9e0" providerId="LiveId" clId="{F93D44ED-375D-4FA9-90AA-824A0B780C8F}" dt="2024-10-06T23:05:58.042" v="958" actId="1076"/>
           <ac:spMkLst>
             <pc:docMk/>
             <pc:sldMk cId="2233212922" sldId="257"/>
             <ac:spMk id="3" creationId="{472FE763-C632-39E0-CC24-E3FEAEABA863}"/>
           </ac:spMkLst>
         </pc:spChg>
-        <pc:spChg chg="mod">
-          <ac:chgData name="Marc Johnston" userId="4bd435294172a9e0" providerId="LiveId" clId="{F93D44ED-375D-4FA9-90AA-824A0B780C8F}" dt="2023-07-18T01:03:16.645" v="952" actId="1076"/>
+        <pc:spChg chg="del mod">
+          <ac:chgData name="Marc Johnston" userId="4bd435294172a9e0" providerId="LiveId" clId="{F93D44ED-375D-4FA9-90AA-824A0B780C8F}" dt="2024-10-06T23:10:17.752" v="989" actId="478"/>
           <ac:spMkLst>
             <pc:docMk/>
             <pc:sldMk cId="2233212922" sldId="257"/>
             <ac:spMk id="4" creationId="{361EE555-D2E2-6CE1-0E88-E13C3D96B1C8}"/>
           </ac:spMkLst>
         </pc:spChg>
-        <pc:spChg chg="mod">
-          <ac:chgData name="Marc Johnston" userId="4bd435294172a9e0" providerId="LiveId" clId="{F93D44ED-375D-4FA9-90AA-824A0B780C8F}" dt="2023-07-18T01:03:16.645" v="952" actId="1076"/>
+        <pc:spChg chg="del mod">
+          <ac:chgData name="Marc Johnston" userId="4bd435294172a9e0" providerId="LiveId" clId="{F93D44ED-375D-4FA9-90AA-824A0B780C8F}" dt="2024-10-06T23:10:17.752" v="989" actId="478"/>
           <ac:spMkLst>
             <pc:docMk/>
             <pc:sldMk cId="2233212922" sldId="257"/>
             <ac:spMk id="5" creationId="{2F2B651A-2AD9-EB72-8DD3-D4811C4F1A1D}"/>
           </ac:spMkLst>
         </pc:spChg>
-        <pc:spChg chg="mod">
-          <ac:chgData name="Marc Johnston" userId="4bd435294172a9e0" providerId="LiveId" clId="{F93D44ED-375D-4FA9-90AA-824A0B780C8F}" dt="2023-07-18T01:03:16.645" v="952" actId="1076"/>
+        <pc:spChg chg="del mod">
+          <ac:chgData name="Marc Johnston" userId="4bd435294172a9e0" providerId="LiveId" clId="{F93D44ED-375D-4FA9-90AA-824A0B780C8F}" dt="2024-10-06T23:10:17.752" v="989" actId="478"/>
           <ac:spMkLst>
             <pc:docMk/>
             <pc:sldMk cId="2233212922" sldId="257"/>
@@ -225,7 +233,15 @@
           </ac:spMkLst>
         </pc:spChg>
         <pc:spChg chg="add mod">
-          <ac:chgData name="Marc Johnston" userId="4bd435294172a9e0" providerId="LiveId" clId="{F93D44ED-375D-4FA9-90AA-824A0B780C8F}" dt="2023-07-18T01:03:00.581" v="949" actId="1076"/>
+          <ac:chgData name="Marc Johnston" userId="4bd435294172a9e0" providerId="LiveId" clId="{F93D44ED-375D-4FA9-90AA-824A0B780C8F}" dt="2024-10-06T23:06:03.122" v="960" actId="1076"/>
+          <ac:spMkLst>
+            <pc:docMk/>
+            <pc:sldMk cId="2233212922" sldId="257"/>
+            <ac:spMk id="25" creationId="{5C1AA91C-AA8C-3A47-EB22-5597572EEC3D}"/>
+          </ac:spMkLst>
+        </pc:spChg>
+        <pc:spChg chg="add mod">
+          <ac:chgData name="Marc Johnston" userId="4bd435294172a9e0" providerId="LiveId" clId="{F93D44ED-375D-4FA9-90AA-824A0B780C8F}" dt="2024-10-06T23:10:25.936" v="991" actId="1076"/>
           <ac:spMkLst>
             <pc:docMk/>
             <pc:sldMk cId="2233212922" sldId="257"/>
@@ -233,7 +249,7 @@
           </ac:spMkLst>
         </pc:spChg>
         <pc:spChg chg="add mod">
-          <ac:chgData name="Marc Johnston" userId="4bd435294172a9e0" providerId="LiveId" clId="{F93D44ED-375D-4FA9-90AA-824A0B780C8F}" dt="2023-07-18T01:03:00.581" v="949" actId="1076"/>
+          <ac:chgData name="Marc Johnston" userId="4bd435294172a9e0" providerId="LiveId" clId="{F93D44ED-375D-4FA9-90AA-824A0B780C8F}" dt="2024-10-06T23:10:43.169" v="993" actId="1076"/>
           <ac:spMkLst>
             <pc:docMk/>
             <pc:sldMk cId="2233212922" sldId="257"/>
@@ -241,23 +257,47 @@
           </ac:spMkLst>
         </pc:spChg>
         <pc:spChg chg="add mod">
-          <ac:chgData name="Marc Johnston" userId="4bd435294172a9e0" providerId="LiveId" clId="{F93D44ED-375D-4FA9-90AA-824A0B780C8F}" dt="2023-07-18T01:03:00.581" v="949" actId="1076"/>
+          <ac:chgData name="Marc Johnston" userId="4bd435294172a9e0" providerId="LiveId" clId="{F93D44ED-375D-4FA9-90AA-824A0B780C8F}" dt="2024-10-06T23:10:43.169" v="993" actId="1076"/>
           <ac:spMkLst>
             <pc:docMk/>
             <pc:sldMk cId="2233212922" sldId="257"/>
             <ac:spMk id="30" creationId="{A7035500-5107-341F-10AD-6490E25B3775}"/>
           </ac:spMkLst>
         </pc:spChg>
-        <pc:cxnChg chg="mod">
-          <ac:chgData name="Marc Johnston" userId="4bd435294172a9e0" providerId="LiveId" clId="{F93D44ED-375D-4FA9-90AA-824A0B780C8F}" dt="2023-07-18T01:03:16.645" v="952" actId="1076"/>
+        <pc:spChg chg="add del mod">
+          <ac:chgData name="Marc Johnston" userId="4bd435294172a9e0" providerId="LiveId" clId="{F93D44ED-375D-4FA9-90AA-824A0B780C8F}" dt="2024-10-06T23:06:46.478" v="965" actId="478"/>
+          <ac:spMkLst>
+            <pc:docMk/>
+            <pc:sldMk cId="2233212922" sldId="257"/>
+            <ac:spMk id="33" creationId="{D6356AF7-320A-F55C-5A82-36F977756B9F}"/>
+          </ac:spMkLst>
+        </pc:spChg>
+        <pc:spChg chg="add mod">
+          <ac:chgData name="Marc Johnston" userId="4bd435294172a9e0" providerId="LiveId" clId="{F93D44ED-375D-4FA9-90AA-824A0B780C8F}" dt="2024-10-06T23:08:40.887" v="981" actId="14100"/>
+          <ac:spMkLst>
+            <pc:docMk/>
+            <pc:sldMk cId="2233212922" sldId="257"/>
+            <ac:spMk id="34" creationId="{911A8CE4-A39F-926C-6D50-903AEE9279C6}"/>
+          </ac:spMkLst>
+        </pc:spChg>
+        <pc:spChg chg="add mod">
+          <ac:chgData name="Marc Johnston" userId="4bd435294172a9e0" providerId="LiveId" clId="{F93D44ED-375D-4FA9-90AA-824A0B780C8F}" dt="2024-10-06T23:08:58.573" v="988" actId="6549"/>
+          <ac:spMkLst>
+            <pc:docMk/>
+            <pc:sldMk cId="2233212922" sldId="257"/>
+            <ac:spMk id="39" creationId="{35E31DC4-B605-C942-79D8-00285B8A98E5}"/>
+          </ac:spMkLst>
+        </pc:spChg>
+        <pc:cxnChg chg="del mod">
+          <ac:chgData name="Marc Johnston" userId="4bd435294172a9e0" providerId="LiveId" clId="{F93D44ED-375D-4FA9-90AA-824A0B780C8F}" dt="2024-10-06T23:10:17.752" v="989" actId="478"/>
           <ac:cxnSpMkLst>
             <pc:docMk/>
             <pc:sldMk cId="2233212922" sldId="257"/>
             <ac:cxnSpMk id="13" creationId="{AEC3F272-C444-08AE-D215-89066ED048F8}"/>
           </ac:cxnSpMkLst>
         </pc:cxnChg>
-        <pc:cxnChg chg="mod">
-          <ac:chgData name="Marc Johnston" userId="4bd435294172a9e0" providerId="LiveId" clId="{F93D44ED-375D-4FA9-90AA-824A0B780C8F}" dt="2023-07-18T01:03:16.645" v="952" actId="1076"/>
+        <pc:cxnChg chg="del mod">
+          <ac:chgData name="Marc Johnston" userId="4bd435294172a9e0" providerId="LiveId" clId="{F93D44ED-375D-4FA9-90AA-824A0B780C8F}" dt="2024-10-06T23:10:17.752" v="989" actId="478"/>
           <ac:cxnSpMkLst>
             <pc:docMk/>
             <pc:sldMk cId="2233212922" sldId="257"/>
@@ -265,15 +305,15 @@
           </ac:cxnSpMkLst>
         </pc:cxnChg>
         <pc:cxnChg chg="add mod">
-          <ac:chgData name="Marc Johnston" userId="4bd435294172a9e0" providerId="LiveId" clId="{F93D44ED-375D-4FA9-90AA-824A0B780C8F}" dt="2023-07-18T01:08:57.567" v="955" actId="1076"/>
+          <ac:chgData name="Marc Johnston" userId="4bd435294172a9e0" providerId="LiveId" clId="{F93D44ED-375D-4FA9-90AA-824A0B780C8F}" dt="2024-10-06T23:05:58.042" v="958" actId="1076"/>
           <ac:cxnSpMkLst>
             <pc:docMk/>
             <pc:sldMk cId="2233212922" sldId="257"/>
             <ac:cxnSpMk id="17" creationId="{8FB44040-55B5-E07E-B264-F04292F19B74}"/>
           </ac:cxnSpMkLst>
         </pc:cxnChg>
-        <pc:cxnChg chg="mod">
-          <ac:chgData name="Marc Johnston" userId="4bd435294172a9e0" providerId="LiveId" clId="{F93D44ED-375D-4FA9-90AA-824A0B780C8F}" dt="2023-07-18T01:03:16.645" v="952" actId="1076"/>
+        <pc:cxnChg chg="del mod">
+          <ac:chgData name="Marc Johnston" userId="4bd435294172a9e0" providerId="LiveId" clId="{F93D44ED-375D-4FA9-90AA-824A0B780C8F}" dt="2024-10-06T23:10:20.477" v="990" actId="478"/>
           <ac:cxnSpMkLst>
             <pc:docMk/>
             <pc:sldMk cId="2233212922" sldId="257"/>
@@ -305,7 +345,7 @@
           </ac:cxnSpMkLst>
         </pc:cxnChg>
         <pc:cxnChg chg="mod">
-          <ac:chgData name="Marc Johnston" userId="4bd435294172a9e0" providerId="LiveId" clId="{F93D44ED-375D-4FA9-90AA-824A0B780C8F}" dt="2023-07-18T01:09:03.779" v="957" actId="14100"/>
+          <ac:chgData name="Marc Johnston" userId="4bd435294172a9e0" providerId="LiveId" clId="{F93D44ED-375D-4FA9-90AA-824A0B780C8F}" dt="2024-10-06T23:05:58.042" v="958" actId="1076"/>
           <ac:cxnSpMkLst>
             <pc:docMk/>
             <pc:sldMk cId="2233212922" sldId="257"/>
@@ -329,7 +369,7 @@
           </ac:cxnSpMkLst>
         </pc:cxnChg>
         <pc:cxnChg chg="add mod">
-          <ac:chgData name="Marc Johnston" userId="4bd435294172a9e0" providerId="LiveId" clId="{F93D44ED-375D-4FA9-90AA-824A0B780C8F}" dt="2023-07-18T01:08:57.567" v="955" actId="1076"/>
+          <ac:chgData name="Marc Johnston" userId="4bd435294172a9e0" providerId="LiveId" clId="{F93D44ED-375D-4FA9-90AA-824A0B780C8F}" dt="2024-10-06T23:05:58.042" v="958" actId="1076"/>
           <ac:cxnSpMkLst>
             <pc:docMk/>
             <pc:sldMk cId="2233212922" sldId="257"/>
@@ -337,7 +377,7 @@
           </ac:cxnSpMkLst>
         </pc:cxnChg>
         <pc:cxnChg chg="add mod">
-          <ac:chgData name="Marc Johnston" userId="4bd435294172a9e0" providerId="LiveId" clId="{F93D44ED-375D-4FA9-90AA-824A0B780C8F}" dt="2023-07-18T01:03:00.581" v="949" actId="1076"/>
+          <ac:chgData name="Marc Johnston" userId="4bd435294172a9e0" providerId="LiveId" clId="{F93D44ED-375D-4FA9-90AA-824A0B780C8F}" dt="2024-10-06T23:10:43.169" v="993" actId="1076"/>
           <ac:cxnSpMkLst>
             <pc:docMk/>
             <pc:sldMk cId="2233212922" sldId="257"/>
@@ -345,19 +385,834 @@
           </ac:cxnSpMkLst>
         </pc:cxnChg>
         <pc:cxnChg chg="add mod">
-          <ac:chgData name="Marc Johnston" userId="4bd435294172a9e0" providerId="LiveId" clId="{F93D44ED-375D-4FA9-90AA-824A0B780C8F}" dt="2023-07-18T01:03:00.581" v="949" actId="1076"/>
+          <ac:chgData name="Marc Johnston" userId="4bd435294172a9e0" providerId="LiveId" clId="{F93D44ED-375D-4FA9-90AA-824A0B780C8F}" dt="2024-10-06T23:10:43.169" v="993" actId="1076"/>
           <ac:cxnSpMkLst>
             <pc:docMk/>
             <pc:sldMk cId="2233212922" sldId="257"/>
             <ac:cxnSpMk id="32" creationId="{C8D79935-A19D-1EE1-6472-C6B93366D254}"/>
           </ac:cxnSpMkLst>
         </pc:cxnChg>
-        <pc:cxnChg chg="add">
-          <ac:chgData name="Marc Johnston" userId="4bd435294172a9e0" providerId="LiveId" clId="{F93D44ED-375D-4FA9-90AA-824A0B780C8F}" dt="2023-07-18T01:03:26.901" v="953" actId="11529"/>
+        <pc:cxnChg chg="add mod">
+          <ac:chgData name="Marc Johnston" userId="4bd435294172a9e0" providerId="LiveId" clId="{F93D44ED-375D-4FA9-90AA-824A0B780C8F}" dt="2024-10-08T20:18:52.229" v="995" actId="14100"/>
           <ac:cxnSpMkLst>
             <pc:docMk/>
             <pc:sldMk cId="2233212922" sldId="257"/>
             <ac:cxnSpMk id="35" creationId="{C126DB57-E201-CEE9-0A7C-4EDF448659B9}"/>
+          </ac:cxnSpMkLst>
+        </pc:cxnChg>
+        <pc:cxnChg chg="add mod">
+          <ac:chgData name="Marc Johnston" userId="4bd435294172a9e0" providerId="LiveId" clId="{F93D44ED-375D-4FA9-90AA-824A0B780C8F}" dt="2024-10-06T23:08:52.390" v="984" actId="14100"/>
+          <ac:cxnSpMkLst>
+            <pc:docMk/>
+            <pc:sldMk cId="2233212922" sldId="257"/>
+            <ac:cxnSpMk id="36" creationId="{B1696181-5A84-3D61-3BBB-87CEE4E7CA55}"/>
+          </ac:cxnSpMkLst>
+        </pc:cxnChg>
+      </pc:sldChg>
+      <pc:sldChg chg="addSp delSp modSp new mod">
+        <pc:chgData name="Marc Johnston" userId="4bd435294172a9e0" providerId="LiveId" clId="{F93D44ED-375D-4FA9-90AA-824A0B780C8F}" dt="2024-10-08T21:28:12.017" v="1759" actId="14100"/>
+        <pc:sldMkLst>
+          <pc:docMk/>
+          <pc:sldMk cId="3896090519" sldId="258"/>
+        </pc:sldMkLst>
+        <pc:spChg chg="mod">
+          <ac:chgData name="Marc Johnston" userId="4bd435294172a9e0" providerId="LiveId" clId="{F93D44ED-375D-4FA9-90AA-824A0B780C8F}" dt="2024-10-08T21:15:52.413" v="1723" actId="255"/>
+          <ac:spMkLst>
+            <pc:docMk/>
+            <pc:sldMk cId="3896090519" sldId="258"/>
+            <ac:spMk id="2" creationId="{A9010260-F482-1D0E-044C-FE6CD82B384A}"/>
+          </ac:spMkLst>
+        </pc:spChg>
+        <pc:spChg chg="add mod">
+          <ac:chgData name="Marc Johnston" userId="4bd435294172a9e0" providerId="LiveId" clId="{F93D44ED-375D-4FA9-90AA-824A0B780C8F}" dt="2024-10-08T21:13:52.593" v="1653" actId="1038"/>
+          <ac:spMkLst>
+            <pc:docMk/>
+            <pc:sldMk cId="3896090519" sldId="258"/>
+            <ac:spMk id="3" creationId="{62211564-1FED-6241-47F3-F4A6572607DD}"/>
+          </ac:spMkLst>
+        </pc:spChg>
+        <pc:spChg chg="add mod">
+          <ac:chgData name="Marc Johnston" userId="4bd435294172a9e0" providerId="LiveId" clId="{F93D44ED-375D-4FA9-90AA-824A0B780C8F}" dt="2024-10-08T21:28:12.017" v="1759" actId="14100"/>
+          <ac:spMkLst>
+            <pc:docMk/>
+            <pc:sldMk cId="3896090519" sldId="258"/>
+            <ac:spMk id="4" creationId="{B1FDDA03-5101-307E-8528-921FCC7BA748}"/>
+          </ac:spMkLst>
+        </pc:spChg>
+        <pc:spChg chg="add del mod">
+          <ac:chgData name="Marc Johnston" userId="4bd435294172a9e0" providerId="LiveId" clId="{F93D44ED-375D-4FA9-90AA-824A0B780C8F}" dt="2024-10-08T20:55:29.563" v="1109" actId="478"/>
+          <ac:spMkLst>
+            <pc:docMk/>
+            <pc:sldMk cId="3896090519" sldId="258"/>
+            <ac:spMk id="4" creationId="{CB9FD69D-CFC3-4AB9-8FE0-98CCCF6BAFF5}"/>
+          </ac:spMkLst>
+        </pc:spChg>
+        <pc:spChg chg="add mod">
+          <ac:chgData name="Marc Johnston" userId="4bd435294172a9e0" providerId="LiveId" clId="{F93D44ED-375D-4FA9-90AA-824A0B780C8F}" dt="2024-10-08T21:10:55.589" v="1532" actId="164"/>
+          <ac:spMkLst>
+            <pc:docMk/>
+            <pc:sldMk cId="3896090519" sldId="258"/>
+            <ac:spMk id="5" creationId="{D61FFBA3-EFC0-78E1-B0AE-36A5D9771813}"/>
+          </ac:spMkLst>
+        </pc:spChg>
+        <pc:spChg chg="add mod">
+          <ac:chgData name="Marc Johnston" userId="4bd435294172a9e0" providerId="LiveId" clId="{F93D44ED-375D-4FA9-90AA-824A0B780C8F}" dt="2024-10-08T21:11:11.152" v="1533" actId="164"/>
+          <ac:spMkLst>
+            <pc:docMk/>
+            <pc:sldMk cId="3896090519" sldId="258"/>
+            <ac:spMk id="6" creationId="{90E3C269-A4EB-9028-F766-37B03AD24CC6}"/>
+          </ac:spMkLst>
+        </pc:spChg>
+        <pc:spChg chg="add mod">
+          <ac:chgData name="Marc Johnston" userId="4bd435294172a9e0" providerId="LiveId" clId="{F93D44ED-375D-4FA9-90AA-824A0B780C8F}" dt="2024-10-08T21:12:16.589" v="1562" actId="164"/>
+          <ac:spMkLst>
+            <pc:docMk/>
+            <pc:sldMk cId="3896090519" sldId="258"/>
+            <ac:spMk id="7" creationId="{B8025CDD-CA99-CA9F-A6D2-BA4DF6E90784}"/>
+          </ac:spMkLst>
+        </pc:spChg>
+        <pc:spChg chg="add mod">
+          <ac:chgData name="Marc Johnston" userId="4bd435294172a9e0" providerId="LiveId" clId="{F93D44ED-375D-4FA9-90AA-824A0B780C8F}" dt="2024-10-08T21:12:12.667" v="1561" actId="164"/>
+          <ac:spMkLst>
+            <pc:docMk/>
+            <pc:sldMk cId="3896090519" sldId="258"/>
+            <ac:spMk id="8" creationId="{B21BD4A3-7082-C2A2-E27F-17B59641C7CD}"/>
+          </ac:spMkLst>
+        </pc:spChg>
+        <pc:spChg chg="add mod">
+          <ac:chgData name="Marc Johnston" userId="4bd435294172a9e0" providerId="LiveId" clId="{F93D44ED-375D-4FA9-90AA-824A0B780C8F}" dt="2024-10-08T21:12:03.558" v="1559" actId="164"/>
+          <ac:spMkLst>
+            <pc:docMk/>
+            <pc:sldMk cId="3896090519" sldId="258"/>
+            <ac:spMk id="9" creationId="{EEA9457C-F90B-75F9-275D-8343690194A4}"/>
+          </ac:spMkLst>
+        </pc:spChg>
+        <pc:spChg chg="add mod">
+          <ac:chgData name="Marc Johnston" userId="4bd435294172a9e0" providerId="LiveId" clId="{F93D44ED-375D-4FA9-90AA-824A0B780C8F}" dt="2024-10-08T21:12:08.550" v="1560" actId="164"/>
+          <ac:spMkLst>
+            <pc:docMk/>
+            <pc:sldMk cId="3896090519" sldId="258"/>
+            <ac:spMk id="10" creationId="{7E3522A7-896A-502F-AF24-DA180FA97253}"/>
+          </ac:spMkLst>
+        </pc:spChg>
+        <pc:spChg chg="add mod">
+          <ac:chgData name="Marc Johnston" userId="4bd435294172a9e0" providerId="LiveId" clId="{F93D44ED-375D-4FA9-90AA-824A0B780C8F}" dt="2024-10-08T21:13:52.593" v="1653" actId="1038"/>
+          <ac:spMkLst>
+            <pc:docMk/>
+            <pc:sldMk cId="3896090519" sldId="258"/>
+            <ac:spMk id="11" creationId="{49C85F25-311B-17E6-A2B6-9D838DF7BFA0}"/>
+          </ac:spMkLst>
+        </pc:spChg>
+        <pc:spChg chg="add mod">
+          <ac:chgData name="Marc Johnston" userId="4bd435294172a9e0" providerId="LiveId" clId="{F93D44ED-375D-4FA9-90AA-824A0B780C8F}" dt="2024-10-08T21:13:52.593" v="1653" actId="1038"/>
+          <ac:spMkLst>
+            <pc:docMk/>
+            <pc:sldMk cId="3896090519" sldId="258"/>
+            <ac:spMk id="12" creationId="{46C6430B-5F8B-19B9-4216-57EDF5BBB22F}"/>
+          </ac:spMkLst>
+        </pc:spChg>
+        <pc:spChg chg="add mod">
+          <ac:chgData name="Marc Johnston" userId="4bd435294172a9e0" providerId="LiveId" clId="{F93D44ED-375D-4FA9-90AA-824A0B780C8F}" dt="2024-10-08T21:13:52.593" v="1653" actId="1038"/>
+          <ac:spMkLst>
+            <pc:docMk/>
+            <pc:sldMk cId="3896090519" sldId="258"/>
+            <ac:spMk id="13" creationId="{9FA9F577-A9C6-D089-675F-3145755C3526}"/>
+          </ac:spMkLst>
+        </pc:spChg>
+        <pc:spChg chg="add mod">
+          <ac:chgData name="Marc Johnston" userId="4bd435294172a9e0" providerId="LiveId" clId="{F93D44ED-375D-4FA9-90AA-824A0B780C8F}" dt="2024-10-08T21:13:52.593" v="1653" actId="1038"/>
+          <ac:spMkLst>
+            <pc:docMk/>
+            <pc:sldMk cId="3896090519" sldId="258"/>
+            <ac:spMk id="14" creationId="{9FD8F4BC-5DC3-153F-613A-97A4F9688D8B}"/>
+          </ac:spMkLst>
+        </pc:spChg>
+        <pc:spChg chg="add mod">
+          <ac:chgData name="Marc Johnston" userId="4bd435294172a9e0" providerId="LiveId" clId="{F93D44ED-375D-4FA9-90AA-824A0B780C8F}" dt="2024-10-08T21:13:52.593" v="1653" actId="1038"/>
+          <ac:spMkLst>
+            <pc:docMk/>
+            <pc:sldMk cId="3896090519" sldId="258"/>
+            <ac:spMk id="15" creationId="{CEF0E89E-DD13-F389-CBE7-0B4D3B00BD9D}"/>
+          </ac:spMkLst>
+        </pc:spChg>
+        <pc:spChg chg="add del mod">
+          <ac:chgData name="Marc Johnston" userId="4bd435294172a9e0" providerId="LiveId" clId="{F93D44ED-375D-4FA9-90AA-824A0B780C8F}" dt="2024-10-08T20:57:08.782" v="1145" actId="478"/>
+          <ac:spMkLst>
+            <pc:docMk/>
+            <pc:sldMk cId="3896090519" sldId="258"/>
+            <ac:spMk id="16" creationId="{4CA0CE91-C350-D725-0F49-E2C30303C499}"/>
+          </ac:spMkLst>
+        </pc:spChg>
+        <pc:spChg chg="add mod ord">
+          <ac:chgData name="Marc Johnston" userId="4bd435294172a9e0" providerId="LiveId" clId="{F93D44ED-375D-4FA9-90AA-824A0B780C8F}" dt="2024-10-08T21:13:57.035" v="1654" actId="14100"/>
+          <ac:spMkLst>
+            <pc:docMk/>
+            <pc:sldMk cId="3896090519" sldId="258"/>
+            <ac:spMk id="17" creationId="{69ACD77E-AB64-968E-F07F-943EB1EB9DF6}"/>
+          </ac:spMkLst>
+        </pc:spChg>
+        <pc:spChg chg="add del mod">
+          <ac:chgData name="Marc Johnston" userId="4bd435294172a9e0" providerId="LiveId" clId="{F93D44ED-375D-4FA9-90AA-824A0B780C8F}" dt="2024-10-08T21:02:08.046" v="1271" actId="478"/>
+          <ac:spMkLst>
+            <pc:docMk/>
+            <pc:sldMk cId="3896090519" sldId="258"/>
+            <ac:spMk id="22" creationId="{9823553B-7ACA-05BB-3C2A-FB8D83561D48}"/>
+          </ac:spMkLst>
+        </pc:spChg>
+        <pc:spChg chg="add del mod">
+          <ac:chgData name="Marc Johnston" userId="4bd435294172a9e0" providerId="LiveId" clId="{F93D44ED-375D-4FA9-90AA-824A0B780C8F}" dt="2024-10-08T21:02:08.046" v="1271" actId="478"/>
+          <ac:spMkLst>
+            <pc:docMk/>
+            <pc:sldMk cId="3896090519" sldId="258"/>
+            <ac:spMk id="23" creationId="{A95D0CC8-ADF0-F2D0-D771-A19E64B9CF05}"/>
+          </ac:spMkLst>
+        </pc:spChg>
+        <pc:spChg chg="add del mod">
+          <ac:chgData name="Marc Johnston" userId="4bd435294172a9e0" providerId="LiveId" clId="{F93D44ED-375D-4FA9-90AA-824A0B780C8F}" dt="2024-10-08T20:57:29.487" v="1160" actId="478"/>
+          <ac:spMkLst>
+            <pc:docMk/>
+            <pc:sldMk cId="3896090519" sldId="258"/>
+            <ac:spMk id="24" creationId="{8F848961-D03C-CC01-4EF2-B0A119D9DBD8}"/>
+          </ac:spMkLst>
+        </pc:spChg>
+        <pc:spChg chg="add del mod">
+          <ac:chgData name="Marc Johnston" userId="4bd435294172a9e0" providerId="LiveId" clId="{F93D44ED-375D-4FA9-90AA-824A0B780C8F}" dt="2024-10-08T21:02:08.046" v="1271" actId="478"/>
+          <ac:spMkLst>
+            <pc:docMk/>
+            <pc:sldMk cId="3896090519" sldId="258"/>
+            <ac:spMk id="25" creationId="{159DB18E-A121-847B-77A6-B802DA1B0C4A}"/>
+          </ac:spMkLst>
+        </pc:spChg>
+        <pc:spChg chg="add del mod">
+          <ac:chgData name="Marc Johnston" userId="4bd435294172a9e0" providerId="LiveId" clId="{F93D44ED-375D-4FA9-90AA-824A0B780C8F}" dt="2024-10-08T21:02:08.046" v="1271" actId="478"/>
+          <ac:spMkLst>
+            <pc:docMk/>
+            <pc:sldMk cId="3896090519" sldId="258"/>
+            <ac:spMk id="26" creationId="{23669A6F-9604-EE9A-7679-E11FEDBB497C}"/>
+          </ac:spMkLst>
+        </pc:spChg>
+        <pc:spChg chg="add mod">
+          <ac:chgData name="Marc Johnston" userId="4bd435294172a9e0" providerId="LiveId" clId="{F93D44ED-375D-4FA9-90AA-824A0B780C8F}" dt="2024-10-08T21:13:52.593" v="1653" actId="1038"/>
+          <ac:spMkLst>
+            <pc:docMk/>
+            <pc:sldMk cId="3896090519" sldId="258"/>
+            <ac:spMk id="27" creationId="{87FBE252-5554-90E5-995D-F33009985926}"/>
+          </ac:spMkLst>
+        </pc:spChg>
+        <pc:spChg chg="add mod">
+          <ac:chgData name="Marc Johnston" userId="4bd435294172a9e0" providerId="LiveId" clId="{F93D44ED-375D-4FA9-90AA-824A0B780C8F}" dt="2024-10-08T21:13:52.593" v="1653" actId="1038"/>
+          <ac:spMkLst>
+            <pc:docMk/>
+            <pc:sldMk cId="3896090519" sldId="258"/>
+            <ac:spMk id="28" creationId="{022F73E1-42E2-69C3-D8EB-FF2FB7931B72}"/>
+          </ac:spMkLst>
+        </pc:spChg>
+        <pc:spChg chg="add del mod">
+          <ac:chgData name="Marc Johnston" userId="4bd435294172a9e0" providerId="LiveId" clId="{F93D44ED-375D-4FA9-90AA-824A0B780C8F}" dt="2024-10-08T21:02:10.574" v="1272" actId="478"/>
+          <ac:spMkLst>
+            <pc:docMk/>
+            <pc:sldMk cId="3896090519" sldId="258"/>
+            <ac:spMk id="29" creationId="{88E67F6E-4622-EA4A-39F6-270A5E036216}"/>
+          </ac:spMkLst>
+        </pc:spChg>
+        <pc:spChg chg="add del mod">
+          <ac:chgData name="Marc Johnston" userId="4bd435294172a9e0" providerId="LiveId" clId="{F93D44ED-375D-4FA9-90AA-824A0B780C8F}" dt="2024-10-08T21:02:10.574" v="1272" actId="478"/>
+          <ac:spMkLst>
+            <pc:docMk/>
+            <pc:sldMk cId="3896090519" sldId="258"/>
+            <ac:spMk id="30" creationId="{AAEF7753-BBF2-2FE3-C754-10E3725F0534}"/>
+          </ac:spMkLst>
+        </pc:spChg>
+        <pc:spChg chg="add del mod">
+          <ac:chgData name="Marc Johnston" userId="4bd435294172a9e0" providerId="LiveId" clId="{F93D44ED-375D-4FA9-90AA-824A0B780C8F}" dt="2024-10-08T21:02:10.574" v="1272" actId="478"/>
+          <ac:spMkLst>
+            <pc:docMk/>
+            <pc:sldMk cId="3896090519" sldId="258"/>
+            <ac:spMk id="31" creationId="{AD9B9533-C825-06F6-D186-C1BF6599EA88}"/>
+          </ac:spMkLst>
+        </pc:spChg>
+        <pc:spChg chg="add del mod">
+          <ac:chgData name="Marc Johnston" userId="4bd435294172a9e0" providerId="LiveId" clId="{F93D44ED-375D-4FA9-90AA-824A0B780C8F}" dt="2024-10-08T21:02:10.574" v="1272" actId="478"/>
+          <ac:spMkLst>
+            <pc:docMk/>
+            <pc:sldMk cId="3896090519" sldId="258"/>
+            <ac:spMk id="32" creationId="{A8369E7F-3310-4253-F4D6-239D3D595577}"/>
+          </ac:spMkLst>
+        </pc:spChg>
+        <pc:spChg chg="add mod">
+          <ac:chgData name="Marc Johnston" userId="4bd435294172a9e0" providerId="LiveId" clId="{F93D44ED-375D-4FA9-90AA-824A0B780C8F}" dt="2024-10-08T21:13:52.593" v="1653" actId="1038"/>
+          <ac:spMkLst>
+            <pc:docMk/>
+            <pc:sldMk cId="3896090519" sldId="258"/>
+            <ac:spMk id="33" creationId="{6112124C-C7C6-1668-423C-5B24F1A0EAB2}"/>
+          </ac:spMkLst>
+        </pc:spChg>
+        <pc:spChg chg="add mod">
+          <ac:chgData name="Marc Johnston" userId="4bd435294172a9e0" providerId="LiveId" clId="{F93D44ED-375D-4FA9-90AA-824A0B780C8F}" dt="2024-10-08T21:13:52.593" v="1653" actId="1038"/>
+          <ac:spMkLst>
+            <pc:docMk/>
+            <pc:sldMk cId="3896090519" sldId="258"/>
+            <ac:spMk id="34" creationId="{AA077E7A-8A88-404B-DDD9-D7C9736E184F}"/>
+          </ac:spMkLst>
+        </pc:spChg>
+        <pc:spChg chg="add mod">
+          <ac:chgData name="Marc Johnston" userId="4bd435294172a9e0" providerId="LiveId" clId="{F93D44ED-375D-4FA9-90AA-824A0B780C8F}" dt="2024-10-08T21:00:52.955" v="1247" actId="164"/>
+          <ac:spMkLst>
+            <pc:docMk/>
+            <pc:sldMk cId="3896090519" sldId="258"/>
+            <ac:spMk id="35" creationId="{9AEC540C-28CE-7B1B-E13C-A58B12478390}"/>
+          </ac:spMkLst>
+        </pc:spChg>
+        <pc:spChg chg="add mod">
+          <ac:chgData name="Marc Johnston" userId="4bd435294172a9e0" providerId="LiveId" clId="{F93D44ED-375D-4FA9-90AA-824A0B780C8F}" dt="2024-10-08T21:00:52.955" v="1247" actId="164"/>
+          <ac:spMkLst>
+            <pc:docMk/>
+            <pc:sldMk cId="3896090519" sldId="258"/>
+            <ac:spMk id="36" creationId="{CE0B6CB5-4358-7276-3287-E0677E312DE0}"/>
+          </ac:spMkLst>
+        </pc:spChg>
+        <pc:spChg chg="mod">
+          <ac:chgData name="Marc Johnston" userId="4bd435294172a9e0" providerId="LiveId" clId="{F93D44ED-375D-4FA9-90AA-824A0B780C8F}" dt="2024-10-08T21:01:10.771" v="1252"/>
+          <ac:spMkLst>
+            <pc:docMk/>
+            <pc:sldMk cId="3896090519" sldId="258"/>
+            <ac:spMk id="39" creationId="{7913C0CE-52E9-1AE1-9AE3-CB38F305B80B}"/>
+          </ac:spMkLst>
+        </pc:spChg>
+        <pc:spChg chg="mod">
+          <ac:chgData name="Marc Johnston" userId="4bd435294172a9e0" providerId="LiveId" clId="{F93D44ED-375D-4FA9-90AA-824A0B780C8F}" dt="2024-10-08T21:01:10.771" v="1252"/>
+          <ac:spMkLst>
+            <pc:docMk/>
+            <pc:sldMk cId="3896090519" sldId="258"/>
+            <ac:spMk id="40" creationId="{79F3276A-4836-7534-161C-D04B5C589D19}"/>
+          </ac:spMkLst>
+        </pc:spChg>
+        <pc:spChg chg="mod">
+          <ac:chgData name="Marc Johnston" userId="4bd435294172a9e0" providerId="LiveId" clId="{F93D44ED-375D-4FA9-90AA-824A0B780C8F}" dt="2024-10-08T21:01:13.479" v="1254"/>
+          <ac:spMkLst>
+            <pc:docMk/>
+            <pc:sldMk cId="3896090519" sldId="258"/>
+            <ac:spMk id="42" creationId="{630C1BA1-9746-B805-ABC9-B23F46351E8D}"/>
+          </ac:spMkLst>
+        </pc:spChg>
+        <pc:spChg chg="mod">
+          <ac:chgData name="Marc Johnston" userId="4bd435294172a9e0" providerId="LiveId" clId="{F93D44ED-375D-4FA9-90AA-824A0B780C8F}" dt="2024-10-08T21:01:13.479" v="1254"/>
+          <ac:spMkLst>
+            <pc:docMk/>
+            <pc:sldMk cId="3896090519" sldId="258"/>
+            <ac:spMk id="43" creationId="{8181DAFF-629D-7955-F02C-4CB839CC1516}"/>
+          </ac:spMkLst>
+        </pc:spChg>
+        <pc:spChg chg="mod">
+          <ac:chgData name="Marc Johnston" userId="4bd435294172a9e0" providerId="LiveId" clId="{F93D44ED-375D-4FA9-90AA-824A0B780C8F}" dt="2024-10-08T21:01:17.463" v="1256"/>
+          <ac:spMkLst>
+            <pc:docMk/>
+            <pc:sldMk cId="3896090519" sldId="258"/>
+            <ac:spMk id="45" creationId="{31B5A173-0BC5-8F6D-A375-F73E22299A17}"/>
+          </ac:spMkLst>
+        </pc:spChg>
+        <pc:spChg chg="mod">
+          <ac:chgData name="Marc Johnston" userId="4bd435294172a9e0" providerId="LiveId" clId="{F93D44ED-375D-4FA9-90AA-824A0B780C8F}" dt="2024-10-08T21:01:17.463" v="1256"/>
+          <ac:spMkLst>
+            <pc:docMk/>
+            <pc:sldMk cId="3896090519" sldId="258"/>
+            <ac:spMk id="46" creationId="{F4D221C1-6DEC-4776-480D-D7EC3C94496C}"/>
+          </ac:spMkLst>
+        </pc:spChg>
+        <pc:spChg chg="mod topLvl">
+          <ac:chgData name="Marc Johnston" userId="4bd435294172a9e0" providerId="LiveId" clId="{F93D44ED-375D-4FA9-90AA-824A0B780C8F}" dt="2024-10-08T21:13:52.593" v="1653" actId="1038"/>
+          <ac:spMkLst>
+            <pc:docMk/>
+            <pc:sldMk cId="3896090519" sldId="258"/>
+            <ac:spMk id="48" creationId="{6B79E9DB-6BD7-3BC9-AF2A-CC4AE717FDBF}"/>
+          </ac:spMkLst>
+        </pc:spChg>
+        <pc:spChg chg="mod topLvl">
+          <ac:chgData name="Marc Johnston" userId="4bd435294172a9e0" providerId="LiveId" clId="{F93D44ED-375D-4FA9-90AA-824A0B780C8F}" dt="2024-10-08T21:13:52.593" v="1653" actId="1038"/>
+          <ac:spMkLst>
+            <pc:docMk/>
+            <pc:sldMk cId="3896090519" sldId="258"/>
+            <ac:spMk id="49" creationId="{3D5EE8BD-4DED-8BE9-DCA6-819204E2C6BE}"/>
+          </ac:spMkLst>
+        </pc:spChg>
+        <pc:spChg chg="mod topLvl">
+          <ac:chgData name="Marc Johnston" userId="4bd435294172a9e0" providerId="LiveId" clId="{F93D44ED-375D-4FA9-90AA-824A0B780C8F}" dt="2024-10-08T21:13:52.593" v="1653" actId="1038"/>
+          <ac:spMkLst>
+            <pc:docMk/>
+            <pc:sldMk cId="3896090519" sldId="258"/>
+            <ac:spMk id="51" creationId="{A5729A53-ACDD-28F7-4D75-777F609B64F6}"/>
+          </ac:spMkLst>
+        </pc:spChg>
+        <pc:spChg chg="mod topLvl">
+          <ac:chgData name="Marc Johnston" userId="4bd435294172a9e0" providerId="LiveId" clId="{F93D44ED-375D-4FA9-90AA-824A0B780C8F}" dt="2024-10-08T21:13:52.593" v="1653" actId="1038"/>
+          <ac:spMkLst>
+            <pc:docMk/>
+            <pc:sldMk cId="3896090519" sldId="258"/>
+            <ac:spMk id="52" creationId="{24DE9345-7361-F82B-876E-1CAC3BD9F4F4}"/>
+          </ac:spMkLst>
+        </pc:spChg>
+        <pc:spChg chg="add mod">
+          <ac:chgData name="Marc Johnston" userId="4bd435294172a9e0" providerId="LiveId" clId="{F93D44ED-375D-4FA9-90AA-824A0B780C8F}" dt="2024-10-08T21:13:52.593" v="1653" actId="1038"/>
+          <ac:spMkLst>
+            <pc:docMk/>
+            <pc:sldMk cId="3896090519" sldId="258"/>
+            <ac:spMk id="53" creationId="{23B83486-0F7B-BC63-F6AA-0D9639726558}"/>
+          </ac:spMkLst>
+        </pc:spChg>
+        <pc:spChg chg="add mod">
+          <ac:chgData name="Marc Johnston" userId="4bd435294172a9e0" providerId="LiveId" clId="{F93D44ED-375D-4FA9-90AA-824A0B780C8F}" dt="2024-10-08T21:13:52.593" v="1653" actId="1038"/>
+          <ac:spMkLst>
+            <pc:docMk/>
+            <pc:sldMk cId="3896090519" sldId="258"/>
+            <ac:spMk id="54" creationId="{0EDF8675-42D0-C280-24FC-C7A3EFD04F5A}"/>
+          </ac:spMkLst>
+        </pc:spChg>
+        <pc:spChg chg="add mod">
+          <ac:chgData name="Marc Johnston" userId="4bd435294172a9e0" providerId="LiveId" clId="{F93D44ED-375D-4FA9-90AA-824A0B780C8F}" dt="2024-10-08T21:13:52.593" v="1653" actId="1038"/>
+          <ac:spMkLst>
+            <pc:docMk/>
+            <pc:sldMk cId="3896090519" sldId="258"/>
+            <ac:spMk id="55" creationId="{651EDF1F-A89D-5BA4-D64D-E0346C954D13}"/>
+          </ac:spMkLst>
+        </pc:spChg>
+        <pc:spChg chg="add mod">
+          <ac:chgData name="Marc Johnston" userId="4bd435294172a9e0" providerId="LiveId" clId="{F93D44ED-375D-4FA9-90AA-824A0B780C8F}" dt="2024-10-08T21:13:52.593" v="1653" actId="1038"/>
+          <ac:spMkLst>
+            <pc:docMk/>
+            <pc:sldMk cId="3896090519" sldId="258"/>
+            <ac:spMk id="56" creationId="{326E7D06-6BA9-37F3-2501-1481D2863797}"/>
+          </ac:spMkLst>
+        </pc:spChg>
+        <pc:spChg chg="mod topLvl">
+          <ac:chgData name="Marc Johnston" userId="4bd435294172a9e0" providerId="LiveId" clId="{F93D44ED-375D-4FA9-90AA-824A0B780C8F}" dt="2024-10-08T21:13:52.593" v="1653" actId="1038"/>
+          <ac:spMkLst>
+            <pc:docMk/>
+            <pc:sldMk cId="3896090519" sldId="258"/>
+            <ac:spMk id="58" creationId="{38C7558C-8069-6938-3B1C-7B2700714817}"/>
+          </ac:spMkLst>
+        </pc:spChg>
+        <pc:spChg chg="mod topLvl">
+          <ac:chgData name="Marc Johnston" userId="4bd435294172a9e0" providerId="LiveId" clId="{F93D44ED-375D-4FA9-90AA-824A0B780C8F}" dt="2024-10-08T21:13:52.593" v="1653" actId="1038"/>
+          <ac:spMkLst>
+            <pc:docMk/>
+            <pc:sldMk cId="3896090519" sldId="258"/>
+            <ac:spMk id="59" creationId="{A762D941-10BD-06C9-ECDF-57E83567EC97}"/>
+          </ac:spMkLst>
+        </pc:spChg>
+        <pc:spChg chg="mod topLvl">
+          <ac:chgData name="Marc Johnston" userId="4bd435294172a9e0" providerId="LiveId" clId="{F93D44ED-375D-4FA9-90AA-824A0B780C8F}" dt="2024-10-08T21:13:52.593" v="1653" actId="1038"/>
+          <ac:spMkLst>
+            <pc:docMk/>
+            <pc:sldMk cId="3896090519" sldId="258"/>
+            <ac:spMk id="61" creationId="{38AFDFB8-0A1E-3995-A45A-37EDF9756AC1}"/>
+          </ac:spMkLst>
+        </pc:spChg>
+        <pc:spChg chg="mod topLvl">
+          <ac:chgData name="Marc Johnston" userId="4bd435294172a9e0" providerId="LiveId" clId="{F93D44ED-375D-4FA9-90AA-824A0B780C8F}" dt="2024-10-08T21:13:52.593" v="1653" actId="1038"/>
+          <ac:spMkLst>
+            <pc:docMk/>
+            <pc:sldMk cId="3896090519" sldId="258"/>
+            <ac:spMk id="62" creationId="{803ED61C-8BC0-4A27-7ABF-85BA86A1B5A9}"/>
+          </ac:spMkLst>
+        </pc:spChg>
+        <pc:spChg chg="add mod">
+          <ac:chgData name="Marc Johnston" userId="4bd435294172a9e0" providerId="LiveId" clId="{F93D44ED-375D-4FA9-90AA-824A0B780C8F}" dt="2024-10-08T21:13:52.593" v="1653" actId="1038"/>
+          <ac:spMkLst>
+            <pc:docMk/>
+            <pc:sldMk cId="3896090519" sldId="258"/>
+            <ac:spMk id="63" creationId="{2C7220F6-A901-3A8B-7948-D6B7A810B292}"/>
+          </ac:spMkLst>
+        </pc:spChg>
+        <pc:spChg chg="add mod">
+          <ac:chgData name="Marc Johnston" userId="4bd435294172a9e0" providerId="LiveId" clId="{F93D44ED-375D-4FA9-90AA-824A0B780C8F}" dt="2024-10-08T21:13:52.593" v="1653" actId="1038"/>
+          <ac:spMkLst>
+            <pc:docMk/>
+            <pc:sldMk cId="3896090519" sldId="258"/>
+            <ac:spMk id="64" creationId="{79E62500-C8FB-C591-0097-E1B3D82A6C8C}"/>
+          </ac:spMkLst>
+        </pc:spChg>
+        <pc:spChg chg="mod topLvl">
+          <ac:chgData name="Marc Johnston" userId="4bd435294172a9e0" providerId="LiveId" clId="{F93D44ED-375D-4FA9-90AA-824A0B780C8F}" dt="2024-10-08T21:13:52.593" v="1653" actId="1038"/>
+          <ac:spMkLst>
+            <pc:docMk/>
+            <pc:sldMk cId="3896090519" sldId="258"/>
+            <ac:spMk id="66" creationId="{9A851DDA-333F-6C11-A9A5-27E45F686196}"/>
+          </ac:spMkLst>
+        </pc:spChg>
+        <pc:spChg chg="mod topLvl">
+          <ac:chgData name="Marc Johnston" userId="4bd435294172a9e0" providerId="LiveId" clId="{F93D44ED-375D-4FA9-90AA-824A0B780C8F}" dt="2024-10-08T21:13:52.593" v="1653" actId="1038"/>
+          <ac:spMkLst>
+            <pc:docMk/>
+            <pc:sldMk cId="3896090519" sldId="258"/>
+            <ac:spMk id="67" creationId="{58168EB5-6BA4-65D6-ABF2-7F55F487F032}"/>
+          </ac:spMkLst>
+        </pc:spChg>
+        <pc:spChg chg="add mod">
+          <ac:chgData name="Marc Johnston" userId="4bd435294172a9e0" providerId="LiveId" clId="{F93D44ED-375D-4FA9-90AA-824A0B780C8F}" dt="2024-10-08T21:13:52.593" v="1653" actId="1038"/>
+          <ac:spMkLst>
+            <pc:docMk/>
+            <pc:sldMk cId="3896090519" sldId="258"/>
+            <ac:spMk id="68" creationId="{DB562B22-CBF0-4A23-90E6-53CE8A5F1331}"/>
+          </ac:spMkLst>
+        </pc:spChg>
+        <pc:spChg chg="add mod">
+          <ac:chgData name="Marc Johnston" userId="4bd435294172a9e0" providerId="LiveId" clId="{F93D44ED-375D-4FA9-90AA-824A0B780C8F}" dt="2024-10-08T21:13:52.593" v="1653" actId="1038"/>
+          <ac:spMkLst>
+            <pc:docMk/>
+            <pc:sldMk cId="3896090519" sldId="258"/>
+            <ac:spMk id="69" creationId="{B20AF8FA-C8CF-4608-CA21-469D213D23D3}"/>
+          </ac:spMkLst>
+        </pc:spChg>
+        <pc:spChg chg="mod topLvl">
+          <ac:chgData name="Marc Johnston" userId="4bd435294172a9e0" providerId="LiveId" clId="{F93D44ED-375D-4FA9-90AA-824A0B780C8F}" dt="2024-10-08T21:13:52.593" v="1653" actId="1038"/>
+          <ac:spMkLst>
+            <pc:docMk/>
+            <pc:sldMk cId="3896090519" sldId="258"/>
+            <ac:spMk id="71" creationId="{18823EA2-D94E-49A1-CB32-E47701A28721}"/>
+          </ac:spMkLst>
+        </pc:spChg>
+        <pc:spChg chg="mod topLvl">
+          <ac:chgData name="Marc Johnston" userId="4bd435294172a9e0" providerId="LiveId" clId="{F93D44ED-375D-4FA9-90AA-824A0B780C8F}" dt="2024-10-08T21:13:52.593" v="1653" actId="1038"/>
+          <ac:spMkLst>
+            <pc:docMk/>
+            <pc:sldMk cId="3896090519" sldId="258"/>
+            <ac:spMk id="72" creationId="{BFCEB748-D7CA-EDE0-8695-A58F2D7E32B6}"/>
+          </ac:spMkLst>
+        </pc:spChg>
+        <pc:spChg chg="add del mod">
+          <ac:chgData name="Marc Johnston" userId="4bd435294172a9e0" providerId="LiveId" clId="{F93D44ED-375D-4FA9-90AA-824A0B780C8F}" dt="2024-10-08T21:04:12.933" v="1304" actId="478"/>
+          <ac:spMkLst>
+            <pc:docMk/>
+            <pc:sldMk cId="3896090519" sldId="258"/>
+            <ac:spMk id="77" creationId="{46373136-0F9E-554A-ABD0-2997F724EE39}"/>
+          </ac:spMkLst>
+        </pc:spChg>
+        <pc:spChg chg="add mod">
+          <ac:chgData name="Marc Johnston" userId="4bd435294172a9e0" providerId="LiveId" clId="{F93D44ED-375D-4FA9-90AA-824A0B780C8F}" dt="2024-10-08T21:13:52.593" v="1653" actId="1038"/>
+          <ac:spMkLst>
+            <pc:docMk/>
+            <pc:sldMk cId="3896090519" sldId="258"/>
+            <ac:spMk id="96" creationId="{DDF0DAD3-C9BC-62BC-1477-9A89664F459F}"/>
+          </ac:spMkLst>
+        </pc:spChg>
+        <pc:spChg chg="add mod">
+          <ac:chgData name="Marc Johnston" userId="4bd435294172a9e0" providerId="LiveId" clId="{F93D44ED-375D-4FA9-90AA-824A0B780C8F}" dt="2024-10-08T21:17:44.794" v="1742" actId="164"/>
+          <ac:spMkLst>
+            <pc:docMk/>
+            <pc:sldMk cId="3896090519" sldId="258"/>
+            <ac:spMk id="97" creationId="{8A7222CE-7DEF-ADD8-A978-170FC41E370A}"/>
+          </ac:spMkLst>
+        </pc:spChg>
+        <pc:spChg chg="add mod">
+          <ac:chgData name="Marc Johnston" userId="4bd435294172a9e0" providerId="LiveId" clId="{F93D44ED-375D-4FA9-90AA-824A0B780C8F}" dt="2024-10-08T21:10:55.589" v="1532" actId="164"/>
+          <ac:spMkLst>
+            <pc:docMk/>
+            <pc:sldMk cId="3896090519" sldId="258"/>
+            <ac:spMk id="100" creationId="{28401854-D084-6BC2-8F5C-3AD6E2B9C557}"/>
+          </ac:spMkLst>
+        </pc:spChg>
+        <pc:spChg chg="add mod">
+          <ac:chgData name="Marc Johnston" userId="4bd435294172a9e0" providerId="LiveId" clId="{F93D44ED-375D-4FA9-90AA-824A0B780C8F}" dt="2024-10-08T21:13:52.593" v="1653" actId="1038"/>
+          <ac:spMkLst>
+            <pc:docMk/>
+            <pc:sldMk cId="3896090519" sldId="258"/>
+            <ac:spMk id="107" creationId="{637747BF-B409-4058-1492-00B7AE9AF554}"/>
+          </ac:spMkLst>
+        </pc:spChg>
+        <pc:spChg chg="add mod">
+          <ac:chgData name="Marc Johnston" userId="4bd435294172a9e0" providerId="LiveId" clId="{F93D44ED-375D-4FA9-90AA-824A0B780C8F}" dt="2024-10-08T21:11:11.152" v="1533" actId="164"/>
+          <ac:spMkLst>
+            <pc:docMk/>
+            <pc:sldMk cId="3896090519" sldId="258"/>
+            <ac:spMk id="108" creationId="{FAA18D24-9BDB-4E73-A8A2-498EC392C216}"/>
+          </ac:spMkLst>
+        </pc:spChg>
+        <pc:spChg chg="add mod">
+          <ac:chgData name="Marc Johnston" userId="4bd435294172a9e0" providerId="LiveId" clId="{F93D44ED-375D-4FA9-90AA-824A0B780C8F}" dt="2024-10-08T21:12:16.589" v="1562" actId="164"/>
+          <ac:spMkLst>
+            <pc:docMk/>
+            <pc:sldMk cId="3896090519" sldId="258"/>
+            <ac:spMk id="112" creationId="{CF83DDFA-11B7-9CA1-3669-E1EE376B084F}"/>
+          </ac:spMkLst>
+        </pc:spChg>
+        <pc:spChg chg="add mod">
+          <ac:chgData name="Marc Johnston" userId="4bd435294172a9e0" providerId="LiveId" clId="{F93D44ED-375D-4FA9-90AA-824A0B780C8F}" dt="2024-10-08T21:12:12.667" v="1561" actId="164"/>
+          <ac:spMkLst>
+            <pc:docMk/>
+            <pc:sldMk cId="3896090519" sldId="258"/>
+            <ac:spMk id="113" creationId="{80996961-7362-8F37-BADF-ACD2958206CB}"/>
+          </ac:spMkLst>
+        </pc:spChg>
+        <pc:spChg chg="add mod">
+          <ac:chgData name="Marc Johnston" userId="4bd435294172a9e0" providerId="LiveId" clId="{F93D44ED-375D-4FA9-90AA-824A0B780C8F}" dt="2024-10-08T21:12:08.550" v="1560" actId="164"/>
+          <ac:spMkLst>
+            <pc:docMk/>
+            <pc:sldMk cId="3896090519" sldId="258"/>
+            <ac:spMk id="114" creationId="{1651B1F6-0777-CC71-B6B4-1BB19C88718C}"/>
+          </ac:spMkLst>
+        </pc:spChg>
+        <pc:spChg chg="add mod">
+          <ac:chgData name="Marc Johnston" userId="4bd435294172a9e0" providerId="LiveId" clId="{F93D44ED-375D-4FA9-90AA-824A0B780C8F}" dt="2024-10-08T21:12:03.558" v="1559" actId="164"/>
+          <ac:spMkLst>
+            <pc:docMk/>
+            <pc:sldMk cId="3896090519" sldId="258"/>
+            <ac:spMk id="115" creationId="{548E963D-0F04-748D-F433-6D862324A136}"/>
+          </ac:spMkLst>
+        </pc:spChg>
+        <pc:spChg chg="add mod">
+          <ac:chgData name="Marc Johnston" userId="4bd435294172a9e0" providerId="LiveId" clId="{F93D44ED-375D-4FA9-90AA-824A0B780C8F}" dt="2024-10-08T21:17:44.794" v="1742" actId="164"/>
+          <ac:spMkLst>
+            <pc:docMk/>
+            <pc:sldMk cId="3896090519" sldId="258"/>
+            <ac:spMk id="126" creationId="{822C75F3-CDD6-2E7F-52D2-759E41477368}"/>
+          </ac:spMkLst>
+        </pc:spChg>
+        <pc:spChg chg="add mod">
+          <ac:chgData name="Marc Johnston" userId="4bd435294172a9e0" providerId="LiveId" clId="{F93D44ED-375D-4FA9-90AA-824A0B780C8F}" dt="2024-10-08T21:17:44.794" v="1742" actId="164"/>
+          <ac:spMkLst>
+            <pc:docMk/>
+            <pc:sldMk cId="3896090519" sldId="258"/>
+            <ac:spMk id="127" creationId="{1CE46474-B767-5875-95C8-E9774702852B}"/>
+          </ac:spMkLst>
+        </pc:spChg>
+        <pc:spChg chg="add mod">
+          <ac:chgData name="Marc Johnston" userId="4bd435294172a9e0" providerId="LiveId" clId="{F93D44ED-375D-4FA9-90AA-824A0B780C8F}" dt="2024-10-08T21:18:14.339" v="1747" actId="1076"/>
+          <ac:spMkLst>
+            <pc:docMk/>
+            <pc:sldMk cId="3896090519" sldId="258"/>
+            <ac:spMk id="132" creationId="{DCDCF76C-B39D-FA99-7001-71E9691045D4}"/>
+          </ac:spMkLst>
+        </pc:spChg>
+        <pc:spChg chg="add mod">
+          <ac:chgData name="Marc Johnston" userId="4bd435294172a9e0" providerId="LiveId" clId="{F93D44ED-375D-4FA9-90AA-824A0B780C8F}" dt="2024-10-08T21:14:59.527" v="1674" actId="1076"/>
+          <ac:spMkLst>
+            <pc:docMk/>
+            <pc:sldMk cId="3896090519" sldId="258"/>
+            <ac:spMk id="133" creationId="{70366F74-C307-BC43-4163-AC942C257E8D}"/>
+          </ac:spMkLst>
+        </pc:spChg>
+        <pc:grpChg chg="add mod">
+          <ac:chgData name="Marc Johnston" userId="4bd435294172a9e0" providerId="LiveId" clId="{F93D44ED-375D-4FA9-90AA-824A0B780C8F}" dt="2024-10-08T21:18:06.339" v="1745" actId="1076"/>
+          <ac:grpSpMkLst>
+            <pc:docMk/>
+            <pc:sldMk cId="3896090519" sldId="258"/>
+            <ac:grpSpMk id="23" creationId="{F42D4670-C32A-E285-09D2-5857048D083F}"/>
+          </ac:grpSpMkLst>
+        </pc:grpChg>
+        <pc:grpChg chg="add del mod">
+          <ac:chgData name="Marc Johnston" userId="4bd435294172a9e0" providerId="LiveId" clId="{F93D44ED-375D-4FA9-90AA-824A0B780C8F}" dt="2024-10-08T21:02:08.046" v="1271" actId="478"/>
+          <ac:grpSpMkLst>
+            <pc:docMk/>
+            <pc:sldMk cId="3896090519" sldId="258"/>
+            <ac:grpSpMk id="37" creationId="{76800A68-A711-6FAA-073A-EFD9C88BA2BF}"/>
+          </ac:grpSpMkLst>
+        </pc:grpChg>
+        <pc:grpChg chg="add del mod">
+          <ac:chgData name="Marc Johnston" userId="4bd435294172a9e0" providerId="LiveId" clId="{F93D44ED-375D-4FA9-90AA-824A0B780C8F}" dt="2024-10-08T21:02:08.046" v="1271" actId="478"/>
+          <ac:grpSpMkLst>
+            <pc:docMk/>
+            <pc:sldMk cId="3896090519" sldId="258"/>
+            <ac:grpSpMk id="38" creationId="{EF81681C-2D55-E923-9496-809E3CA6228A}"/>
+          </ac:grpSpMkLst>
+        </pc:grpChg>
+        <pc:grpChg chg="add del mod">
+          <ac:chgData name="Marc Johnston" userId="4bd435294172a9e0" providerId="LiveId" clId="{F93D44ED-375D-4FA9-90AA-824A0B780C8F}" dt="2024-10-08T21:02:08.046" v="1271" actId="478"/>
+          <ac:grpSpMkLst>
+            <pc:docMk/>
+            <pc:sldMk cId="3896090519" sldId="258"/>
+            <ac:grpSpMk id="41" creationId="{5F0954A2-0310-E281-DDCA-E2E46176BEE0}"/>
+          </ac:grpSpMkLst>
+        </pc:grpChg>
+        <pc:grpChg chg="add del mod">
+          <ac:chgData name="Marc Johnston" userId="4bd435294172a9e0" providerId="LiveId" clId="{F93D44ED-375D-4FA9-90AA-824A0B780C8F}" dt="2024-10-08T21:02:08.046" v="1271" actId="478"/>
+          <ac:grpSpMkLst>
+            <pc:docMk/>
+            <pc:sldMk cId="3896090519" sldId="258"/>
+            <ac:grpSpMk id="44" creationId="{B8E4FBF6-DFE8-0F6B-C2C6-8C5FB329448B}"/>
+          </ac:grpSpMkLst>
+        </pc:grpChg>
+        <pc:grpChg chg="add del mod">
+          <ac:chgData name="Marc Johnston" userId="4bd435294172a9e0" providerId="LiveId" clId="{F93D44ED-375D-4FA9-90AA-824A0B780C8F}" dt="2024-10-08T21:07:05.886" v="1420" actId="165"/>
+          <ac:grpSpMkLst>
+            <pc:docMk/>
+            <pc:sldMk cId="3896090519" sldId="258"/>
+            <ac:grpSpMk id="47" creationId="{7BA0B9E3-F026-1773-7923-8F064813D4E7}"/>
+          </ac:grpSpMkLst>
+        </pc:grpChg>
+        <pc:grpChg chg="add del mod">
+          <ac:chgData name="Marc Johnston" userId="4bd435294172a9e0" providerId="LiveId" clId="{F93D44ED-375D-4FA9-90AA-824A0B780C8F}" dt="2024-10-08T21:07:05.886" v="1420" actId="165"/>
+          <ac:grpSpMkLst>
+            <pc:docMk/>
+            <pc:sldMk cId="3896090519" sldId="258"/>
+            <ac:grpSpMk id="50" creationId="{21064B1A-0427-2290-78AB-8524FDCA2C44}"/>
+          </ac:grpSpMkLst>
+        </pc:grpChg>
+        <pc:grpChg chg="add del mod">
+          <ac:chgData name="Marc Johnston" userId="4bd435294172a9e0" providerId="LiveId" clId="{F93D44ED-375D-4FA9-90AA-824A0B780C8F}" dt="2024-10-08T21:07:05.886" v="1420" actId="165"/>
+          <ac:grpSpMkLst>
+            <pc:docMk/>
+            <pc:sldMk cId="3896090519" sldId="258"/>
+            <ac:grpSpMk id="57" creationId="{3CA78483-03EE-88F4-6901-51B7A39A0FD4}"/>
+          </ac:grpSpMkLst>
+        </pc:grpChg>
+        <pc:grpChg chg="add del mod">
+          <ac:chgData name="Marc Johnston" userId="4bd435294172a9e0" providerId="LiveId" clId="{F93D44ED-375D-4FA9-90AA-824A0B780C8F}" dt="2024-10-08T21:07:05.886" v="1420" actId="165"/>
+          <ac:grpSpMkLst>
+            <pc:docMk/>
+            <pc:sldMk cId="3896090519" sldId="258"/>
+            <ac:grpSpMk id="60" creationId="{8B774E2E-EF36-DBA6-6CB5-3D0E1F95C433}"/>
+          </ac:grpSpMkLst>
+        </pc:grpChg>
+        <pc:grpChg chg="add del mod">
+          <ac:chgData name="Marc Johnston" userId="4bd435294172a9e0" providerId="LiveId" clId="{F93D44ED-375D-4FA9-90AA-824A0B780C8F}" dt="2024-10-08T21:07:05.886" v="1420" actId="165"/>
+          <ac:grpSpMkLst>
+            <pc:docMk/>
+            <pc:sldMk cId="3896090519" sldId="258"/>
+            <ac:grpSpMk id="65" creationId="{4AE4A202-028F-7BD2-B029-CEA1F177E4ED}"/>
+          </ac:grpSpMkLst>
+        </pc:grpChg>
+        <pc:grpChg chg="add del mod">
+          <ac:chgData name="Marc Johnston" userId="4bd435294172a9e0" providerId="LiveId" clId="{F93D44ED-375D-4FA9-90AA-824A0B780C8F}" dt="2024-10-08T21:07:05.886" v="1420" actId="165"/>
+          <ac:grpSpMkLst>
+            <pc:docMk/>
+            <pc:sldMk cId="3896090519" sldId="258"/>
+            <ac:grpSpMk id="70" creationId="{A3AB0FE4-D934-3C7E-78F4-0074074B362D}"/>
+          </ac:grpSpMkLst>
+        </pc:grpChg>
+        <pc:grpChg chg="add mod">
+          <ac:chgData name="Marc Johnston" userId="4bd435294172a9e0" providerId="LiveId" clId="{F93D44ED-375D-4FA9-90AA-824A0B780C8F}" dt="2024-10-08T21:13:52.593" v="1653" actId="1038"/>
+          <ac:grpSpMkLst>
+            <pc:docMk/>
+            <pc:sldMk cId="3896090519" sldId="258"/>
+            <ac:grpSpMk id="110" creationId="{27D3CF01-5145-A066-772E-353744E97707}"/>
+          </ac:grpSpMkLst>
+        </pc:grpChg>
+        <pc:grpChg chg="add mod">
+          <ac:chgData name="Marc Johnston" userId="4bd435294172a9e0" providerId="LiveId" clId="{F93D44ED-375D-4FA9-90AA-824A0B780C8F}" dt="2024-10-08T21:13:52.593" v="1653" actId="1038"/>
+          <ac:grpSpMkLst>
+            <pc:docMk/>
+            <pc:sldMk cId="3896090519" sldId="258"/>
+            <ac:grpSpMk id="111" creationId="{050FEF46-4B72-E5F7-6693-EAB4A434713B}"/>
+          </ac:grpSpMkLst>
+        </pc:grpChg>
+        <pc:grpChg chg="add mod">
+          <ac:chgData name="Marc Johnston" userId="4bd435294172a9e0" providerId="LiveId" clId="{F93D44ED-375D-4FA9-90AA-824A0B780C8F}" dt="2024-10-08T21:13:52.593" v="1653" actId="1038"/>
+          <ac:grpSpMkLst>
+            <pc:docMk/>
+            <pc:sldMk cId="3896090519" sldId="258"/>
+            <ac:grpSpMk id="118" creationId="{2AD7D829-ED5A-4870-A73D-3DA8D26B075E}"/>
+          </ac:grpSpMkLst>
+        </pc:grpChg>
+        <pc:grpChg chg="add mod">
+          <ac:chgData name="Marc Johnston" userId="4bd435294172a9e0" providerId="LiveId" clId="{F93D44ED-375D-4FA9-90AA-824A0B780C8F}" dt="2024-10-08T21:13:52.593" v="1653" actId="1038"/>
+          <ac:grpSpMkLst>
+            <pc:docMk/>
+            <pc:sldMk cId="3896090519" sldId="258"/>
+            <ac:grpSpMk id="119" creationId="{A74B2CFD-085D-33A6-A49B-097F28D096B5}"/>
+          </ac:grpSpMkLst>
+        </pc:grpChg>
+        <pc:grpChg chg="add mod">
+          <ac:chgData name="Marc Johnston" userId="4bd435294172a9e0" providerId="LiveId" clId="{F93D44ED-375D-4FA9-90AA-824A0B780C8F}" dt="2024-10-08T21:13:52.593" v="1653" actId="1038"/>
+          <ac:grpSpMkLst>
+            <pc:docMk/>
+            <pc:sldMk cId="3896090519" sldId="258"/>
+            <ac:grpSpMk id="120" creationId="{2068E68F-3550-D1AE-E8B2-5DD77E506A40}"/>
+          </ac:grpSpMkLst>
+        </pc:grpChg>
+        <pc:grpChg chg="add mod">
+          <ac:chgData name="Marc Johnston" userId="4bd435294172a9e0" providerId="LiveId" clId="{F93D44ED-375D-4FA9-90AA-824A0B780C8F}" dt="2024-10-08T21:13:52.593" v="1653" actId="1038"/>
+          <ac:grpSpMkLst>
+            <pc:docMk/>
+            <pc:sldMk cId="3896090519" sldId="258"/>
+            <ac:grpSpMk id="121" creationId="{DA0A6167-FB4D-A5CD-B94F-408943CD9B80}"/>
+          </ac:grpSpMkLst>
+        </pc:grpChg>
+        <pc:cxnChg chg="add mod">
+          <ac:chgData name="Marc Johnston" userId="4bd435294172a9e0" providerId="LiveId" clId="{F93D44ED-375D-4FA9-90AA-824A0B780C8F}" dt="2024-10-08T21:28:12.017" v="1759" actId="14100"/>
+          <ac:cxnSpMkLst>
+            <pc:docMk/>
+            <pc:sldMk cId="3896090519" sldId="258"/>
+            <ac:cxnSpMk id="16" creationId="{344F192A-C984-3BF1-2586-0E560D4CC3CE}"/>
+          </ac:cxnSpMkLst>
+        </pc:cxnChg>
+        <pc:cxnChg chg="add mod">
+          <ac:chgData name="Marc Johnston" userId="4bd435294172a9e0" providerId="LiveId" clId="{F93D44ED-375D-4FA9-90AA-824A0B780C8F}" dt="2024-10-08T21:13:52.593" v="1653" actId="1038"/>
+          <ac:cxnSpMkLst>
+            <pc:docMk/>
+            <pc:sldMk cId="3896090519" sldId="258"/>
+            <ac:cxnSpMk id="19" creationId="{F0A1DAEC-E43F-40A5-7585-2A37A4B77BC9}"/>
+          </ac:cxnSpMkLst>
+        </pc:cxnChg>
+        <pc:cxnChg chg="add mod">
+          <ac:chgData name="Marc Johnston" userId="4bd435294172a9e0" providerId="LiveId" clId="{F93D44ED-375D-4FA9-90AA-824A0B780C8F}" dt="2024-10-08T21:13:52.593" v="1653" actId="1038"/>
+          <ac:cxnSpMkLst>
+            <pc:docMk/>
+            <pc:sldMk cId="3896090519" sldId="258"/>
+            <ac:cxnSpMk id="20" creationId="{529B9137-9367-4535-D5D0-B20634027B59}"/>
+          </ac:cxnSpMkLst>
+        </pc:cxnChg>
+        <pc:cxnChg chg="add mod">
+          <ac:chgData name="Marc Johnston" userId="4bd435294172a9e0" providerId="LiveId" clId="{F93D44ED-375D-4FA9-90AA-824A0B780C8F}" dt="2024-10-08T21:18:23.964" v="1750" actId="14100"/>
+          <ac:cxnSpMkLst>
+            <pc:docMk/>
+            <pc:sldMk cId="3896090519" sldId="258"/>
+            <ac:cxnSpMk id="26" creationId="{8D67C7F7-0FF5-9E4C-5406-34255C483BE9}"/>
+          </ac:cxnSpMkLst>
+        </pc:cxnChg>
+        <pc:cxnChg chg="add mod">
+          <ac:chgData name="Marc Johnston" userId="4bd435294172a9e0" providerId="LiveId" clId="{F93D44ED-375D-4FA9-90AA-824A0B780C8F}" dt="2024-10-08T21:18:29.562" v="1753" actId="14100"/>
+          <ac:cxnSpMkLst>
+            <pc:docMk/>
+            <pc:sldMk cId="3896090519" sldId="258"/>
+            <ac:cxnSpMk id="31" creationId="{3843DCE6-A7A0-B627-6ABE-F27D56AA8A4E}"/>
+          </ac:cxnSpMkLst>
+        </pc:cxnChg>
+        <pc:cxnChg chg="add mod">
+          <ac:chgData name="Marc Johnston" userId="4bd435294172a9e0" providerId="LiveId" clId="{F93D44ED-375D-4FA9-90AA-824A0B780C8F}" dt="2024-10-08T21:28:12.017" v="1759" actId="14100"/>
+          <ac:cxnSpMkLst>
+            <pc:docMk/>
+            <pc:sldMk cId="3896090519" sldId="258"/>
+            <ac:cxnSpMk id="36" creationId="{CAA99893-F5DB-C4BD-22C2-9B561A2698AE}"/>
+          </ac:cxnSpMkLst>
+        </pc:cxnChg>
+        <pc:cxnChg chg="add mod">
+          <ac:chgData name="Marc Johnston" userId="4bd435294172a9e0" providerId="LiveId" clId="{F93D44ED-375D-4FA9-90AA-824A0B780C8F}" dt="2024-10-08T21:13:52.593" v="1653" actId="1038"/>
+          <ac:cxnSpMkLst>
+            <pc:docMk/>
+            <pc:sldMk cId="3896090519" sldId="258"/>
+            <ac:cxnSpMk id="78" creationId="{55F1C0D3-DA42-B958-CA4B-7ED3FE602CF0}"/>
+          </ac:cxnSpMkLst>
+        </pc:cxnChg>
+        <pc:cxnChg chg="add mod">
+          <ac:chgData name="Marc Johnston" userId="4bd435294172a9e0" providerId="LiveId" clId="{F93D44ED-375D-4FA9-90AA-824A0B780C8F}" dt="2024-10-08T21:13:52.593" v="1653" actId="1038"/>
+          <ac:cxnSpMkLst>
+            <pc:docMk/>
+            <pc:sldMk cId="3896090519" sldId="258"/>
+            <ac:cxnSpMk id="81" creationId="{0D4A64FE-7B21-DA97-F9C9-FD34B963184E}"/>
+          </ac:cxnSpMkLst>
+        </pc:cxnChg>
+        <pc:cxnChg chg="add mod">
+          <ac:chgData name="Marc Johnston" userId="4bd435294172a9e0" providerId="LiveId" clId="{F93D44ED-375D-4FA9-90AA-824A0B780C8F}" dt="2024-10-08T21:13:52.593" v="1653" actId="1038"/>
+          <ac:cxnSpMkLst>
+            <pc:docMk/>
+            <pc:sldMk cId="3896090519" sldId="258"/>
+            <ac:cxnSpMk id="85" creationId="{0DD47A6C-E6DB-FA08-81A3-4636FBB2B71B}"/>
+          </ac:cxnSpMkLst>
+        </pc:cxnChg>
+        <pc:cxnChg chg="add mod">
+          <ac:chgData name="Marc Johnston" userId="4bd435294172a9e0" providerId="LiveId" clId="{F93D44ED-375D-4FA9-90AA-824A0B780C8F}" dt="2024-10-08T21:13:52.593" v="1653" actId="1038"/>
+          <ac:cxnSpMkLst>
+            <pc:docMk/>
+            <pc:sldMk cId="3896090519" sldId="258"/>
+            <ac:cxnSpMk id="89" creationId="{AEDA0868-9EAF-C028-FBBB-06EF634BFE75}"/>
+          </ac:cxnSpMkLst>
+        </pc:cxnChg>
+        <pc:cxnChg chg="add mod">
+          <ac:chgData name="Marc Johnston" userId="4bd435294172a9e0" providerId="LiveId" clId="{F93D44ED-375D-4FA9-90AA-824A0B780C8F}" dt="2024-10-08T21:18:09.362" v="1746" actId="14100"/>
+          <ac:cxnSpMkLst>
+            <pc:docMk/>
+            <pc:sldMk cId="3896090519" sldId="258"/>
+            <ac:cxnSpMk id="128" creationId="{9B13B2FD-174B-3566-97A1-298007AD1FF9}"/>
           </ac:cxnSpMkLst>
         </pc:cxnChg>
       </pc:sldChg>
@@ -513,7 +1368,7 @@
           <a:p>
             <a:fld id="{9DDBC151-5FFB-4DB1-ABDD-62D5F90FDE0C}" type="datetimeFigureOut">
               <a:rPr lang="en-US" smtClean="0"/>
-              <a:t>7/17/2023</a:t>
+              <a:t>10/8/2024</a:t>
             </a:fld>
             <a:endParaRPr lang="en-US"/>
           </a:p>
@@ -711,7 +1566,7 @@
           <a:p>
             <a:fld id="{9DDBC151-5FFB-4DB1-ABDD-62D5F90FDE0C}" type="datetimeFigureOut">
               <a:rPr lang="en-US" smtClean="0"/>
-              <a:t>7/17/2023</a:t>
+              <a:t>10/8/2024</a:t>
             </a:fld>
             <a:endParaRPr lang="en-US"/>
           </a:p>
@@ -919,7 +1774,7 @@
           <a:p>
             <a:fld id="{9DDBC151-5FFB-4DB1-ABDD-62D5F90FDE0C}" type="datetimeFigureOut">
               <a:rPr lang="en-US" smtClean="0"/>
-              <a:t>7/17/2023</a:t>
+              <a:t>10/8/2024</a:t>
             </a:fld>
             <a:endParaRPr lang="en-US"/>
           </a:p>
@@ -1117,7 +1972,7 @@
           <a:p>
             <a:fld id="{9DDBC151-5FFB-4DB1-ABDD-62D5F90FDE0C}" type="datetimeFigureOut">
               <a:rPr lang="en-US" smtClean="0"/>
-              <a:t>7/17/2023</a:t>
+              <a:t>10/8/2024</a:t>
             </a:fld>
             <a:endParaRPr lang="en-US"/>
           </a:p>
@@ -1392,7 +2247,7 @@
           <a:p>
             <a:fld id="{9DDBC151-5FFB-4DB1-ABDD-62D5F90FDE0C}" type="datetimeFigureOut">
               <a:rPr lang="en-US" smtClean="0"/>
-              <a:t>7/17/2023</a:t>
+              <a:t>10/8/2024</a:t>
             </a:fld>
             <a:endParaRPr lang="en-US"/>
           </a:p>
@@ -1657,7 +2512,7 @@
           <a:p>
             <a:fld id="{9DDBC151-5FFB-4DB1-ABDD-62D5F90FDE0C}" type="datetimeFigureOut">
               <a:rPr lang="en-US" smtClean="0"/>
-              <a:t>7/17/2023</a:t>
+              <a:t>10/8/2024</a:t>
             </a:fld>
             <a:endParaRPr lang="en-US"/>
           </a:p>
@@ -2069,7 +2924,7 @@
           <a:p>
             <a:fld id="{9DDBC151-5FFB-4DB1-ABDD-62D5F90FDE0C}" type="datetimeFigureOut">
               <a:rPr lang="en-US" smtClean="0"/>
-              <a:t>7/17/2023</a:t>
+              <a:t>10/8/2024</a:t>
             </a:fld>
             <a:endParaRPr lang="en-US"/>
           </a:p>
@@ -2210,7 +3065,7 @@
           <a:p>
             <a:fld id="{9DDBC151-5FFB-4DB1-ABDD-62D5F90FDE0C}" type="datetimeFigureOut">
               <a:rPr lang="en-US" smtClean="0"/>
-              <a:t>7/17/2023</a:t>
+              <a:t>10/8/2024</a:t>
             </a:fld>
             <a:endParaRPr lang="en-US"/>
           </a:p>
@@ -2323,7 +3178,7 @@
           <a:p>
             <a:fld id="{9DDBC151-5FFB-4DB1-ABDD-62D5F90FDE0C}" type="datetimeFigureOut">
               <a:rPr lang="en-US" smtClean="0"/>
-              <a:t>7/17/2023</a:t>
+              <a:t>10/8/2024</a:t>
             </a:fld>
             <a:endParaRPr lang="en-US"/>
           </a:p>
@@ -2634,7 +3489,7 @@
           <a:p>
             <a:fld id="{9DDBC151-5FFB-4DB1-ABDD-62D5F90FDE0C}" type="datetimeFigureOut">
               <a:rPr lang="en-US" smtClean="0"/>
-              <a:t>7/17/2023</a:t>
+              <a:t>10/8/2024</a:t>
             </a:fld>
             <a:endParaRPr lang="en-US"/>
           </a:p>
@@ -2922,7 +3777,7 @@
           <a:p>
             <a:fld id="{9DDBC151-5FFB-4DB1-ABDD-62D5F90FDE0C}" type="datetimeFigureOut">
               <a:rPr lang="en-US" smtClean="0"/>
-              <a:t>7/17/2023</a:t>
+              <a:t>10/8/2024</a:t>
             </a:fld>
             <a:endParaRPr lang="en-US"/>
           </a:p>
@@ -3163,7 +4018,7 @@
           <a:p>
             <a:fld id="{9DDBC151-5FFB-4DB1-ABDD-62D5F90FDE0C}" type="datetimeFigureOut">
               <a:rPr lang="en-US" smtClean="0"/>
-              <a:t>7/17/2023</a:t>
+              <a:t>10/8/2024</a:t>
             </a:fld>
             <a:endParaRPr lang="en-US"/>
           </a:p>
@@ -3666,10 +4521,57 @@
       </p:grpSpPr>
       <p:sp>
         <p:nvSpPr>
+          <p:cNvPr id="17" name="Cloud 16">
+            <a:extLst>
+              <a:ext uri="{FF2B5EF4-FFF2-40B4-BE49-F238E27FC236}">
+                <a16:creationId xmlns:a16="http://schemas.microsoft.com/office/drawing/2014/main" id="{69ACD77E-AB64-968E-F07F-943EB1EB9DF6}"/>
+              </a:ext>
+            </a:extLst>
+          </p:cNvPr>
+          <p:cNvSpPr/>
+          <p:nvPr/>
+        </p:nvSpPr>
+        <p:spPr>
+          <a:xfrm>
+            <a:off x="239390" y="4032809"/>
+            <a:ext cx="10854709" cy="788563"/>
+          </a:xfrm>
+          <a:prstGeom prst="cloud">
+            <a:avLst/>
+          </a:prstGeom>
+          <a:noFill/>
+        </p:spPr>
+        <p:style>
+          <a:lnRef idx="2">
+            <a:schemeClr val="accent1">
+              <a:shade val="15000"/>
+            </a:schemeClr>
+          </a:lnRef>
+          <a:fillRef idx="1">
+            <a:schemeClr val="accent1"/>
+          </a:fillRef>
+          <a:effectRef idx="0">
+            <a:schemeClr val="accent1"/>
+          </a:effectRef>
+          <a:fontRef idx="minor">
+            <a:schemeClr val="lt1"/>
+          </a:fontRef>
+        </p:style>
+        <p:txBody>
+          <a:bodyPr rtlCol="0" anchor="ctr"/>
+          <a:lstStyle/>
+          <a:p>
+            <a:pPr algn="ctr"/>
+            <a:endParaRPr lang="en-US"/>
+          </a:p>
+        </p:txBody>
+      </p:sp>
+      <p:sp>
+        <p:nvSpPr>
           <p:cNvPr id="2" name="Title 1">
             <a:extLst>
               <a:ext uri="{FF2B5EF4-FFF2-40B4-BE49-F238E27FC236}">
-                <a16:creationId xmlns:a16="http://schemas.microsoft.com/office/drawing/2014/main" id="{07C1F892-02E5-C608-D277-D70B99CE7F83}"/>
+                <a16:creationId xmlns:a16="http://schemas.microsoft.com/office/drawing/2014/main" id="{A9010260-F482-1D0E-044C-FE6CD82B384A}"/>
               </a:ext>
             </a:extLst>
           </p:cNvPr>
@@ -3682,29 +4584,30 @@
         </p:nvSpPr>
         <p:spPr>
           <a:xfrm>
-            <a:off x="838200" y="365125"/>
-            <a:ext cx="10515600" cy="587375"/>
+            <a:off x="838200" y="365126"/>
+            <a:ext cx="10515600" cy="468354"/>
           </a:xfrm>
         </p:spPr>
         <p:txBody>
           <a:bodyPr>
-            <a:normAutofit fontScale="90000"/>
+            <a:noAutofit/>
           </a:bodyPr>
           <a:lstStyle/>
           <a:p>
-            <a:r>
-              <a:rPr lang="en-US" dirty="0"/>
-              <a:t>HTTP Web Server Topology</a:t>
-            </a:r>
-          </a:p>
-        </p:txBody>
-      </p:sp>
-      <p:sp>
-        <p:nvSpPr>
-          <p:cNvPr id="4" name="Rectangle 3">
-            <a:extLst>
-              <a:ext uri="{FF2B5EF4-FFF2-40B4-BE49-F238E27FC236}">
-                <a16:creationId xmlns:a16="http://schemas.microsoft.com/office/drawing/2014/main" id="{361EE555-D2E2-6CE1-0E88-E13C3D96B1C8}"/>
+            <a:pPr algn="ctr"/>
+            <a:r>
+              <a:rPr lang="en-US" sz="2800" dirty="0"/>
+              <a:t>Active and Saved Game Listings and In-Progress with Spectators</a:t>
+            </a:r>
+          </a:p>
+        </p:txBody>
+      </p:sp>
+      <p:sp>
+        <p:nvSpPr>
+          <p:cNvPr id="3" name="Rectangle 2">
+            <a:extLst>
+              <a:ext uri="{FF2B5EF4-FFF2-40B4-BE49-F238E27FC236}">
+                <a16:creationId xmlns:a16="http://schemas.microsoft.com/office/drawing/2014/main" id="{62211564-1FED-6241-47F3-F4A6572607DD}"/>
               </a:ext>
             </a:extLst>
           </p:cNvPr>
@@ -3713,8 +4616,8 @@
         </p:nvSpPr>
         <p:spPr>
           <a:xfrm>
-            <a:off x="2420655" y="1410968"/>
-            <a:ext cx="2671329" cy="380010"/>
+            <a:off x="4924843" y="1792913"/>
+            <a:ext cx="598810" cy="161915"/>
           </a:xfrm>
           <a:prstGeom prst="rect">
             <a:avLst/>
@@ -3742,26 +4645,18 @@
           <a:p>
             <a:pPr algn="ctr"/>
             <a:r>
-              <a:rPr lang="en-US" sz="1200" dirty="0" err="1"/>
-              <a:t>AngbandOS.Core</a:t>
-            </a:r>
-            <a:endParaRPr lang="en-US" sz="1200" dirty="0"/>
-          </a:p>
-          <a:p>
-            <a:pPr algn="ctr"/>
-            <a:r>
-              <a:rPr lang="en-US" sz="700" dirty="0"/>
-              <a:t>This is the DLL that implements the core of the game functionality.</a:t>
-            </a:r>
-          </a:p>
-        </p:txBody>
-      </p:sp>
-      <p:sp>
-        <p:nvSpPr>
-          <p:cNvPr id="5" name="Rectangle 4">
-            <a:extLst>
-              <a:ext uri="{FF2B5EF4-FFF2-40B4-BE49-F238E27FC236}">
-                <a16:creationId xmlns:a16="http://schemas.microsoft.com/office/drawing/2014/main" id="{2F2B651A-2AD9-EB72-8DD3-D4811C4F1A1D}"/>
+              <a:rPr lang="en-US" sz="900" dirty="0"/>
+              <a:t>Core</a:t>
+            </a:r>
+          </a:p>
+        </p:txBody>
+      </p:sp>
+      <p:sp>
+        <p:nvSpPr>
+          <p:cNvPr id="11" name="Rectangle 10">
+            <a:extLst>
+              <a:ext uri="{FF2B5EF4-FFF2-40B4-BE49-F238E27FC236}">
+                <a16:creationId xmlns:a16="http://schemas.microsoft.com/office/drawing/2014/main" id="{49C85F25-311B-17E6-A2B6-9D838DF7BFA0}"/>
               </a:ext>
             </a:extLst>
           </p:cNvPr>
@@ -3770,8 +4665,180 @@
         </p:nvSpPr>
         <p:spPr>
           <a:xfrm>
-            <a:off x="1863008" y="2038665"/>
-            <a:ext cx="3786621" cy="390439"/>
+            <a:off x="2620928" y="1706744"/>
+            <a:ext cx="5220002" cy="1230333"/>
+          </a:xfrm>
+          <a:prstGeom prst="rect">
+            <a:avLst/>
+          </a:prstGeom>
+          <a:noFill/>
+        </p:spPr>
+        <p:style>
+          <a:lnRef idx="2">
+            <a:schemeClr val="accent1">
+              <a:shade val="15000"/>
+            </a:schemeClr>
+          </a:lnRef>
+          <a:fillRef idx="1">
+            <a:schemeClr val="accent1"/>
+          </a:fillRef>
+          <a:effectRef idx="0">
+            <a:schemeClr val="accent1"/>
+          </a:effectRef>
+          <a:fontRef idx="minor">
+            <a:schemeClr val="lt1"/>
+          </a:fontRef>
+        </p:style>
+        <p:txBody>
+          <a:bodyPr rtlCol="0" anchor="b" anchorCtr="0"/>
+          <a:lstStyle/>
+          <a:p>
+            <a:pPr algn="ctr"/>
+            <a:r>
+              <a:rPr lang="en-US" sz="900" dirty="0" err="1">
+                <a:solidFill>
+                  <a:schemeClr val="tx1"/>
+                </a:solidFill>
+              </a:rPr>
+              <a:t>SignalRConsole</a:t>
+            </a:r>
+            <a:endParaRPr lang="en-US" sz="900" dirty="0">
+              <a:solidFill>
+                <a:schemeClr val="tx1"/>
+              </a:solidFill>
+            </a:endParaRPr>
+          </a:p>
+        </p:txBody>
+      </p:sp>
+      <p:sp>
+        <p:nvSpPr>
+          <p:cNvPr id="12" name="Rectangle 11">
+            <a:extLst>
+              <a:ext uri="{FF2B5EF4-FFF2-40B4-BE49-F238E27FC236}">
+                <a16:creationId xmlns:a16="http://schemas.microsoft.com/office/drawing/2014/main" id="{46C6430B-5F8B-19B9-4216-57EDF5BBB22F}"/>
+              </a:ext>
+            </a:extLst>
+          </p:cNvPr>
+          <p:cNvSpPr/>
+          <p:nvPr/>
+        </p:nvSpPr>
+        <p:spPr>
+          <a:xfrm>
+            <a:off x="4903718" y="1223932"/>
+            <a:ext cx="613055" cy="226068"/>
+          </a:xfrm>
+          <a:prstGeom prst="rect">
+            <a:avLst/>
+          </a:prstGeom>
+          <a:noFill/>
+        </p:spPr>
+        <p:style>
+          <a:lnRef idx="2">
+            <a:schemeClr val="accent1">
+              <a:shade val="15000"/>
+            </a:schemeClr>
+          </a:lnRef>
+          <a:fillRef idx="1">
+            <a:schemeClr val="accent1"/>
+          </a:fillRef>
+          <a:effectRef idx="0">
+            <a:schemeClr val="accent1"/>
+          </a:effectRef>
+          <a:fontRef idx="minor">
+            <a:schemeClr val="lt1"/>
+          </a:fontRef>
+        </p:style>
+        <p:txBody>
+          <a:bodyPr rtlCol="0" anchor="b" anchorCtr="0"/>
+          <a:lstStyle/>
+          <a:p>
+            <a:pPr algn="ctr"/>
+            <a:r>
+              <a:rPr lang="en-US" sz="900" dirty="0">
+                <a:solidFill>
+                  <a:schemeClr val="tx1"/>
+                </a:solidFill>
+              </a:rPr>
+              <a:t>Game A</a:t>
+            </a:r>
+          </a:p>
+        </p:txBody>
+      </p:sp>
+      <p:sp>
+        <p:nvSpPr>
+          <p:cNvPr id="13" name="Rectangle 12">
+            <a:extLst>
+              <a:ext uri="{FF2B5EF4-FFF2-40B4-BE49-F238E27FC236}">
+                <a16:creationId xmlns:a16="http://schemas.microsoft.com/office/drawing/2014/main" id="{9FA9F577-A9C6-D089-675F-3145755C3526}"/>
+              </a:ext>
+            </a:extLst>
+          </p:cNvPr>
+          <p:cNvSpPr/>
+          <p:nvPr/>
+        </p:nvSpPr>
+        <p:spPr>
+          <a:xfrm>
+            <a:off x="8412126" y="1716792"/>
+            <a:ext cx="2592816" cy="1230333"/>
+          </a:xfrm>
+          <a:prstGeom prst="rect">
+            <a:avLst/>
+          </a:prstGeom>
+          <a:noFill/>
+        </p:spPr>
+        <p:style>
+          <a:lnRef idx="2">
+            <a:schemeClr val="accent1">
+              <a:shade val="15000"/>
+            </a:schemeClr>
+          </a:lnRef>
+          <a:fillRef idx="1">
+            <a:schemeClr val="accent1"/>
+          </a:fillRef>
+          <a:effectRef idx="0">
+            <a:schemeClr val="accent1"/>
+          </a:effectRef>
+          <a:fontRef idx="minor">
+            <a:schemeClr val="lt1"/>
+          </a:fontRef>
+        </p:style>
+        <p:txBody>
+          <a:bodyPr rtlCol="0" anchor="b" anchorCtr="0"/>
+          <a:lstStyle/>
+          <a:p>
+            <a:pPr algn="ctr"/>
+            <a:r>
+              <a:rPr lang="en-US" sz="900" dirty="0" err="1">
+                <a:solidFill>
+                  <a:schemeClr val="tx1"/>
+                </a:solidFill>
+              </a:rPr>
+              <a:t>SignalRConsole</a:t>
+            </a:r>
+            <a:endParaRPr lang="en-US" sz="900" dirty="0">
+              <a:solidFill>
+                <a:schemeClr val="tx1"/>
+              </a:solidFill>
+            </a:endParaRPr>
+          </a:p>
+        </p:txBody>
+      </p:sp>
+      <p:sp>
+        <p:nvSpPr>
+          <p:cNvPr id="14" name="Rectangle 13">
+            <a:extLst>
+              <a:ext uri="{FF2B5EF4-FFF2-40B4-BE49-F238E27FC236}">
+                <a16:creationId xmlns:a16="http://schemas.microsoft.com/office/drawing/2014/main" id="{9FD8F4BC-5DC3-153F-613A-97A4F9688D8B}"/>
+              </a:ext>
+            </a:extLst>
+          </p:cNvPr>
+          <p:cNvSpPr/>
+          <p:nvPr/>
+        </p:nvSpPr>
+        <p:spPr>
+          <a:xfrm>
+            <a:off x="9539150" y="1783372"/>
+            <a:ext cx="598810" cy="315589"/>
           </a:xfrm>
           <a:prstGeom prst="rect">
             <a:avLst/>
@@ -3799,34 +4866,18 @@
           <a:p>
             <a:pPr algn="ctr"/>
             <a:r>
-              <a:rPr lang="en-US" sz="1200" dirty="0" err="1"/>
-              <a:t>AngbandOS.Core.Interface.IConsole</a:t>
-            </a:r>
-            <a:endParaRPr lang="en-US" sz="1200" dirty="0"/>
-          </a:p>
-          <a:p>
-            <a:pPr algn="ctr"/>
-            <a:r>
-              <a:rPr lang="en-US" sz="700" dirty="0"/>
-              <a:t>This is the interface that needs to be implemented by clients (e.g. </a:t>
-            </a:r>
-            <a:r>
-              <a:rPr lang="en-US" sz="700" dirty="0" err="1"/>
-              <a:t>AngbandOS.Web</a:t>
-            </a:r>
-            <a:r>
-              <a:rPr lang="en-US" sz="700" dirty="0"/>
-              <a:t>) to participate in with the game “core”.</a:t>
-            </a:r>
-          </a:p>
-        </p:txBody>
-      </p:sp>
-      <p:sp>
-        <p:nvSpPr>
-          <p:cNvPr id="6" name="Rectangle 5">
-            <a:extLst>
-              <a:ext uri="{FF2B5EF4-FFF2-40B4-BE49-F238E27FC236}">
-                <a16:creationId xmlns:a16="http://schemas.microsoft.com/office/drawing/2014/main" id="{905345DC-9FB2-30C3-B121-72CC831CD082}"/>
+              <a:rPr lang="en-US" sz="900" dirty="0"/>
+              <a:t>Core</a:t>
+            </a:r>
+          </a:p>
+        </p:txBody>
+      </p:sp>
+      <p:sp>
+        <p:nvSpPr>
+          <p:cNvPr id="15" name="Rectangle 14">
+            <a:extLst>
+              <a:ext uri="{FF2B5EF4-FFF2-40B4-BE49-F238E27FC236}">
+                <a16:creationId xmlns:a16="http://schemas.microsoft.com/office/drawing/2014/main" id="{CEF0E89E-DD13-F389-CBE7-0B4D3B00BD9D}"/>
               </a:ext>
             </a:extLst>
           </p:cNvPr>
@@ -3835,8 +4886,360 @@
         </p:nvSpPr>
         <p:spPr>
           <a:xfrm>
-            <a:off x="4181905" y="3309402"/>
-            <a:ext cx="3828185" cy="390439"/>
+            <a:off x="9524905" y="1208781"/>
+            <a:ext cx="613055" cy="226068"/>
+          </a:xfrm>
+          <a:prstGeom prst="rect">
+            <a:avLst/>
+          </a:prstGeom>
+          <a:noFill/>
+        </p:spPr>
+        <p:style>
+          <a:lnRef idx="2">
+            <a:schemeClr val="accent1">
+              <a:shade val="15000"/>
+            </a:schemeClr>
+          </a:lnRef>
+          <a:fillRef idx="1">
+            <a:schemeClr val="accent1"/>
+          </a:fillRef>
+          <a:effectRef idx="0">
+            <a:schemeClr val="accent1"/>
+          </a:effectRef>
+          <a:fontRef idx="minor">
+            <a:schemeClr val="lt1"/>
+          </a:fontRef>
+        </p:style>
+        <p:txBody>
+          <a:bodyPr rtlCol="0" anchor="b" anchorCtr="0"/>
+          <a:lstStyle/>
+          <a:p>
+            <a:pPr algn="ctr"/>
+            <a:r>
+              <a:rPr lang="en-US" sz="900" dirty="0">
+                <a:solidFill>
+                  <a:schemeClr val="tx1"/>
+                </a:solidFill>
+              </a:rPr>
+              <a:t>Game B</a:t>
+            </a:r>
+          </a:p>
+        </p:txBody>
+      </p:sp>
+      <p:cxnSp>
+        <p:nvCxnSpPr>
+          <p:cNvPr id="19" name="Straight Arrow Connector 18">
+            <a:extLst>
+              <a:ext uri="{FF2B5EF4-FFF2-40B4-BE49-F238E27FC236}">
+                <a16:creationId xmlns:a16="http://schemas.microsoft.com/office/drawing/2014/main" id="{F0A1DAEC-E43F-40A5-7585-2A37A4B77BC9}"/>
+              </a:ext>
+            </a:extLst>
+          </p:cNvPr>
+          <p:cNvCxnSpPr>
+            <a:cxnSpLocks/>
+            <a:stCxn id="100" idx="2"/>
+            <a:endCxn id="54" idx="0"/>
+          </p:cNvCxnSpPr>
+          <p:nvPr/>
+        </p:nvCxnSpPr>
+        <p:spPr>
+          <a:xfrm flipH="1">
+            <a:off x="3245361" y="2653135"/>
+            <a:ext cx="10788" cy="2480584"/>
+          </a:xfrm>
+          <a:prstGeom prst="straightConnector1">
+            <a:avLst/>
+          </a:prstGeom>
+          <a:ln>
+            <a:headEnd type="triangle"/>
+            <a:tailEnd type="triangle"/>
+          </a:ln>
+        </p:spPr>
+        <p:style>
+          <a:lnRef idx="1">
+            <a:schemeClr val="accent1"/>
+          </a:lnRef>
+          <a:fillRef idx="0">
+            <a:schemeClr val="accent1"/>
+          </a:fillRef>
+          <a:effectRef idx="0">
+            <a:schemeClr val="accent1"/>
+          </a:effectRef>
+          <a:fontRef idx="minor">
+            <a:schemeClr val="tx1"/>
+          </a:fontRef>
+        </p:style>
+      </p:cxnSp>
+      <p:cxnSp>
+        <p:nvCxnSpPr>
+          <p:cNvPr id="20" name="Straight Arrow Connector 19">
+            <a:extLst>
+              <a:ext uri="{FF2B5EF4-FFF2-40B4-BE49-F238E27FC236}">
+                <a16:creationId xmlns:a16="http://schemas.microsoft.com/office/drawing/2014/main" id="{529B9137-9367-4535-D5D0-B20634027B59}"/>
+              </a:ext>
+            </a:extLst>
+          </p:cNvPr>
+          <p:cNvCxnSpPr>
+            <a:cxnSpLocks/>
+            <a:stCxn id="108" idx="2"/>
+            <a:endCxn id="53" idx="0"/>
+          </p:cNvCxnSpPr>
+          <p:nvPr/>
+        </p:nvCxnSpPr>
+        <p:spPr>
+          <a:xfrm flipH="1">
+            <a:off x="4548136" y="2653135"/>
+            <a:ext cx="25854" cy="2473052"/>
+          </a:xfrm>
+          <a:prstGeom prst="straightConnector1">
+            <a:avLst/>
+          </a:prstGeom>
+          <a:ln>
+            <a:headEnd type="triangle"/>
+            <a:tailEnd type="triangle"/>
+          </a:ln>
+        </p:spPr>
+        <p:style>
+          <a:lnRef idx="1">
+            <a:schemeClr val="accent1"/>
+          </a:lnRef>
+          <a:fillRef idx="0">
+            <a:schemeClr val="accent1"/>
+          </a:fillRef>
+          <a:effectRef idx="0">
+            <a:schemeClr val="accent1"/>
+          </a:effectRef>
+          <a:fontRef idx="minor">
+            <a:schemeClr val="tx1"/>
+          </a:fontRef>
+        </p:style>
+      </p:cxnSp>
+      <p:sp>
+        <p:nvSpPr>
+          <p:cNvPr id="27" name="Rectangle 26">
+            <a:extLst>
+              <a:ext uri="{FF2B5EF4-FFF2-40B4-BE49-F238E27FC236}">
+                <a16:creationId xmlns:a16="http://schemas.microsoft.com/office/drawing/2014/main" id="{87FBE252-5554-90E5-995D-F33009985926}"/>
+              </a:ext>
+            </a:extLst>
+          </p:cNvPr>
+          <p:cNvSpPr/>
+          <p:nvPr/>
+        </p:nvSpPr>
+        <p:spPr>
+          <a:xfrm>
+            <a:off x="9756075" y="5103201"/>
+            <a:ext cx="1248868" cy="1181612"/>
+          </a:xfrm>
+          <a:prstGeom prst="rect">
+            <a:avLst/>
+          </a:prstGeom>
+          <a:noFill/>
+        </p:spPr>
+        <p:style>
+          <a:lnRef idx="2">
+            <a:schemeClr val="accent1">
+              <a:shade val="15000"/>
+            </a:schemeClr>
+          </a:lnRef>
+          <a:fillRef idx="1">
+            <a:schemeClr val="accent1"/>
+          </a:fillRef>
+          <a:effectRef idx="0">
+            <a:schemeClr val="accent1"/>
+          </a:effectRef>
+          <a:fontRef idx="minor">
+            <a:schemeClr val="lt1"/>
+          </a:fontRef>
+        </p:style>
+        <p:txBody>
+          <a:bodyPr rtlCol="0" anchor="b" anchorCtr="0"/>
+          <a:lstStyle/>
+          <a:p>
+            <a:pPr algn="ctr"/>
+            <a:r>
+              <a:rPr lang="en-US" sz="900" dirty="0" err="1">
+                <a:solidFill>
+                  <a:schemeClr val="tx1"/>
+                </a:solidFill>
+              </a:rPr>
+              <a:t>Watch.ts</a:t>
+            </a:r>
+            <a:endParaRPr lang="en-US" sz="900" dirty="0">
+              <a:solidFill>
+                <a:schemeClr val="tx1"/>
+              </a:solidFill>
+            </a:endParaRPr>
+          </a:p>
+        </p:txBody>
+      </p:sp>
+      <p:sp>
+        <p:nvSpPr>
+          <p:cNvPr id="28" name="Rectangle 27">
+            <a:extLst>
+              <a:ext uri="{FF2B5EF4-FFF2-40B4-BE49-F238E27FC236}">
+                <a16:creationId xmlns:a16="http://schemas.microsoft.com/office/drawing/2014/main" id="{022F73E1-42E2-69C3-D8EB-FF2FB7931B72}"/>
+              </a:ext>
+            </a:extLst>
+          </p:cNvPr>
+          <p:cNvSpPr/>
+          <p:nvPr/>
+        </p:nvSpPr>
+        <p:spPr>
+          <a:xfrm>
+            <a:off x="8453300" y="5110733"/>
+            <a:ext cx="1248868" cy="1181612"/>
+          </a:xfrm>
+          <a:prstGeom prst="rect">
+            <a:avLst/>
+          </a:prstGeom>
+          <a:noFill/>
+        </p:spPr>
+        <p:style>
+          <a:lnRef idx="2">
+            <a:schemeClr val="accent1">
+              <a:shade val="15000"/>
+            </a:schemeClr>
+          </a:lnRef>
+          <a:fillRef idx="1">
+            <a:schemeClr val="accent1"/>
+          </a:fillRef>
+          <a:effectRef idx="0">
+            <a:schemeClr val="accent1"/>
+          </a:effectRef>
+          <a:fontRef idx="minor">
+            <a:schemeClr val="lt1"/>
+          </a:fontRef>
+        </p:style>
+        <p:txBody>
+          <a:bodyPr rtlCol="0" anchor="b" anchorCtr="0"/>
+          <a:lstStyle/>
+          <a:p>
+            <a:pPr algn="ctr"/>
+            <a:r>
+              <a:rPr lang="en-US" sz="900" dirty="0" err="1">
+                <a:solidFill>
+                  <a:schemeClr val="tx1"/>
+                </a:solidFill>
+              </a:rPr>
+              <a:t>Play.ts</a:t>
+            </a:r>
+            <a:endParaRPr lang="en-US" sz="900" dirty="0">
+              <a:solidFill>
+                <a:schemeClr val="tx1"/>
+              </a:solidFill>
+            </a:endParaRPr>
+          </a:p>
+        </p:txBody>
+      </p:sp>
+      <p:sp>
+        <p:nvSpPr>
+          <p:cNvPr id="33" name="Smiley Face 32">
+            <a:extLst>
+              <a:ext uri="{FF2B5EF4-FFF2-40B4-BE49-F238E27FC236}">
+                <a16:creationId xmlns:a16="http://schemas.microsoft.com/office/drawing/2014/main" id="{6112124C-C7C6-1668-423C-5B24F1A0EAB2}"/>
+              </a:ext>
+            </a:extLst>
+          </p:cNvPr>
+          <p:cNvSpPr/>
+          <p:nvPr/>
+        </p:nvSpPr>
+        <p:spPr>
+          <a:xfrm>
+            <a:off x="8990660" y="6453732"/>
+            <a:ext cx="174147" cy="170870"/>
+          </a:xfrm>
+          <a:prstGeom prst="smileyFace">
+            <a:avLst/>
+          </a:prstGeom>
+        </p:spPr>
+        <p:style>
+          <a:lnRef idx="2">
+            <a:schemeClr val="accent1">
+              <a:shade val="15000"/>
+            </a:schemeClr>
+          </a:lnRef>
+          <a:fillRef idx="1">
+            <a:schemeClr val="accent1"/>
+          </a:fillRef>
+          <a:effectRef idx="0">
+            <a:schemeClr val="accent1"/>
+          </a:effectRef>
+          <a:fontRef idx="minor">
+            <a:schemeClr val="lt1"/>
+          </a:fontRef>
+        </p:style>
+        <p:txBody>
+          <a:bodyPr rtlCol="0" anchor="ctr"/>
+          <a:lstStyle/>
+          <a:p>
+            <a:pPr algn="ctr"/>
+            <a:endParaRPr lang="en-US" dirty="0"/>
+          </a:p>
+        </p:txBody>
+      </p:sp>
+      <p:sp>
+        <p:nvSpPr>
+          <p:cNvPr id="34" name="Smiley Face 33">
+            <a:extLst>
+              <a:ext uri="{FF2B5EF4-FFF2-40B4-BE49-F238E27FC236}">
+                <a16:creationId xmlns:a16="http://schemas.microsoft.com/office/drawing/2014/main" id="{AA077E7A-8A88-404B-DDD9-D7C9736E184F}"/>
+              </a:ext>
+            </a:extLst>
+          </p:cNvPr>
+          <p:cNvSpPr/>
+          <p:nvPr/>
+        </p:nvSpPr>
+        <p:spPr>
+          <a:xfrm>
+            <a:off x="10266481" y="6451323"/>
+            <a:ext cx="174147" cy="170870"/>
+          </a:xfrm>
+          <a:prstGeom prst="smileyFace">
+            <a:avLst/>
+          </a:prstGeom>
+        </p:spPr>
+        <p:style>
+          <a:lnRef idx="2">
+            <a:schemeClr val="accent1">
+              <a:shade val="15000"/>
+            </a:schemeClr>
+          </a:lnRef>
+          <a:fillRef idx="1">
+            <a:schemeClr val="accent1"/>
+          </a:fillRef>
+          <a:effectRef idx="0">
+            <a:schemeClr val="accent1"/>
+          </a:effectRef>
+          <a:fontRef idx="minor">
+            <a:schemeClr val="lt1"/>
+          </a:fontRef>
+        </p:style>
+        <p:txBody>
+          <a:bodyPr rtlCol="0" anchor="ctr"/>
+          <a:lstStyle/>
+          <a:p>
+            <a:pPr algn="ctr"/>
+            <a:endParaRPr lang="en-US" dirty="0"/>
+          </a:p>
+        </p:txBody>
+      </p:sp>
+      <p:sp>
+        <p:nvSpPr>
+          <p:cNvPr id="48" name="Rectangle 47">
+            <a:extLst>
+              <a:ext uri="{FF2B5EF4-FFF2-40B4-BE49-F238E27FC236}">
+                <a16:creationId xmlns:a16="http://schemas.microsoft.com/office/drawing/2014/main" id="{6B79E9DB-6BD7-3BC9-AF2A-CC4AE717FDBF}"/>
+              </a:ext>
+            </a:extLst>
+          </p:cNvPr>
+          <p:cNvSpPr/>
+          <p:nvPr/>
+        </p:nvSpPr>
+        <p:spPr>
+          <a:xfrm>
+            <a:off x="8561763" y="5160910"/>
+            <a:ext cx="1085850" cy="811556"/>
           </a:xfrm>
           <a:prstGeom prst="rect">
             <a:avLst/>
@@ -3859,47 +5262,24 @@
           </a:fontRef>
         </p:style>
         <p:txBody>
-          <a:bodyPr rtlCol="0" anchor="ctr"/>
+          <a:bodyPr rtlCol="0" anchor="t" anchorCtr="0"/>
           <a:lstStyle/>
           <a:p>
             <a:pPr algn="ctr"/>
             <a:r>
-              <a:rPr lang="en-US" sz="1200" dirty="0" err="1"/>
-              <a:t>AngbandOS.Web.GameService</a:t>
-            </a:r>
-            <a:endParaRPr lang="en-US" sz="1200" dirty="0"/>
-          </a:p>
-          <a:p>
-            <a:pPr algn="ctr"/>
-            <a:r>
-              <a:rPr lang="en-US" sz="700" dirty="0"/>
-              <a:t>This is the singleton object that maintains the </a:t>
-            </a:r>
-            <a:r>
-              <a:rPr lang="en-US" sz="700" dirty="0" err="1"/>
-              <a:t>SignalRConsole</a:t>
-            </a:r>
-            <a:r>
-              <a:rPr lang="en-US" sz="700" dirty="0"/>
-              <a:t> and the associated </a:t>
-            </a:r>
-            <a:r>
-              <a:rPr lang="en-US" sz="700" dirty="0" err="1"/>
-              <a:t>GameHub</a:t>
-            </a:r>
-            <a:r>
-              <a:rPr lang="en-US" sz="700" dirty="0"/>
-              <a:t> objects.</a:t>
-            </a:r>
-          </a:p>
-        </p:txBody>
-      </p:sp>
-      <p:sp>
-        <p:nvSpPr>
-          <p:cNvPr id="7" name="Rectangle 6">
-            <a:extLst>
-              <a:ext uri="{FF2B5EF4-FFF2-40B4-BE49-F238E27FC236}">
-                <a16:creationId xmlns:a16="http://schemas.microsoft.com/office/drawing/2014/main" id="{0A5CE1D2-34E5-AE08-0A55-29C482C7857A}"/>
+              <a:rPr lang="en-US" sz="900" dirty="0" err="1"/>
+              <a:t>HTMLConsole</a:t>
+            </a:r>
+            <a:endParaRPr lang="en-US" sz="900" dirty="0"/>
+          </a:p>
+        </p:txBody>
+      </p:sp>
+      <p:sp>
+        <p:nvSpPr>
+          <p:cNvPr id="49" name="Rectangle 48">
+            <a:extLst>
+              <a:ext uri="{FF2B5EF4-FFF2-40B4-BE49-F238E27FC236}">
+                <a16:creationId xmlns:a16="http://schemas.microsoft.com/office/drawing/2014/main" id="{3D5EE8BD-4DED-8BE9-DCA6-819204E2C6BE}"/>
               </a:ext>
             </a:extLst>
           </p:cNvPr>
@@ -3908,8 +5288,8 @@
         </p:nvSpPr>
         <p:spPr>
           <a:xfrm>
-            <a:off x="1686361" y="2676791"/>
-            <a:ext cx="4139912" cy="390439"/>
+            <a:off x="8697177" y="5449308"/>
+            <a:ext cx="868925" cy="315589"/>
           </a:xfrm>
           <a:prstGeom prst="rect">
             <a:avLst/>
@@ -3937,50 +5317,19 @@
           <a:p>
             <a:pPr algn="ctr"/>
             <a:r>
-              <a:rPr lang="en-US" sz="1200" dirty="0" err="1"/>
-              <a:t>AngbandOS.Web.SignalRConsole</a:t>
-            </a:r>
-            <a:endParaRPr lang="en-US" sz="1200" dirty="0"/>
-          </a:p>
-          <a:p>
-            <a:pPr algn="ctr"/>
-            <a:r>
-              <a:rPr lang="en-US" sz="700" dirty="0"/>
-              <a:t>This is an object that the </a:t>
-            </a:r>
-            <a:r>
-              <a:rPr lang="en-US" sz="700" dirty="0" err="1"/>
-              <a:t>GameService</a:t>
-            </a:r>
-            <a:r>
-              <a:rPr lang="en-US" sz="700" dirty="0"/>
-              <a:t> creates to run in the background to relay </a:t>
-            </a:r>
-            <a:r>
-              <a:rPr lang="en-US" sz="700" dirty="0" err="1"/>
-              <a:t>IConsole</a:t>
-            </a:r>
-            <a:r>
-              <a:rPr lang="en-US" sz="700" dirty="0"/>
-              <a:t> interface commands from the game “core” to the </a:t>
-            </a:r>
-            <a:r>
-              <a:rPr lang="en-US" sz="700" dirty="0" err="1"/>
-              <a:t>GameHub</a:t>
-            </a:r>
-            <a:r>
-              <a:rPr lang="en-US" sz="700" dirty="0"/>
-              <a:t>.</a:t>
-            </a:r>
-          </a:p>
-        </p:txBody>
-      </p:sp>
-      <p:sp>
-        <p:nvSpPr>
-          <p:cNvPr id="9" name="Rectangle 8">
-            <a:extLst>
-              <a:ext uri="{FF2B5EF4-FFF2-40B4-BE49-F238E27FC236}">
-                <a16:creationId xmlns:a16="http://schemas.microsoft.com/office/drawing/2014/main" id="{FECA6C2C-07F6-C103-7A6B-63F8FB5CC506}"/>
+              <a:rPr lang="en-US" sz="900" dirty="0" err="1"/>
+              <a:t>HTMLCanvas</a:t>
+            </a:r>
+            <a:endParaRPr lang="en-US" sz="900" dirty="0"/>
+          </a:p>
+        </p:txBody>
+      </p:sp>
+      <p:sp>
+        <p:nvSpPr>
+          <p:cNvPr id="51" name="Rectangle 50">
+            <a:extLst>
+              <a:ext uri="{FF2B5EF4-FFF2-40B4-BE49-F238E27FC236}">
+                <a16:creationId xmlns:a16="http://schemas.microsoft.com/office/drawing/2014/main" id="{A5729A53-ACDD-28F7-4D75-777F609B64F6}"/>
               </a:ext>
             </a:extLst>
           </p:cNvPr>
@@ -3989,8 +5338,8 @@
         </p:nvSpPr>
         <p:spPr>
           <a:xfrm>
-            <a:off x="1439578" y="4587830"/>
-            <a:ext cx="4386696" cy="390439"/>
+            <a:off x="9810631" y="5160910"/>
+            <a:ext cx="1085850" cy="811556"/>
           </a:xfrm>
           <a:prstGeom prst="rect">
             <a:avLst/>
@@ -4013,55 +5362,24 @@
           </a:fontRef>
         </p:style>
         <p:txBody>
-          <a:bodyPr rtlCol="0" anchor="ctr"/>
+          <a:bodyPr rtlCol="0" anchor="t" anchorCtr="0"/>
           <a:lstStyle/>
           <a:p>
             <a:pPr algn="ctr"/>
             <a:r>
-              <a:rPr lang="en-US" sz="1200" dirty="0" err="1"/>
-              <a:t>AngbandOS.Web.PlayComponent.ts</a:t>
-            </a:r>
-            <a:endParaRPr lang="en-US" sz="1200" dirty="0"/>
-          </a:p>
-          <a:p>
-            <a:pPr algn="ctr"/>
-            <a:r>
-              <a:rPr lang="en-US" sz="700" dirty="0"/>
-              <a:t>This is the client-side component and screen for the game console.  It connects to a </a:t>
-            </a:r>
-            <a:r>
-              <a:rPr lang="en-US" sz="700" dirty="0" err="1"/>
-              <a:t>GameHub</a:t>
-            </a:r>
-            <a:r>
-              <a:rPr lang="en-US" sz="700" dirty="0"/>
-              <a:t> using a signal-r connection.  It uses an </a:t>
-            </a:r>
-            <a:r>
-              <a:rPr lang="en-US" sz="700" dirty="0" err="1"/>
-              <a:t>HtmlConsoleComponent</a:t>
-            </a:r>
-            <a:r>
-              <a:rPr lang="en-US" sz="700" dirty="0"/>
-              <a:t> object to handle the </a:t>
-            </a:r>
-            <a:r>
-              <a:rPr lang="en-US" sz="700" dirty="0" err="1"/>
-              <a:t>HTMLCanvas</a:t>
-            </a:r>
-            <a:r>
-              <a:rPr lang="en-US" sz="700" dirty="0"/>
-              <a:t> rendering.</a:t>
-            </a:r>
-          </a:p>
-        </p:txBody>
-      </p:sp>
-      <p:sp>
-        <p:nvSpPr>
-          <p:cNvPr id="10" name="Rectangle 9">
-            <a:extLst>
-              <a:ext uri="{FF2B5EF4-FFF2-40B4-BE49-F238E27FC236}">
-                <a16:creationId xmlns:a16="http://schemas.microsoft.com/office/drawing/2014/main" id="{4C12BEFF-E90E-1D70-62F7-4BEDF3D77363}"/>
+              <a:rPr lang="en-US" sz="900" dirty="0" err="1"/>
+              <a:t>HTMLConsole</a:t>
+            </a:r>
+            <a:endParaRPr lang="en-US" sz="900" dirty="0"/>
+          </a:p>
+        </p:txBody>
+      </p:sp>
+      <p:sp>
+        <p:nvSpPr>
+          <p:cNvPr id="52" name="Rectangle 51">
+            <a:extLst>
+              <a:ext uri="{FF2B5EF4-FFF2-40B4-BE49-F238E27FC236}">
+                <a16:creationId xmlns:a16="http://schemas.microsoft.com/office/drawing/2014/main" id="{24DE9345-7361-F82B-876E-1CAC3BD9F4F4}"/>
               </a:ext>
             </a:extLst>
           </p:cNvPr>
@@ -4070,8 +5388,8 @@
         </p:nvSpPr>
         <p:spPr>
           <a:xfrm>
-            <a:off x="1439578" y="5228862"/>
-            <a:ext cx="4386696" cy="390440"/>
+            <a:off x="9946045" y="5449308"/>
+            <a:ext cx="868925" cy="315589"/>
           </a:xfrm>
           <a:prstGeom prst="rect">
             <a:avLst/>
@@ -4099,58 +5417,19 @@
           <a:p>
             <a:pPr algn="ctr"/>
             <a:r>
-              <a:rPr lang="en-US" sz="1200" dirty="0" err="1"/>
-              <a:t>AngbandOS.Web.HtmlConsoleComponent</a:t>
-            </a:r>
-            <a:endParaRPr lang="en-US" sz="1200" dirty="0"/>
-          </a:p>
-          <a:p>
-            <a:pPr algn="ctr"/>
-            <a:r>
-              <a:rPr lang="en-US" sz="700" dirty="0"/>
-              <a:t>This is a client-side typescript object that accepts and wraps the </a:t>
-            </a:r>
-            <a:r>
-              <a:rPr lang="en-US" sz="700" dirty="0" err="1"/>
+              <a:rPr lang="en-US" sz="900" dirty="0" err="1"/>
               <a:t>HTMLCanvas</a:t>
             </a:r>
-            <a:r>
-              <a:rPr lang="en-US" sz="700" dirty="0"/>
-              <a:t> element and handles all of the </a:t>
-            </a:r>
-            <a:r>
-              <a:rPr lang="en-US" sz="700" dirty="0" err="1"/>
-              <a:t>HTMLCanvas</a:t>
-            </a:r>
-            <a:r>
-              <a:rPr lang="en-US" sz="700" dirty="0"/>
-              <a:t> interactions.  This component is used by both the </a:t>
-            </a:r>
-            <a:r>
-              <a:rPr lang="en-US" sz="700" dirty="0" err="1"/>
-              <a:t>PlayComponent</a:t>
-            </a:r>
-            <a:r>
-              <a:rPr lang="en-US" sz="700" dirty="0"/>
-              <a:t> and the </a:t>
-            </a:r>
-            <a:r>
-              <a:rPr lang="en-US" sz="700" dirty="0" err="1"/>
-              <a:t>WatchComponent</a:t>
-            </a:r>
-            <a:r>
-              <a:rPr lang="en-US" sz="700" dirty="0"/>
-              <a:t>.</a:t>
-            </a:r>
-          </a:p>
-        </p:txBody>
-      </p:sp>
-      <p:sp>
-        <p:nvSpPr>
-          <p:cNvPr id="11" name="Rectangle 10">
-            <a:extLst>
-              <a:ext uri="{FF2B5EF4-FFF2-40B4-BE49-F238E27FC236}">
-                <a16:creationId xmlns:a16="http://schemas.microsoft.com/office/drawing/2014/main" id="{B1FBD51A-3396-DA46-4DB6-1B2110DB7C65}"/>
+            <a:endParaRPr lang="en-US" sz="900" dirty="0"/>
+          </a:p>
+        </p:txBody>
+      </p:sp>
+      <p:sp>
+        <p:nvSpPr>
+          <p:cNvPr id="53" name="Rectangle 52">
+            <a:extLst>
+              <a:ext uri="{FF2B5EF4-FFF2-40B4-BE49-F238E27FC236}">
+                <a16:creationId xmlns:a16="http://schemas.microsoft.com/office/drawing/2014/main" id="{23B83486-0F7B-BC63-F6AA-0D9639726558}"/>
               </a:ext>
             </a:extLst>
           </p:cNvPr>
@@ -4159,8 +5438,218 @@
         </p:nvSpPr>
         <p:spPr>
           <a:xfrm>
-            <a:off x="2266521" y="5872735"/>
-            <a:ext cx="2732810" cy="390440"/>
+            <a:off x="3923702" y="5126187"/>
+            <a:ext cx="1248868" cy="1181612"/>
+          </a:xfrm>
+          <a:prstGeom prst="rect">
+            <a:avLst/>
+          </a:prstGeom>
+          <a:noFill/>
+        </p:spPr>
+        <p:style>
+          <a:lnRef idx="2">
+            <a:schemeClr val="accent1">
+              <a:shade val="15000"/>
+            </a:schemeClr>
+          </a:lnRef>
+          <a:fillRef idx="1">
+            <a:schemeClr val="accent1"/>
+          </a:fillRef>
+          <a:effectRef idx="0">
+            <a:schemeClr val="accent1"/>
+          </a:effectRef>
+          <a:fontRef idx="minor">
+            <a:schemeClr val="lt1"/>
+          </a:fontRef>
+        </p:style>
+        <p:txBody>
+          <a:bodyPr rtlCol="0" anchor="b" anchorCtr="0"/>
+          <a:lstStyle/>
+          <a:p>
+            <a:pPr algn="ctr"/>
+            <a:r>
+              <a:rPr lang="en-US" sz="900" dirty="0" err="1">
+                <a:solidFill>
+                  <a:schemeClr val="tx1"/>
+                </a:solidFill>
+              </a:rPr>
+              <a:t>Watch.ts</a:t>
+            </a:r>
+            <a:endParaRPr lang="en-US" sz="900" dirty="0">
+              <a:solidFill>
+                <a:schemeClr val="tx1"/>
+              </a:solidFill>
+            </a:endParaRPr>
+          </a:p>
+        </p:txBody>
+      </p:sp>
+      <p:sp>
+        <p:nvSpPr>
+          <p:cNvPr id="54" name="Rectangle 53">
+            <a:extLst>
+              <a:ext uri="{FF2B5EF4-FFF2-40B4-BE49-F238E27FC236}">
+                <a16:creationId xmlns:a16="http://schemas.microsoft.com/office/drawing/2014/main" id="{0EDF8675-42D0-C280-24FC-C7A3EFD04F5A}"/>
+              </a:ext>
+            </a:extLst>
+          </p:cNvPr>
+          <p:cNvSpPr/>
+          <p:nvPr/>
+        </p:nvSpPr>
+        <p:spPr>
+          <a:xfrm>
+            <a:off x="2620927" y="5133719"/>
+            <a:ext cx="1248868" cy="1181612"/>
+          </a:xfrm>
+          <a:prstGeom prst="rect">
+            <a:avLst/>
+          </a:prstGeom>
+          <a:noFill/>
+        </p:spPr>
+        <p:style>
+          <a:lnRef idx="2">
+            <a:schemeClr val="accent1">
+              <a:shade val="15000"/>
+            </a:schemeClr>
+          </a:lnRef>
+          <a:fillRef idx="1">
+            <a:schemeClr val="accent1"/>
+          </a:fillRef>
+          <a:effectRef idx="0">
+            <a:schemeClr val="accent1"/>
+          </a:effectRef>
+          <a:fontRef idx="minor">
+            <a:schemeClr val="lt1"/>
+          </a:fontRef>
+        </p:style>
+        <p:txBody>
+          <a:bodyPr rtlCol="0" anchor="b" anchorCtr="0"/>
+          <a:lstStyle/>
+          <a:p>
+            <a:pPr algn="ctr"/>
+            <a:r>
+              <a:rPr lang="en-US" sz="900" dirty="0" err="1">
+                <a:solidFill>
+                  <a:schemeClr val="tx1"/>
+                </a:solidFill>
+              </a:rPr>
+              <a:t>Play.ts</a:t>
+            </a:r>
+            <a:endParaRPr lang="en-US" sz="900" dirty="0">
+              <a:solidFill>
+                <a:schemeClr val="tx1"/>
+              </a:solidFill>
+            </a:endParaRPr>
+          </a:p>
+        </p:txBody>
+      </p:sp>
+      <p:sp>
+        <p:nvSpPr>
+          <p:cNvPr id="55" name="Smiley Face 54">
+            <a:extLst>
+              <a:ext uri="{FF2B5EF4-FFF2-40B4-BE49-F238E27FC236}">
+                <a16:creationId xmlns:a16="http://schemas.microsoft.com/office/drawing/2014/main" id="{651EDF1F-A89D-5BA4-D64D-E0346C954D13}"/>
+              </a:ext>
+            </a:extLst>
+          </p:cNvPr>
+          <p:cNvSpPr/>
+          <p:nvPr/>
+        </p:nvSpPr>
+        <p:spPr>
+          <a:xfrm>
+            <a:off x="3158287" y="6476718"/>
+            <a:ext cx="174147" cy="170870"/>
+          </a:xfrm>
+          <a:prstGeom prst="smileyFace">
+            <a:avLst/>
+          </a:prstGeom>
+        </p:spPr>
+        <p:style>
+          <a:lnRef idx="2">
+            <a:schemeClr val="accent1">
+              <a:shade val="15000"/>
+            </a:schemeClr>
+          </a:lnRef>
+          <a:fillRef idx="1">
+            <a:schemeClr val="accent1"/>
+          </a:fillRef>
+          <a:effectRef idx="0">
+            <a:schemeClr val="accent1"/>
+          </a:effectRef>
+          <a:fontRef idx="minor">
+            <a:schemeClr val="lt1"/>
+          </a:fontRef>
+        </p:style>
+        <p:txBody>
+          <a:bodyPr rtlCol="0" anchor="ctr"/>
+          <a:lstStyle/>
+          <a:p>
+            <a:pPr algn="ctr"/>
+            <a:endParaRPr lang="en-US" dirty="0"/>
+          </a:p>
+        </p:txBody>
+      </p:sp>
+      <p:sp>
+        <p:nvSpPr>
+          <p:cNvPr id="56" name="Smiley Face 55">
+            <a:extLst>
+              <a:ext uri="{FF2B5EF4-FFF2-40B4-BE49-F238E27FC236}">
+                <a16:creationId xmlns:a16="http://schemas.microsoft.com/office/drawing/2014/main" id="{326E7D06-6BA9-37F3-2501-1481D2863797}"/>
+              </a:ext>
+            </a:extLst>
+          </p:cNvPr>
+          <p:cNvSpPr/>
+          <p:nvPr/>
+        </p:nvSpPr>
+        <p:spPr>
+          <a:xfrm>
+            <a:off x="4434108" y="6474309"/>
+            <a:ext cx="174147" cy="170870"/>
+          </a:xfrm>
+          <a:prstGeom prst="smileyFace">
+            <a:avLst/>
+          </a:prstGeom>
+        </p:spPr>
+        <p:style>
+          <a:lnRef idx="2">
+            <a:schemeClr val="accent1">
+              <a:shade val="15000"/>
+            </a:schemeClr>
+          </a:lnRef>
+          <a:fillRef idx="1">
+            <a:schemeClr val="accent1"/>
+          </a:fillRef>
+          <a:effectRef idx="0">
+            <a:schemeClr val="accent1"/>
+          </a:effectRef>
+          <a:fontRef idx="minor">
+            <a:schemeClr val="lt1"/>
+          </a:fontRef>
+        </p:style>
+        <p:txBody>
+          <a:bodyPr rtlCol="0" anchor="ctr"/>
+          <a:lstStyle/>
+          <a:p>
+            <a:pPr algn="ctr"/>
+            <a:endParaRPr lang="en-US" dirty="0"/>
+          </a:p>
+        </p:txBody>
+      </p:sp>
+      <p:sp>
+        <p:nvSpPr>
+          <p:cNvPr id="58" name="Rectangle 57">
+            <a:extLst>
+              <a:ext uri="{FF2B5EF4-FFF2-40B4-BE49-F238E27FC236}">
+                <a16:creationId xmlns:a16="http://schemas.microsoft.com/office/drawing/2014/main" id="{38C7558C-8069-6938-3B1C-7B2700714817}"/>
+              </a:ext>
+            </a:extLst>
+          </p:cNvPr>
+          <p:cNvSpPr/>
+          <p:nvPr/>
+        </p:nvSpPr>
+        <p:spPr>
+          <a:xfrm>
+            <a:off x="2729390" y="5183896"/>
+            <a:ext cx="1085850" cy="811556"/>
           </a:xfrm>
           <a:prstGeom prst="rect">
             <a:avLst/>
@@ -4183,300 +5672,34 @@
           </a:fontRef>
         </p:style>
         <p:txBody>
-          <a:bodyPr rtlCol="0" anchor="ctr"/>
+          <a:bodyPr rtlCol="0" anchor="t" anchorCtr="0"/>
           <a:lstStyle/>
           <a:p>
             <a:pPr algn="ctr"/>
             <a:r>
-              <a:rPr lang="en-US" sz="1200" dirty="0" err="1"/>
-              <a:t>HTMLCanvas</a:t>
-            </a:r>
-            <a:endParaRPr lang="en-US" sz="1200" dirty="0"/>
-          </a:p>
-          <a:p>
-            <a:pPr algn="ctr"/>
-            <a:r>
-              <a:rPr lang="en-US" sz="700" dirty="0"/>
-              <a:t>This is the HTML component that renders the game on the browser.</a:t>
-            </a:r>
-            <a:endParaRPr lang="en-US" sz="100" dirty="0"/>
-          </a:p>
-        </p:txBody>
-      </p:sp>
-      <p:cxnSp>
-        <p:nvCxnSpPr>
-          <p:cNvPr id="13" name="Straight Arrow Connector 12">
-            <a:extLst>
-              <a:ext uri="{FF2B5EF4-FFF2-40B4-BE49-F238E27FC236}">
-                <a16:creationId xmlns:a16="http://schemas.microsoft.com/office/drawing/2014/main" id="{AEC3F272-C444-08AE-D215-89066ED048F8}"/>
-              </a:ext>
-            </a:extLst>
-          </p:cNvPr>
-          <p:cNvCxnSpPr>
-            <a:cxnSpLocks/>
-            <a:stCxn id="4" idx="2"/>
-            <a:endCxn id="5" idx="0"/>
-          </p:cNvCxnSpPr>
+              <a:rPr lang="en-US" sz="900" dirty="0" err="1"/>
+              <a:t>HTMLConsole</a:t>
+            </a:r>
+            <a:endParaRPr lang="en-US" sz="900" dirty="0"/>
+          </a:p>
+        </p:txBody>
+      </p:sp>
+      <p:sp>
+        <p:nvSpPr>
+          <p:cNvPr id="59" name="Rectangle 58">
+            <a:extLst>
+              <a:ext uri="{FF2B5EF4-FFF2-40B4-BE49-F238E27FC236}">
+                <a16:creationId xmlns:a16="http://schemas.microsoft.com/office/drawing/2014/main" id="{A762D941-10BD-06C9-ECDF-57E83567EC97}"/>
+              </a:ext>
+            </a:extLst>
+          </p:cNvPr>
+          <p:cNvSpPr/>
           <p:nvPr/>
-        </p:nvCxnSpPr>
-        <p:spPr>
-          <a:xfrm flipH="1">
-            <a:off x="3756319" y="1790978"/>
-            <a:ext cx="1" cy="247687"/>
-          </a:xfrm>
-          <a:prstGeom prst="straightConnector1">
-            <a:avLst/>
-          </a:prstGeom>
-          <a:ln>
-            <a:tailEnd type="triangle"/>
-          </a:ln>
-        </p:spPr>
-        <p:style>
-          <a:lnRef idx="1">
-            <a:schemeClr val="accent1"/>
-          </a:lnRef>
-          <a:fillRef idx="0">
-            <a:schemeClr val="accent1"/>
-          </a:fillRef>
-          <a:effectRef idx="0">
-            <a:schemeClr val="accent1"/>
-          </a:effectRef>
-          <a:fontRef idx="minor">
-            <a:schemeClr val="tx1"/>
-          </a:fontRef>
-        </p:style>
-      </p:cxnSp>
-      <p:cxnSp>
-        <p:nvCxnSpPr>
-          <p:cNvPr id="16" name="Straight Arrow Connector 15">
-            <a:extLst>
-              <a:ext uri="{FF2B5EF4-FFF2-40B4-BE49-F238E27FC236}">
-                <a16:creationId xmlns:a16="http://schemas.microsoft.com/office/drawing/2014/main" id="{09139845-CBA0-8117-CA77-8764D191CCB4}"/>
-              </a:ext>
-            </a:extLst>
-          </p:cNvPr>
-          <p:cNvCxnSpPr>
-            <a:cxnSpLocks/>
-            <a:stCxn id="5" idx="2"/>
-            <a:endCxn id="7" idx="0"/>
-          </p:cNvCxnSpPr>
-          <p:nvPr/>
-        </p:nvCxnSpPr>
-        <p:spPr>
-          <a:xfrm flipH="1">
-            <a:off x="3756317" y="2429104"/>
-            <a:ext cx="2" cy="247687"/>
-          </a:xfrm>
-          <a:prstGeom prst="straightConnector1">
-            <a:avLst/>
-          </a:prstGeom>
-          <a:ln>
-            <a:tailEnd type="triangle"/>
-          </a:ln>
-        </p:spPr>
-        <p:style>
-          <a:lnRef idx="1">
-            <a:schemeClr val="accent1"/>
-          </a:lnRef>
-          <a:fillRef idx="0">
-            <a:schemeClr val="accent1"/>
-          </a:fillRef>
-          <a:effectRef idx="0">
-            <a:schemeClr val="accent1"/>
-          </a:effectRef>
-          <a:fontRef idx="minor">
-            <a:schemeClr val="tx1"/>
-          </a:fontRef>
-        </p:style>
-      </p:cxnSp>
-      <p:cxnSp>
-        <p:nvCxnSpPr>
-          <p:cNvPr id="18" name="Straight Arrow Connector 17">
-            <a:extLst>
-              <a:ext uri="{FF2B5EF4-FFF2-40B4-BE49-F238E27FC236}">
-                <a16:creationId xmlns:a16="http://schemas.microsoft.com/office/drawing/2014/main" id="{6D3782EE-8A3E-EDB4-9F34-CA9C71943B53}"/>
-              </a:ext>
-            </a:extLst>
-          </p:cNvPr>
-          <p:cNvCxnSpPr>
-            <a:cxnSpLocks/>
-            <a:stCxn id="7" idx="2"/>
-            <a:endCxn id="6" idx="0"/>
-          </p:cNvCxnSpPr>
-          <p:nvPr/>
-        </p:nvCxnSpPr>
+        </p:nvSpPr>
         <p:spPr>
           <a:xfrm>
-            <a:off x="3756317" y="3067230"/>
-            <a:ext cx="2339681" cy="242172"/>
-          </a:xfrm>
-          <a:prstGeom prst="straightConnector1">
-            <a:avLst/>
-          </a:prstGeom>
-          <a:ln>
-            <a:tailEnd type="triangle"/>
-          </a:ln>
-        </p:spPr>
-        <p:style>
-          <a:lnRef idx="1">
-            <a:schemeClr val="accent1"/>
-          </a:lnRef>
-          <a:fillRef idx="0">
-            <a:schemeClr val="accent1"/>
-          </a:fillRef>
-          <a:effectRef idx="0">
-            <a:schemeClr val="accent1"/>
-          </a:effectRef>
-          <a:fontRef idx="minor">
-            <a:schemeClr val="tx1"/>
-          </a:fontRef>
-        </p:style>
-      </p:cxnSp>
-      <p:cxnSp>
-        <p:nvCxnSpPr>
-          <p:cNvPr id="22" name="Straight Arrow Connector 21">
-            <a:extLst>
-              <a:ext uri="{FF2B5EF4-FFF2-40B4-BE49-F238E27FC236}">
-                <a16:creationId xmlns:a16="http://schemas.microsoft.com/office/drawing/2014/main" id="{C4E392C9-13B0-F3F7-A581-7D0A42B01EE2}"/>
-              </a:ext>
-            </a:extLst>
-          </p:cNvPr>
-          <p:cNvCxnSpPr>
-            <a:cxnSpLocks/>
-            <a:stCxn id="3" idx="2"/>
-            <a:endCxn id="9" idx="0"/>
-          </p:cNvCxnSpPr>
-          <p:nvPr/>
-        </p:nvCxnSpPr>
-        <p:spPr>
-          <a:xfrm flipH="1">
-            <a:off x="3632926" y="4348614"/>
-            <a:ext cx="2463071" cy="239216"/>
-          </a:xfrm>
-          <a:prstGeom prst="straightConnector1">
-            <a:avLst/>
-          </a:prstGeom>
-          <a:ln>
-            <a:tailEnd type="triangle"/>
-          </a:ln>
-        </p:spPr>
-        <p:style>
-          <a:lnRef idx="1">
-            <a:schemeClr val="accent1"/>
-          </a:lnRef>
-          <a:fillRef idx="0">
-            <a:schemeClr val="accent1"/>
-          </a:fillRef>
-          <a:effectRef idx="0">
-            <a:schemeClr val="accent1"/>
-          </a:effectRef>
-          <a:fontRef idx="minor">
-            <a:schemeClr val="tx1"/>
-          </a:fontRef>
-        </p:style>
-      </p:cxnSp>
-      <p:cxnSp>
-        <p:nvCxnSpPr>
-          <p:cNvPr id="24" name="Straight Arrow Connector 23">
-            <a:extLst>
-              <a:ext uri="{FF2B5EF4-FFF2-40B4-BE49-F238E27FC236}">
-                <a16:creationId xmlns:a16="http://schemas.microsoft.com/office/drawing/2014/main" id="{06A53A37-00F2-6F4B-C9E9-6F406A44949E}"/>
-              </a:ext>
-            </a:extLst>
-          </p:cNvPr>
-          <p:cNvCxnSpPr>
-            <a:cxnSpLocks/>
-            <a:stCxn id="9" idx="2"/>
-            <a:endCxn id="10" idx="0"/>
-          </p:cNvCxnSpPr>
-          <p:nvPr/>
-        </p:nvCxnSpPr>
-        <p:spPr>
-          <a:xfrm>
-            <a:off x="3632926" y="4978269"/>
-            <a:ext cx="0" cy="250593"/>
-          </a:xfrm>
-          <a:prstGeom prst="straightConnector1">
-            <a:avLst/>
-          </a:prstGeom>
-          <a:ln>
-            <a:tailEnd type="triangle"/>
-          </a:ln>
-        </p:spPr>
-        <p:style>
-          <a:lnRef idx="1">
-            <a:schemeClr val="accent1"/>
-          </a:lnRef>
-          <a:fillRef idx="0">
-            <a:schemeClr val="accent1"/>
-          </a:fillRef>
-          <a:effectRef idx="0">
-            <a:schemeClr val="accent1"/>
-          </a:effectRef>
-          <a:fontRef idx="minor">
-            <a:schemeClr val="tx1"/>
-          </a:fontRef>
-        </p:style>
-      </p:cxnSp>
-      <p:cxnSp>
-        <p:nvCxnSpPr>
-          <p:cNvPr id="26" name="Straight Arrow Connector 25">
-            <a:extLst>
-              <a:ext uri="{FF2B5EF4-FFF2-40B4-BE49-F238E27FC236}">
-                <a16:creationId xmlns:a16="http://schemas.microsoft.com/office/drawing/2014/main" id="{5A387D98-2263-5C90-86AD-6B3727A8CEAC}"/>
-              </a:ext>
-            </a:extLst>
-          </p:cNvPr>
-          <p:cNvCxnSpPr>
-            <a:cxnSpLocks/>
-            <a:stCxn id="10" idx="2"/>
-            <a:endCxn id="11" idx="0"/>
-          </p:cNvCxnSpPr>
-          <p:nvPr/>
-        </p:nvCxnSpPr>
-        <p:spPr>
-          <a:xfrm>
-            <a:off x="3632926" y="5619302"/>
-            <a:ext cx="0" cy="253433"/>
-          </a:xfrm>
-          <a:prstGeom prst="straightConnector1">
-            <a:avLst/>
-          </a:prstGeom>
-          <a:ln>
-            <a:tailEnd type="triangle"/>
-          </a:ln>
-        </p:spPr>
-        <p:style>
-          <a:lnRef idx="1">
-            <a:schemeClr val="accent1"/>
-          </a:lnRef>
-          <a:fillRef idx="0">
-            <a:schemeClr val="accent1"/>
-          </a:fillRef>
-          <a:effectRef idx="0">
-            <a:schemeClr val="accent1"/>
-          </a:effectRef>
-          <a:fontRef idx="minor">
-            <a:schemeClr val="tx1"/>
-          </a:fontRef>
-        </p:style>
-      </p:cxnSp>
-      <p:sp>
-        <p:nvSpPr>
-          <p:cNvPr id="3" name="Rectangle 2">
-            <a:extLst>
-              <a:ext uri="{FF2B5EF4-FFF2-40B4-BE49-F238E27FC236}">
-                <a16:creationId xmlns:a16="http://schemas.microsoft.com/office/drawing/2014/main" id="{472FE763-C632-39E0-CC24-E3FEAEABA863}"/>
-              </a:ext>
-            </a:extLst>
-          </p:cNvPr>
-          <p:cNvSpPr/>
-          <p:nvPr/>
-        </p:nvSpPr>
-        <p:spPr>
-          <a:xfrm>
-            <a:off x="3902649" y="3958175"/>
-            <a:ext cx="4386695" cy="390439"/>
+            <a:off x="2864804" y="5472294"/>
+            <a:ext cx="868925" cy="315589"/>
           </a:xfrm>
           <a:prstGeom prst="rect">
             <a:avLst/>
@@ -4504,42 +5727,19 @@
           <a:p>
             <a:pPr algn="ctr"/>
             <a:r>
-              <a:rPr lang="en-US" sz="1200" dirty="0" err="1"/>
-              <a:t>AngbandOS.Web.GameHub</a:t>
-            </a:r>
-            <a:endParaRPr lang="en-US" sz="1200" dirty="0"/>
-          </a:p>
-          <a:p>
-            <a:pPr algn="ctr"/>
-            <a:r>
-              <a:rPr lang="en-US" sz="700" dirty="0"/>
-              <a:t>This is the server-side signal-r hub that communicates with the client.  It can receive a “Play” command from the client; otherwise it allows the </a:t>
-            </a:r>
-            <a:r>
-              <a:rPr lang="en-US" sz="700" dirty="0" err="1"/>
-              <a:t>GameService</a:t>
-            </a:r>
-            <a:r>
-              <a:rPr lang="en-US" sz="700" dirty="0"/>
-              <a:t> to issue </a:t>
-            </a:r>
-            <a:r>
-              <a:rPr lang="en-US" sz="700" dirty="0" err="1"/>
-              <a:t>IGameHub</a:t>
-            </a:r>
-            <a:r>
-              <a:rPr lang="en-US" sz="700" dirty="0"/>
-              <a:t> commands to the client.</a:t>
-            </a:r>
-          </a:p>
-        </p:txBody>
-      </p:sp>
-      <p:sp>
-        <p:nvSpPr>
-          <p:cNvPr id="12" name="Rectangle 11">
-            <a:extLst>
-              <a:ext uri="{FF2B5EF4-FFF2-40B4-BE49-F238E27FC236}">
-                <a16:creationId xmlns:a16="http://schemas.microsoft.com/office/drawing/2014/main" id="{7EBD8B86-B21B-910D-94A8-8A462016F5A2}"/>
+              <a:rPr lang="en-US" sz="900" dirty="0" err="1"/>
+              <a:t>HTMLCanvas</a:t>
+            </a:r>
+            <a:endParaRPr lang="en-US" sz="900" dirty="0"/>
+          </a:p>
+        </p:txBody>
+      </p:sp>
+      <p:sp>
+        <p:nvSpPr>
+          <p:cNvPr id="61" name="Rectangle 60">
+            <a:extLst>
+              <a:ext uri="{FF2B5EF4-FFF2-40B4-BE49-F238E27FC236}">
+                <a16:creationId xmlns:a16="http://schemas.microsoft.com/office/drawing/2014/main" id="{38AFDFB8-0A1E-3995-A45A-37EDF9756AC1}"/>
               </a:ext>
             </a:extLst>
           </p:cNvPr>
@@ -4548,8 +5748,8 @@
         </p:nvSpPr>
         <p:spPr>
           <a:xfrm>
-            <a:off x="6365727" y="4587830"/>
-            <a:ext cx="4386696" cy="390439"/>
+            <a:off x="3978258" y="5183896"/>
+            <a:ext cx="1085850" cy="811556"/>
           </a:xfrm>
           <a:prstGeom prst="rect">
             <a:avLst/>
@@ -4572,55 +5772,24 @@
           </a:fontRef>
         </p:style>
         <p:txBody>
-          <a:bodyPr rtlCol="0" anchor="ctr"/>
+          <a:bodyPr rtlCol="0" anchor="t" anchorCtr="0"/>
           <a:lstStyle/>
           <a:p>
             <a:pPr algn="ctr"/>
             <a:r>
-              <a:rPr lang="en-US" sz="1200" dirty="0" err="1"/>
-              <a:t>AngbandOS.Web.PlayComponent.ts</a:t>
-            </a:r>
-            <a:endParaRPr lang="en-US" sz="1200" dirty="0"/>
-          </a:p>
-          <a:p>
-            <a:pPr algn="ctr"/>
-            <a:r>
-              <a:rPr lang="en-US" sz="700" dirty="0"/>
-              <a:t>This is the client-side component and screen for the game console.  It connects to a </a:t>
-            </a:r>
-            <a:r>
-              <a:rPr lang="en-US" sz="700" dirty="0" err="1"/>
-              <a:t>GameHub</a:t>
-            </a:r>
-            <a:r>
-              <a:rPr lang="en-US" sz="700" dirty="0"/>
-              <a:t> using a signal-r connection.  It uses an </a:t>
-            </a:r>
-            <a:r>
-              <a:rPr lang="en-US" sz="700" dirty="0" err="1"/>
-              <a:t>HtmlConsoleComponent</a:t>
-            </a:r>
-            <a:r>
-              <a:rPr lang="en-US" sz="700" dirty="0"/>
-              <a:t> object to handle the </a:t>
-            </a:r>
-            <a:r>
-              <a:rPr lang="en-US" sz="700" dirty="0" err="1"/>
-              <a:t>HTMLCanvas</a:t>
-            </a:r>
-            <a:r>
-              <a:rPr lang="en-US" sz="700" dirty="0"/>
-              <a:t> rendering.</a:t>
-            </a:r>
-          </a:p>
-        </p:txBody>
-      </p:sp>
-      <p:sp>
-        <p:nvSpPr>
-          <p:cNvPr id="14" name="Rectangle 13">
-            <a:extLst>
-              <a:ext uri="{FF2B5EF4-FFF2-40B4-BE49-F238E27FC236}">
-                <a16:creationId xmlns:a16="http://schemas.microsoft.com/office/drawing/2014/main" id="{AE3440A7-CE35-E404-B1AA-B675A983A11F}"/>
+              <a:rPr lang="en-US" sz="900" dirty="0" err="1"/>
+              <a:t>HTMLConsole</a:t>
+            </a:r>
+            <a:endParaRPr lang="en-US" sz="900" dirty="0"/>
+          </a:p>
+        </p:txBody>
+      </p:sp>
+      <p:sp>
+        <p:nvSpPr>
+          <p:cNvPr id="62" name="Rectangle 61">
+            <a:extLst>
+              <a:ext uri="{FF2B5EF4-FFF2-40B4-BE49-F238E27FC236}">
+                <a16:creationId xmlns:a16="http://schemas.microsoft.com/office/drawing/2014/main" id="{803ED61C-8BC0-4A27-7ABF-85BA86A1B5A9}"/>
               </a:ext>
             </a:extLst>
           </p:cNvPr>
@@ -4629,8 +5798,8 @@
         </p:nvSpPr>
         <p:spPr>
           <a:xfrm>
-            <a:off x="6365727" y="5228862"/>
-            <a:ext cx="4386696" cy="390440"/>
+            <a:off x="4113672" y="5472294"/>
+            <a:ext cx="868925" cy="315589"/>
           </a:xfrm>
           <a:prstGeom prst="rect">
             <a:avLst/>
@@ -4658,58 +5827,19 @@
           <a:p>
             <a:pPr algn="ctr"/>
             <a:r>
-              <a:rPr lang="en-US" sz="1200" dirty="0" err="1"/>
-              <a:t>AngbandOS.Web.HtmlConsoleComponent</a:t>
-            </a:r>
-            <a:endParaRPr lang="en-US" sz="1200" dirty="0"/>
-          </a:p>
-          <a:p>
-            <a:pPr algn="ctr"/>
-            <a:r>
-              <a:rPr lang="en-US" sz="700" dirty="0"/>
-              <a:t>This is a client-side typescript object that accepts and wraps the </a:t>
-            </a:r>
-            <a:r>
-              <a:rPr lang="en-US" sz="700" dirty="0" err="1"/>
+              <a:rPr lang="en-US" sz="900" dirty="0" err="1"/>
               <a:t>HTMLCanvas</a:t>
             </a:r>
-            <a:r>
-              <a:rPr lang="en-US" sz="700" dirty="0"/>
-              <a:t> element and handles all of the </a:t>
-            </a:r>
-            <a:r>
-              <a:rPr lang="en-US" sz="700" dirty="0" err="1"/>
-              <a:t>HTMLCanvas</a:t>
-            </a:r>
-            <a:r>
-              <a:rPr lang="en-US" sz="700" dirty="0"/>
-              <a:t> interactions.  This component is used by both the </a:t>
-            </a:r>
-            <a:r>
-              <a:rPr lang="en-US" sz="700" dirty="0" err="1"/>
-              <a:t>PlayComponent</a:t>
-            </a:r>
-            <a:r>
-              <a:rPr lang="en-US" sz="700" dirty="0"/>
-              <a:t> and the </a:t>
-            </a:r>
-            <a:r>
-              <a:rPr lang="en-US" sz="700" dirty="0" err="1"/>
-              <a:t>WatchComponent</a:t>
-            </a:r>
-            <a:r>
-              <a:rPr lang="en-US" sz="700" dirty="0"/>
-              <a:t>.</a:t>
-            </a:r>
-          </a:p>
-        </p:txBody>
-      </p:sp>
-      <p:sp>
-        <p:nvSpPr>
-          <p:cNvPr id="15" name="Rectangle 14">
-            <a:extLst>
-              <a:ext uri="{FF2B5EF4-FFF2-40B4-BE49-F238E27FC236}">
-                <a16:creationId xmlns:a16="http://schemas.microsoft.com/office/drawing/2014/main" id="{23F010BA-0A3E-2D9D-C5D0-198753767110}"/>
+            <a:endParaRPr lang="en-US" sz="900" dirty="0"/>
+          </a:p>
+        </p:txBody>
+      </p:sp>
+      <p:sp>
+        <p:nvSpPr>
+          <p:cNvPr id="63" name="Rectangle 62">
+            <a:extLst>
+              <a:ext uri="{FF2B5EF4-FFF2-40B4-BE49-F238E27FC236}">
+                <a16:creationId xmlns:a16="http://schemas.microsoft.com/office/drawing/2014/main" id="{2C7220F6-A901-3A8B-7948-D6B7A810B292}"/>
               </a:ext>
             </a:extLst>
           </p:cNvPr>
@@ -4718,8 +5848,113 @@
         </p:nvSpPr>
         <p:spPr>
           <a:xfrm>
-            <a:off x="7192670" y="5872735"/>
-            <a:ext cx="2732810" cy="390440"/>
+            <a:off x="5257881" y="5126187"/>
+            <a:ext cx="1248868" cy="1181612"/>
+          </a:xfrm>
+          <a:prstGeom prst="rect">
+            <a:avLst/>
+          </a:prstGeom>
+          <a:noFill/>
+        </p:spPr>
+        <p:style>
+          <a:lnRef idx="2">
+            <a:schemeClr val="accent1">
+              <a:shade val="15000"/>
+            </a:schemeClr>
+          </a:lnRef>
+          <a:fillRef idx="1">
+            <a:schemeClr val="accent1"/>
+          </a:fillRef>
+          <a:effectRef idx="0">
+            <a:schemeClr val="accent1"/>
+          </a:effectRef>
+          <a:fontRef idx="minor">
+            <a:schemeClr val="lt1"/>
+          </a:fontRef>
+        </p:style>
+        <p:txBody>
+          <a:bodyPr rtlCol="0" anchor="b" anchorCtr="0"/>
+          <a:lstStyle/>
+          <a:p>
+            <a:pPr algn="ctr"/>
+            <a:r>
+              <a:rPr lang="en-US" sz="900" dirty="0" err="1">
+                <a:solidFill>
+                  <a:schemeClr val="tx1"/>
+                </a:solidFill>
+              </a:rPr>
+              <a:t>Watch.ts</a:t>
+            </a:r>
+            <a:endParaRPr lang="en-US" sz="900" dirty="0">
+              <a:solidFill>
+                <a:schemeClr val="tx1"/>
+              </a:solidFill>
+            </a:endParaRPr>
+          </a:p>
+        </p:txBody>
+      </p:sp>
+      <p:sp>
+        <p:nvSpPr>
+          <p:cNvPr id="64" name="Smiley Face 63">
+            <a:extLst>
+              <a:ext uri="{FF2B5EF4-FFF2-40B4-BE49-F238E27FC236}">
+                <a16:creationId xmlns:a16="http://schemas.microsoft.com/office/drawing/2014/main" id="{79E62500-C8FB-C591-0097-E1B3D82A6C8C}"/>
+              </a:ext>
+            </a:extLst>
+          </p:cNvPr>
+          <p:cNvSpPr/>
+          <p:nvPr/>
+        </p:nvSpPr>
+        <p:spPr>
+          <a:xfrm>
+            <a:off x="5768287" y="6474309"/>
+            <a:ext cx="174147" cy="170870"/>
+          </a:xfrm>
+          <a:prstGeom prst="smileyFace">
+            <a:avLst/>
+          </a:prstGeom>
+        </p:spPr>
+        <p:style>
+          <a:lnRef idx="2">
+            <a:schemeClr val="accent1">
+              <a:shade val="15000"/>
+            </a:schemeClr>
+          </a:lnRef>
+          <a:fillRef idx="1">
+            <a:schemeClr val="accent1"/>
+          </a:fillRef>
+          <a:effectRef idx="0">
+            <a:schemeClr val="accent1"/>
+          </a:effectRef>
+          <a:fontRef idx="minor">
+            <a:schemeClr val="lt1"/>
+          </a:fontRef>
+        </p:style>
+        <p:txBody>
+          <a:bodyPr rtlCol="0" anchor="ctr"/>
+          <a:lstStyle/>
+          <a:p>
+            <a:pPr algn="ctr"/>
+            <a:endParaRPr lang="en-US" dirty="0"/>
+          </a:p>
+        </p:txBody>
+      </p:sp>
+      <p:sp>
+        <p:nvSpPr>
+          <p:cNvPr id="66" name="Rectangle 65">
+            <a:extLst>
+              <a:ext uri="{FF2B5EF4-FFF2-40B4-BE49-F238E27FC236}">
+                <a16:creationId xmlns:a16="http://schemas.microsoft.com/office/drawing/2014/main" id="{9A851DDA-333F-6C11-A9A5-27E45F686196}"/>
+              </a:ext>
+            </a:extLst>
+          </p:cNvPr>
+          <p:cNvSpPr/>
+          <p:nvPr/>
+        </p:nvSpPr>
+        <p:spPr>
+          <a:xfrm>
+            <a:off x="5312437" y="5183896"/>
+            <a:ext cx="1085850" cy="811556"/>
           </a:xfrm>
           <a:prstGeom prst="rect">
             <a:avLst/>
@@ -4742,213 +5977,34 @@
           </a:fontRef>
         </p:style>
         <p:txBody>
-          <a:bodyPr rtlCol="0" anchor="ctr"/>
+          <a:bodyPr rtlCol="0" anchor="t" anchorCtr="0"/>
           <a:lstStyle/>
           <a:p>
             <a:pPr algn="ctr"/>
             <a:r>
-              <a:rPr lang="en-US" sz="1200" dirty="0" err="1"/>
-              <a:t>HTMLCanvas</a:t>
-            </a:r>
-            <a:endParaRPr lang="en-US" sz="1200" dirty="0"/>
-          </a:p>
-          <a:p>
-            <a:pPr algn="ctr"/>
-            <a:r>
-              <a:rPr lang="en-US" sz="700" dirty="0"/>
-              <a:t>This is the HTML component that renders the game on the browser.</a:t>
-            </a:r>
-            <a:endParaRPr lang="en-US" sz="100" dirty="0"/>
-          </a:p>
-        </p:txBody>
-      </p:sp>
-      <p:cxnSp>
-        <p:nvCxnSpPr>
-          <p:cNvPr id="17" name="Straight Arrow Connector 16">
-            <a:extLst>
-              <a:ext uri="{FF2B5EF4-FFF2-40B4-BE49-F238E27FC236}">
-                <a16:creationId xmlns:a16="http://schemas.microsoft.com/office/drawing/2014/main" id="{8FB44040-55B5-E07E-B264-F04292F19B74}"/>
-              </a:ext>
-            </a:extLst>
-          </p:cNvPr>
-          <p:cNvCxnSpPr>
-            <a:cxnSpLocks/>
-            <a:stCxn id="3" idx="2"/>
-            <a:endCxn id="12" idx="0"/>
-          </p:cNvCxnSpPr>
+              <a:rPr lang="en-US" sz="900" dirty="0" err="1"/>
+              <a:t>HTMLConsole</a:t>
+            </a:r>
+            <a:endParaRPr lang="en-US" sz="900" dirty="0"/>
+          </a:p>
+        </p:txBody>
+      </p:sp>
+      <p:sp>
+        <p:nvSpPr>
+          <p:cNvPr id="67" name="Rectangle 66">
+            <a:extLst>
+              <a:ext uri="{FF2B5EF4-FFF2-40B4-BE49-F238E27FC236}">
+                <a16:creationId xmlns:a16="http://schemas.microsoft.com/office/drawing/2014/main" id="{58168EB5-6BA4-65D6-ABF2-7F55F487F032}"/>
+              </a:ext>
+            </a:extLst>
+          </p:cNvPr>
+          <p:cNvSpPr/>
           <p:nvPr/>
-        </p:nvCxnSpPr>
+        </p:nvSpPr>
         <p:spPr>
           <a:xfrm>
-            <a:off x="6095997" y="4348614"/>
-            <a:ext cx="2463078" cy="239216"/>
-          </a:xfrm>
-          <a:prstGeom prst="straightConnector1">
-            <a:avLst/>
-          </a:prstGeom>
-          <a:ln>
-            <a:tailEnd type="triangle"/>
-          </a:ln>
-        </p:spPr>
-        <p:style>
-          <a:lnRef idx="1">
-            <a:schemeClr val="accent1"/>
-          </a:lnRef>
-          <a:fillRef idx="0">
-            <a:schemeClr val="accent1"/>
-          </a:fillRef>
-          <a:effectRef idx="0">
-            <a:schemeClr val="accent1"/>
-          </a:effectRef>
-          <a:fontRef idx="minor">
-            <a:schemeClr val="tx1"/>
-          </a:fontRef>
-        </p:style>
-      </p:cxnSp>
-      <p:cxnSp>
-        <p:nvCxnSpPr>
-          <p:cNvPr id="19" name="Straight Arrow Connector 18">
-            <a:extLst>
-              <a:ext uri="{FF2B5EF4-FFF2-40B4-BE49-F238E27FC236}">
-                <a16:creationId xmlns:a16="http://schemas.microsoft.com/office/drawing/2014/main" id="{79E27562-CCCE-447B-E4DE-925B9E608267}"/>
-              </a:ext>
-            </a:extLst>
-          </p:cNvPr>
-          <p:cNvCxnSpPr>
-            <a:cxnSpLocks/>
-            <a:stCxn id="12" idx="2"/>
-            <a:endCxn id="14" idx="0"/>
-          </p:cNvCxnSpPr>
-          <p:nvPr/>
-        </p:nvCxnSpPr>
-        <p:spPr>
-          <a:xfrm>
-            <a:off x="8559075" y="4978269"/>
-            <a:ext cx="0" cy="250593"/>
-          </a:xfrm>
-          <a:prstGeom prst="straightConnector1">
-            <a:avLst/>
-          </a:prstGeom>
-          <a:ln>
-            <a:tailEnd type="triangle"/>
-          </a:ln>
-        </p:spPr>
-        <p:style>
-          <a:lnRef idx="1">
-            <a:schemeClr val="accent1"/>
-          </a:lnRef>
-          <a:fillRef idx="0">
-            <a:schemeClr val="accent1"/>
-          </a:fillRef>
-          <a:effectRef idx="0">
-            <a:schemeClr val="accent1"/>
-          </a:effectRef>
-          <a:fontRef idx="minor">
-            <a:schemeClr val="tx1"/>
-          </a:fontRef>
-        </p:style>
-      </p:cxnSp>
-      <p:cxnSp>
-        <p:nvCxnSpPr>
-          <p:cNvPr id="21" name="Straight Arrow Connector 20">
-            <a:extLst>
-              <a:ext uri="{FF2B5EF4-FFF2-40B4-BE49-F238E27FC236}">
-                <a16:creationId xmlns:a16="http://schemas.microsoft.com/office/drawing/2014/main" id="{B986D3F1-C796-8A7C-5146-405AD6A9AC75}"/>
-              </a:ext>
-            </a:extLst>
-          </p:cNvPr>
-          <p:cNvCxnSpPr>
-            <a:cxnSpLocks/>
-            <a:stCxn id="14" idx="2"/>
-            <a:endCxn id="15" idx="0"/>
-          </p:cNvCxnSpPr>
-          <p:nvPr/>
-        </p:nvCxnSpPr>
-        <p:spPr>
-          <a:xfrm>
-            <a:off x="8559075" y="5619302"/>
-            <a:ext cx="0" cy="253433"/>
-          </a:xfrm>
-          <a:prstGeom prst="straightConnector1">
-            <a:avLst/>
-          </a:prstGeom>
-          <a:ln>
-            <a:tailEnd type="triangle"/>
-          </a:ln>
-        </p:spPr>
-        <p:style>
-          <a:lnRef idx="1">
-            <a:schemeClr val="accent1"/>
-          </a:lnRef>
-          <a:fillRef idx="0">
-            <a:schemeClr val="accent1"/>
-          </a:fillRef>
-          <a:effectRef idx="0">
-            <a:schemeClr val="accent1"/>
-          </a:effectRef>
-          <a:fontRef idx="minor">
-            <a:schemeClr val="tx1"/>
-          </a:fontRef>
-        </p:style>
-      </p:cxnSp>
-      <p:cxnSp>
-        <p:nvCxnSpPr>
-          <p:cNvPr id="27" name="Straight Arrow Connector 26">
-            <a:extLst>
-              <a:ext uri="{FF2B5EF4-FFF2-40B4-BE49-F238E27FC236}">
-                <a16:creationId xmlns:a16="http://schemas.microsoft.com/office/drawing/2014/main" id="{3C517CF3-A8A5-ECDA-3C88-1825F1B85510}"/>
-              </a:ext>
-            </a:extLst>
-          </p:cNvPr>
-          <p:cNvCxnSpPr>
-            <a:stCxn id="6" idx="2"/>
-            <a:endCxn id="3" idx="0"/>
-          </p:cNvCxnSpPr>
-          <p:nvPr/>
-        </p:nvCxnSpPr>
-        <p:spPr>
-          <a:xfrm flipH="1">
-            <a:off x="6095997" y="3699841"/>
-            <a:ext cx="1" cy="258334"/>
-          </a:xfrm>
-          <a:prstGeom prst="straightConnector1">
-            <a:avLst/>
-          </a:prstGeom>
-          <a:ln>
-            <a:tailEnd type="triangle"/>
-          </a:ln>
-        </p:spPr>
-        <p:style>
-          <a:lnRef idx="1">
-            <a:schemeClr val="accent1"/>
-          </a:lnRef>
-          <a:fillRef idx="0">
-            <a:schemeClr val="accent1"/>
-          </a:fillRef>
-          <a:effectRef idx="0">
-            <a:schemeClr val="accent1"/>
-          </a:effectRef>
-          <a:fontRef idx="minor">
-            <a:schemeClr val="tx1"/>
-          </a:fontRef>
-        </p:style>
-      </p:cxnSp>
-      <p:sp>
-        <p:nvSpPr>
-          <p:cNvPr id="28" name="Rectangle 27">
-            <a:extLst>
-              <a:ext uri="{FF2B5EF4-FFF2-40B4-BE49-F238E27FC236}">
-                <a16:creationId xmlns:a16="http://schemas.microsoft.com/office/drawing/2014/main" id="{C41F0AA0-E02D-0BBD-4248-554AB051E6C8}"/>
-              </a:ext>
-            </a:extLst>
-          </p:cNvPr>
-          <p:cNvSpPr/>
-          <p:nvPr/>
-        </p:nvSpPr>
-        <p:spPr>
-          <a:xfrm>
-            <a:off x="7100021" y="1410968"/>
-            <a:ext cx="2671329" cy="380010"/>
+            <a:off x="5447851" y="5472294"/>
+            <a:ext cx="868925" cy="315589"/>
           </a:xfrm>
           <a:prstGeom prst="rect">
             <a:avLst/>
@@ -4976,26 +6032,19 @@
           <a:p>
             <a:pPr algn="ctr"/>
             <a:r>
-              <a:rPr lang="en-US" sz="1200" dirty="0" err="1"/>
-              <a:t>AngbandOS.Core</a:t>
-            </a:r>
-            <a:endParaRPr lang="en-US" sz="1200" dirty="0"/>
-          </a:p>
-          <a:p>
-            <a:pPr algn="ctr"/>
-            <a:r>
-              <a:rPr lang="en-US" sz="700" dirty="0"/>
-              <a:t>This is the DLL that implements the core of the game functionality.</a:t>
-            </a:r>
-          </a:p>
-        </p:txBody>
-      </p:sp>
-      <p:sp>
-        <p:nvSpPr>
-          <p:cNvPr id="29" name="Rectangle 28">
-            <a:extLst>
-              <a:ext uri="{FF2B5EF4-FFF2-40B4-BE49-F238E27FC236}">
-                <a16:creationId xmlns:a16="http://schemas.microsoft.com/office/drawing/2014/main" id="{A1E3DD89-B89A-8EFC-799F-83AB20555B94}"/>
+              <a:rPr lang="en-US" sz="900" dirty="0" err="1"/>
+              <a:t>HTMLCanvas</a:t>
+            </a:r>
+            <a:endParaRPr lang="en-US" sz="900" dirty="0"/>
+          </a:p>
+        </p:txBody>
+      </p:sp>
+      <p:sp>
+        <p:nvSpPr>
+          <p:cNvPr id="68" name="Rectangle 67">
+            <a:extLst>
+              <a:ext uri="{FF2B5EF4-FFF2-40B4-BE49-F238E27FC236}">
+                <a16:creationId xmlns:a16="http://schemas.microsoft.com/office/drawing/2014/main" id="{DB562B22-CBF0-4A23-90E6-53CE8A5F1331}"/>
               </a:ext>
             </a:extLst>
           </p:cNvPr>
@@ -5004,8 +6053,113 @@
         </p:nvSpPr>
         <p:spPr>
           <a:xfrm>
-            <a:off x="6542374" y="2038665"/>
-            <a:ext cx="3786621" cy="390439"/>
+            <a:off x="6592062" y="5126187"/>
+            <a:ext cx="1248868" cy="1181612"/>
+          </a:xfrm>
+          <a:prstGeom prst="rect">
+            <a:avLst/>
+          </a:prstGeom>
+          <a:noFill/>
+        </p:spPr>
+        <p:style>
+          <a:lnRef idx="2">
+            <a:schemeClr val="accent1">
+              <a:shade val="15000"/>
+            </a:schemeClr>
+          </a:lnRef>
+          <a:fillRef idx="1">
+            <a:schemeClr val="accent1"/>
+          </a:fillRef>
+          <a:effectRef idx="0">
+            <a:schemeClr val="accent1"/>
+          </a:effectRef>
+          <a:fontRef idx="minor">
+            <a:schemeClr val="lt1"/>
+          </a:fontRef>
+        </p:style>
+        <p:txBody>
+          <a:bodyPr rtlCol="0" anchor="b" anchorCtr="0"/>
+          <a:lstStyle/>
+          <a:p>
+            <a:pPr algn="ctr"/>
+            <a:r>
+              <a:rPr lang="en-US" sz="900" dirty="0" err="1">
+                <a:solidFill>
+                  <a:schemeClr val="tx1"/>
+                </a:solidFill>
+              </a:rPr>
+              <a:t>Watch.ts</a:t>
+            </a:r>
+            <a:endParaRPr lang="en-US" sz="900" dirty="0">
+              <a:solidFill>
+                <a:schemeClr val="tx1"/>
+              </a:solidFill>
+            </a:endParaRPr>
+          </a:p>
+        </p:txBody>
+      </p:sp>
+      <p:sp>
+        <p:nvSpPr>
+          <p:cNvPr id="69" name="Smiley Face 68">
+            <a:extLst>
+              <a:ext uri="{FF2B5EF4-FFF2-40B4-BE49-F238E27FC236}">
+                <a16:creationId xmlns:a16="http://schemas.microsoft.com/office/drawing/2014/main" id="{B20AF8FA-C8CF-4608-CA21-469D213D23D3}"/>
+              </a:ext>
+            </a:extLst>
+          </p:cNvPr>
+          <p:cNvSpPr/>
+          <p:nvPr/>
+        </p:nvSpPr>
+        <p:spPr>
+          <a:xfrm>
+            <a:off x="7102468" y="6474309"/>
+            <a:ext cx="174147" cy="170870"/>
+          </a:xfrm>
+          <a:prstGeom prst="smileyFace">
+            <a:avLst/>
+          </a:prstGeom>
+        </p:spPr>
+        <p:style>
+          <a:lnRef idx="2">
+            <a:schemeClr val="accent1">
+              <a:shade val="15000"/>
+            </a:schemeClr>
+          </a:lnRef>
+          <a:fillRef idx="1">
+            <a:schemeClr val="accent1"/>
+          </a:fillRef>
+          <a:effectRef idx="0">
+            <a:schemeClr val="accent1"/>
+          </a:effectRef>
+          <a:fontRef idx="minor">
+            <a:schemeClr val="lt1"/>
+          </a:fontRef>
+        </p:style>
+        <p:txBody>
+          <a:bodyPr rtlCol="0" anchor="ctr"/>
+          <a:lstStyle/>
+          <a:p>
+            <a:pPr algn="ctr"/>
+            <a:endParaRPr lang="en-US" dirty="0"/>
+          </a:p>
+        </p:txBody>
+      </p:sp>
+      <p:sp>
+        <p:nvSpPr>
+          <p:cNvPr id="71" name="Rectangle 70">
+            <a:extLst>
+              <a:ext uri="{FF2B5EF4-FFF2-40B4-BE49-F238E27FC236}">
+                <a16:creationId xmlns:a16="http://schemas.microsoft.com/office/drawing/2014/main" id="{18823EA2-D94E-49A1-CB32-E47701A28721}"/>
+              </a:ext>
+            </a:extLst>
+          </p:cNvPr>
+          <p:cNvSpPr/>
+          <p:nvPr/>
+        </p:nvSpPr>
+        <p:spPr>
+          <a:xfrm>
+            <a:off x="6646618" y="5183896"/>
+            <a:ext cx="1085850" cy="811556"/>
           </a:xfrm>
           <a:prstGeom prst="rect">
             <a:avLst/>
@@ -5028,39 +6182,24 @@
           </a:fontRef>
         </p:style>
         <p:txBody>
-          <a:bodyPr rtlCol="0" anchor="ctr"/>
+          <a:bodyPr rtlCol="0" anchor="t" anchorCtr="0"/>
           <a:lstStyle/>
           <a:p>
             <a:pPr algn="ctr"/>
             <a:r>
-              <a:rPr lang="en-US" sz="1200" dirty="0" err="1"/>
-              <a:t>AngbandOS.Core.Interface.IConsole</a:t>
-            </a:r>
-            <a:endParaRPr lang="en-US" sz="1200" dirty="0"/>
-          </a:p>
-          <a:p>
-            <a:pPr algn="ctr"/>
-            <a:r>
-              <a:rPr lang="en-US" sz="700" dirty="0"/>
-              <a:t>This is the interface that needs to be implemented by clients (e.g. </a:t>
-            </a:r>
-            <a:r>
-              <a:rPr lang="en-US" sz="700" dirty="0" err="1"/>
-              <a:t>AngbandOS.Web</a:t>
-            </a:r>
-            <a:r>
-              <a:rPr lang="en-US" sz="700" dirty="0"/>
-              <a:t>) to participate in with the game “core”.</a:t>
-            </a:r>
-          </a:p>
-        </p:txBody>
-      </p:sp>
-      <p:sp>
-        <p:nvSpPr>
-          <p:cNvPr id="30" name="Rectangle 29">
-            <a:extLst>
-              <a:ext uri="{FF2B5EF4-FFF2-40B4-BE49-F238E27FC236}">
-                <a16:creationId xmlns:a16="http://schemas.microsoft.com/office/drawing/2014/main" id="{A7035500-5107-341F-10AD-6490E25B3775}"/>
+              <a:rPr lang="en-US" sz="900" dirty="0" err="1"/>
+              <a:t>HTMLConsole</a:t>
+            </a:r>
+            <a:endParaRPr lang="en-US" sz="900" dirty="0"/>
+          </a:p>
+        </p:txBody>
+      </p:sp>
+      <p:sp>
+        <p:nvSpPr>
+          <p:cNvPr id="72" name="Rectangle 71">
+            <a:extLst>
+              <a:ext uri="{FF2B5EF4-FFF2-40B4-BE49-F238E27FC236}">
+                <a16:creationId xmlns:a16="http://schemas.microsoft.com/office/drawing/2014/main" id="{BFCEB748-D7CA-EDE0-8695-A58F2D7E32B6}"/>
               </a:ext>
             </a:extLst>
           </p:cNvPr>
@@ -5069,8 +6208,8 @@
         </p:nvSpPr>
         <p:spPr>
           <a:xfrm>
-            <a:off x="6365727" y="2676791"/>
-            <a:ext cx="4139912" cy="390439"/>
+            <a:off x="6782032" y="5472294"/>
+            <a:ext cx="868925" cy="315589"/>
           </a:xfrm>
           <a:prstGeom prst="rect">
             <a:avLst/>
@@ -5098,69 +6237,39 @@
           <a:p>
             <a:pPr algn="ctr"/>
             <a:r>
-              <a:rPr lang="en-US" sz="1200" dirty="0" err="1"/>
-              <a:t>AngbandOS.Web.SignalRConsole</a:t>
-            </a:r>
-            <a:endParaRPr lang="en-US" sz="1200" dirty="0"/>
-          </a:p>
-          <a:p>
-            <a:pPr algn="ctr"/>
-            <a:r>
-              <a:rPr lang="en-US" sz="700" dirty="0"/>
-              <a:t>This is an object that the </a:t>
-            </a:r>
-            <a:r>
-              <a:rPr lang="en-US" sz="700" dirty="0" err="1"/>
-              <a:t>GameService</a:t>
-            </a:r>
-            <a:r>
-              <a:rPr lang="en-US" sz="700" dirty="0"/>
-              <a:t> creates to run in the background to relay </a:t>
-            </a:r>
-            <a:r>
-              <a:rPr lang="en-US" sz="700" dirty="0" err="1"/>
-              <a:t>IConsole</a:t>
-            </a:r>
-            <a:r>
-              <a:rPr lang="en-US" sz="700" dirty="0"/>
-              <a:t> interface commands from the game “core” to the </a:t>
-            </a:r>
-            <a:r>
-              <a:rPr lang="en-US" sz="700" dirty="0" err="1"/>
-              <a:t>GameHub</a:t>
-            </a:r>
-            <a:r>
-              <a:rPr lang="en-US" sz="700" dirty="0"/>
-              <a:t>.</a:t>
-            </a:r>
+              <a:rPr lang="en-US" sz="900" dirty="0" err="1"/>
+              <a:t>HTMLCanvas</a:t>
+            </a:r>
+            <a:endParaRPr lang="en-US" sz="900" dirty="0"/>
           </a:p>
         </p:txBody>
       </p:sp>
       <p:cxnSp>
         <p:nvCxnSpPr>
-          <p:cNvPr id="31" name="Straight Arrow Connector 30">
-            <a:extLst>
-              <a:ext uri="{FF2B5EF4-FFF2-40B4-BE49-F238E27FC236}">
-                <a16:creationId xmlns:a16="http://schemas.microsoft.com/office/drawing/2014/main" id="{7144A539-0F02-682B-3969-1B2EF727490F}"/>
+          <p:cNvPr id="78" name="Straight Arrow Connector 77">
+            <a:extLst>
+              <a:ext uri="{FF2B5EF4-FFF2-40B4-BE49-F238E27FC236}">
+                <a16:creationId xmlns:a16="http://schemas.microsoft.com/office/drawing/2014/main" id="{55F1C0D3-DA42-B958-CA4B-7ED3FE602CF0}"/>
               </a:ext>
             </a:extLst>
           </p:cNvPr>
           <p:cNvCxnSpPr>
             <a:cxnSpLocks/>
-            <a:stCxn id="28" idx="2"/>
-            <a:endCxn id="29" idx="0"/>
+            <a:stCxn id="112" idx="2"/>
+            <a:endCxn id="63" idx="0"/>
           </p:cNvCxnSpPr>
           <p:nvPr/>
         </p:nvCxnSpPr>
         <p:spPr>
           <a:xfrm flipH="1">
-            <a:off x="8435685" y="1790978"/>
-            <a:ext cx="1" cy="247687"/>
+            <a:off x="5882315" y="2668754"/>
+            <a:ext cx="4479" cy="2457433"/>
           </a:xfrm>
           <a:prstGeom prst="straightConnector1">
             <a:avLst/>
           </a:prstGeom>
           <a:ln>
+            <a:headEnd type="triangle"/>
             <a:tailEnd type="triangle"/>
           </a:ln>
         </p:spPr>
@@ -5181,29 +6290,29 @@
       </p:cxnSp>
       <p:cxnSp>
         <p:nvCxnSpPr>
-          <p:cNvPr id="32" name="Straight Arrow Connector 31">
-            <a:extLst>
-              <a:ext uri="{FF2B5EF4-FFF2-40B4-BE49-F238E27FC236}">
-                <a16:creationId xmlns:a16="http://schemas.microsoft.com/office/drawing/2014/main" id="{C8D79935-A19D-1EE1-6472-C6B93366D254}"/>
+          <p:cNvPr id="81" name="Straight Arrow Connector 80">
+            <a:extLst>
+              <a:ext uri="{FF2B5EF4-FFF2-40B4-BE49-F238E27FC236}">
+                <a16:creationId xmlns:a16="http://schemas.microsoft.com/office/drawing/2014/main" id="{0D4A64FE-7B21-DA97-F9C9-FD34B963184E}"/>
               </a:ext>
             </a:extLst>
           </p:cNvPr>
           <p:cNvCxnSpPr>
             <a:cxnSpLocks/>
-            <a:stCxn id="29" idx="2"/>
-            <a:endCxn id="30" idx="0"/>
+            <a:endCxn id="68" idx="0"/>
           </p:cNvCxnSpPr>
           <p:nvPr/>
         </p:nvCxnSpPr>
         <p:spPr>
           <a:xfrm flipH="1">
-            <a:off x="8435683" y="2429104"/>
-            <a:ext cx="2" cy="247687"/>
+            <a:off x="7216496" y="3211595"/>
+            <a:ext cx="9936" cy="1914592"/>
           </a:xfrm>
           <a:prstGeom prst="straightConnector1">
             <a:avLst/>
           </a:prstGeom>
           <a:ln>
+            <a:headEnd type="triangle"/>
             <a:tailEnd type="triangle"/>
           </a:ln>
         </p:spPr>
@@ -5224,27 +6333,1449 @@
       </p:cxnSp>
       <p:cxnSp>
         <p:nvCxnSpPr>
-          <p:cNvPr id="35" name="Straight Arrow Connector 34">
-            <a:extLst>
-              <a:ext uri="{FF2B5EF4-FFF2-40B4-BE49-F238E27FC236}">
-                <a16:creationId xmlns:a16="http://schemas.microsoft.com/office/drawing/2014/main" id="{C126DB57-E201-CEE9-0A7C-4EDF448659B9}"/>
+          <p:cNvPr id="85" name="Straight Arrow Connector 84">
+            <a:extLst>
+              <a:ext uri="{FF2B5EF4-FFF2-40B4-BE49-F238E27FC236}">
+                <a16:creationId xmlns:a16="http://schemas.microsoft.com/office/drawing/2014/main" id="{0DD47A6C-E6DB-FA08-81A3-4636FBB2B71B}"/>
               </a:ext>
             </a:extLst>
           </p:cNvPr>
           <p:cNvCxnSpPr>
-            <a:stCxn id="30" idx="2"/>
+            <a:cxnSpLocks/>
+            <a:stCxn id="115" idx="2"/>
+            <a:endCxn id="28" idx="0"/>
           </p:cNvCxnSpPr>
           <p:nvPr/>
         </p:nvCxnSpPr>
         <p:spPr>
           <a:xfrm flipH="1">
-            <a:off x="5971922" y="3067230"/>
-            <a:ext cx="2463761" cy="242171"/>
+            <a:off x="9077734" y="2678681"/>
+            <a:ext cx="7987" cy="2432052"/>
           </a:xfrm>
           <a:prstGeom prst="straightConnector1">
             <a:avLst/>
           </a:prstGeom>
           <a:ln>
+            <a:headEnd type="triangle"/>
+            <a:tailEnd type="triangle"/>
+          </a:ln>
+        </p:spPr>
+        <p:style>
+          <a:lnRef idx="1">
+            <a:schemeClr val="accent1"/>
+          </a:lnRef>
+          <a:fillRef idx="0">
+            <a:schemeClr val="accent1"/>
+          </a:fillRef>
+          <a:effectRef idx="0">
+            <a:schemeClr val="accent1"/>
+          </a:effectRef>
+          <a:fontRef idx="minor">
+            <a:schemeClr val="tx1"/>
+          </a:fontRef>
+        </p:style>
+      </p:cxnSp>
+      <p:cxnSp>
+        <p:nvCxnSpPr>
+          <p:cNvPr id="89" name="Straight Arrow Connector 88">
+            <a:extLst>
+              <a:ext uri="{FF2B5EF4-FFF2-40B4-BE49-F238E27FC236}">
+                <a16:creationId xmlns:a16="http://schemas.microsoft.com/office/drawing/2014/main" id="{AEDA0868-9EAF-C028-FBBB-06EF634BFE75}"/>
+              </a:ext>
+            </a:extLst>
+          </p:cNvPr>
+          <p:cNvCxnSpPr>
+            <a:cxnSpLocks/>
+            <a:stCxn id="114" idx="2"/>
+            <a:endCxn id="27" idx="0"/>
+          </p:cNvCxnSpPr>
+          <p:nvPr/>
+        </p:nvCxnSpPr>
+        <p:spPr>
+          <a:xfrm flipH="1">
+            <a:off x="10380509" y="2687720"/>
+            <a:ext cx="14414" cy="2415481"/>
+          </a:xfrm>
+          <a:prstGeom prst="straightConnector1">
+            <a:avLst/>
+          </a:prstGeom>
+          <a:ln>
+            <a:headEnd type="triangle"/>
+            <a:tailEnd type="triangle"/>
+          </a:ln>
+        </p:spPr>
+        <p:style>
+          <a:lnRef idx="1">
+            <a:schemeClr val="accent1"/>
+          </a:lnRef>
+          <a:fillRef idx="0">
+            <a:schemeClr val="accent1"/>
+          </a:fillRef>
+          <a:effectRef idx="0">
+            <a:schemeClr val="accent1"/>
+          </a:effectRef>
+          <a:fontRef idx="minor">
+            <a:schemeClr val="tx1"/>
+          </a:fontRef>
+        </p:style>
+      </p:cxnSp>
+      <p:sp>
+        <p:nvSpPr>
+          <p:cNvPr id="96" name="Rectangle 95">
+            <a:extLst>
+              <a:ext uri="{FF2B5EF4-FFF2-40B4-BE49-F238E27FC236}">
+                <a16:creationId xmlns:a16="http://schemas.microsoft.com/office/drawing/2014/main" id="{DDF0DAD3-C9BC-62BC-1477-9A89664F459F}"/>
+              </a:ext>
+            </a:extLst>
+          </p:cNvPr>
+          <p:cNvSpPr/>
+          <p:nvPr/>
+        </p:nvSpPr>
+        <p:spPr>
+          <a:xfrm>
+            <a:off x="1586902" y="1569376"/>
+            <a:ext cx="9614498" cy="1617050"/>
+          </a:xfrm>
+          <a:prstGeom prst="rect">
+            <a:avLst/>
+          </a:prstGeom>
+          <a:noFill/>
+        </p:spPr>
+        <p:style>
+          <a:lnRef idx="2">
+            <a:schemeClr val="accent1">
+              <a:shade val="15000"/>
+            </a:schemeClr>
+          </a:lnRef>
+          <a:fillRef idx="1">
+            <a:schemeClr val="accent1"/>
+          </a:fillRef>
+          <a:effectRef idx="0">
+            <a:schemeClr val="accent1"/>
+          </a:effectRef>
+          <a:fontRef idx="minor">
+            <a:schemeClr val="lt1"/>
+          </a:fontRef>
+        </p:style>
+        <p:txBody>
+          <a:bodyPr rtlCol="0" anchor="b" anchorCtr="0"/>
+          <a:lstStyle/>
+          <a:p>
+            <a:pPr algn="ctr"/>
+            <a:r>
+              <a:rPr lang="en-US" sz="900" dirty="0" err="1">
+                <a:solidFill>
+                  <a:schemeClr val="tx1"/>
+                </a:solidFill>
+              </a:rPr>
+              <a:t>GameService</a:t>
+            </a:r>
+            <a:endParaRPr lang="en-US" sz="900" dirty="0">
+              <a:solidFill>
+                <a:schemeClr val="tx1"/>
+              </a:solidFill>
+            </a:endParaRPr>
+          </a:p>
+        </p:txBody>
+      </p:sp>
+      <p:grpSp>
+        <p:nvGrpSpPr>
+          <p:cNvPr id="110" name="Group 109">
+            <a:extLst>
+              <a:ext uri="{FF2B5EF4-FFF2-40B4-BE49-F238E27FC236}">
+                <a16:creationId xmlns:a16="http://schemas.microsoft.com/office/drawing/2014/main" id="{27D3CF01-5145-A066-772E-353744E97707}"/>
+              </a:ext>
+            </a:extLst>
+          </p:cNvPr>
+          <p:cNvGrpSpPr/>
+          <p:nvPr/>
+        </p:nvGrpSpPr>
+        <p:grpSpPr>
+          <a:xfrm>
+            <a:off x="2799623" y="2188614"/>
+            <a:ext cx="891473" cy="464521"/>
+            <a:chOff x="1913798" y="2188614"/>
+            <a:chExt cx="891473" cy="464521"/>
+          </a:xfrm>
+        </p:grpSpPr>
+        <p:sp>
+          <p:nvSpPr>
+            <p:cNvPr id="5" name="Rectangle 4">
+              <a:extLst>
+                <a:ext uri="{FF2B5EF4-FFF2-40B4-BE49-F238E27FC236}">
+                  <a16:creationId xmlns:a16="http://schemas.microsoft.com/office/drawing/2014/main" id="{D61FFBA3-EFC0-78E1-B0AE-36A5D9771813}"/>
+                </a:ext>
+              </a:extLst>
+            </p:cNvPr>
+            <p:cNvSpPr/>
+            <p:nvPr/>
+          </p:nvSpPr>
+          <p:spPr>
+            <a:xfrm>
+              <a:off x="1913798" y="2188614"/>
+              <a:ext cx="891473" cy="315589"/>
+            </a:xfrm>
+            <a:prstGeom prst="rect">
+              <a:avLst/>
+            </a:prstGeom>
+          </p:spPr>
+          <p:style>
+            <a:lnRef idx="2">
+              <a:schemeClr val="accent1">
+                <a:shade val="15000"/>
+              </a:schemeClr>
+            </a:lnRef>
+            <a:fillRef idx="1">
+              <a:schemeClr val="accent1"/>
+            </a:fillRef>
+            <a:effectRef idx="0">
+              <a:schemeClr val="accent1"/>
+            </a:effectRef>
+            <a:fontRef idx="minor">
+              <a:schemeClr val="lt1"/>
+            </a:fontRef>
+          </p:style>
+          <p:txBody>
+            <a:bodyPr rtlCol="0" anchor="ctr"/>
+            <a:lstStyle/>
+            <a:p>
+              <a:pPr algn="ctr"/>
+              <a:r>
+                <a:rPr lang="en-US" sz="900" dirty="0" err="1"/>
+                <a:t>GameHub</a:t>
+              </a:r>
+              <a:endParaRPr lang="en-US" sz="900" dirty="0"/>
+            </a:p>
+          </p:txBody>
+        </p:sp>
+        <p:sp>
+          <p:nvSpPr>
+            <p:cNvPr id="100" name="Rectangle 99">
+              <a:extLst>
+                <a:ext uri="{FF2B5EF4-FFF2-40B4-BE49-F238E27FC236}">
+                  <a16:creationId xmlns:a16="http://schemas.microsoft.com/office/drawing/2014/main" id="{28401854-D084-6BC2-8F5C-3AD6E2B9C557}"/>
+                </a:ext>
+              </a:extLst>
+            </p:cNvPr>
+            <p:cNvSpPr/>
+            <p:nvPr/>
+          </p:nvSpPr>
+          <p:spPr>
+            <a:xfrm>
+              <a:off x="2070919" y="2504203"/>
+              <a:ext cx="598810" cy="148932"/>
+            </a:xfrm>
+            <a:prstGeom prst="rect">
+              <a:avLst/>
+            </a:prstGeom>
+          </p:spPr>
+          <p:style>
+            <a:lnRef idx="2">
+              <a:schemeClr val="accent1">
+                <a:shade val="15000"/>
+              </a:schemeClr>
+            </a:lnRef>
+            <a:fillRef idx="1">
+              <a:schemeClr val="accent1"/>
+            </a:fillRef>
+            <a:effectRef idx="0">
+              <a:schemeClr val="accent1"/>
+            </a:effectRef>
+            <a:fontRef idx="minor">
+              <a:schemeClr val="lt1"/>
+            </a:fontRef>
+          </p:style>
+          <p:txBody>
+            <a:bodyPr lIns="0" tIns="0" rIns="0" bIns="0" rtlCol="0" anchor="ctr"/>
+            <a:lstStyle/>
+            <a:p>
+              <a:pPr algn="ctr"/>
+              <a:r>
+                <a:rPr lang="en-US" sz="900" dirty="0"/>
+                <a:t>Play()</a:t>
+              </a:r>
+            </a:p>
+          </p:txBody>
+        </p:sp>
+      </p:grpSp>
+      <p:sp>
+        <p:nvSpPr>
+          <p:cNvPr id="107" name="Rectangle 106">
+            <a:extLst>
+              <a:ext uri="{FF2B5EF4-FFF2-40B4-BE49-F238E27FC236}">
+                <a16:creationId xmlns:a16="http://schemas.microsoft.com/office/drawing/2014/main" id="{637747BF-B409-4058-1492-00B7AE9AF554}"/>
+              </a:ext>
+            </a:extLst>
+          </p:cNvPr>
+          <p:cNvSpPr/>
+          <p:nvPr/>
+        </p:nvSpPr>
+        <p:spPr>
+          <a:xfrm>
+            <a:off x="4924843" y="1792913"/>
+            <a:ext cx="598810" cy="315589"/>
+          </a:xfrm>
+          <a:prstGeom prst="rect">
+            <a:avLst/>
+          </a:prstGeom>
+        </p:spPr>
+        <p:style>
+          <a:lnRef idx="2">
+            <a:schemeClr val="accent1">
+              <a:shade val="15000"/>
+            </a:schemeClr>
+          </a:lnRef>
+          <a:fillRef idx="1">
+            <a:schemeClr val="accent1"/>
+          </a:fillRef>
+          <a:effectRef idx="0">
+            <a:schemeClr val="accent1"/>
+          </a:effectRef>
+          <a:fontRef idx="minor">
+            <a:schemeClr val="lt1"/>
+          </a:fontRef>
+        </p:style>
+        <p:txBody>
+          <a:bodyPr rtlCol="0" anchor="ctr"/>
+          <a:lstStyle/>
+          <a:p>
+            <a:pPr algn="ctr"/>
+            <a:r>
+              <a:rPr lang="en-US" sz="900" dirty="0"/>
+              <a:t>Core</a:t>
+            </a:r>
+          </a:p>
+        </p:txBody>
+      </p:sp>
+      <p:grpSp>
+        <p:nvGrpSpPr>
+          <p:cNvPr id="111" name="Group 110">
+            <a:extLst>
+              <a:ext uri="{FF2B5EF4-FFF2-40B4-BE49-F238E27FC236}">
+                <a16:creationId xmlns:a16="http://schemas.microsoft.com/office/drawing/2014/main" id="{050FEF46-4B72-E5F7-6693-EAB4A434713B}"/>
+              </a:ext>
+            </a:extLst>
+          </p:cNvPr>
+          <p:cNvGrpSpPr/>
+          <p:nvPr/>
+        </p:nvGrpSpPr>
+        <p:grpSpPr>
+          <a:xfrm>
+            <a:off x="4133803" y="2185896"/>
+            <a:ext cx="891473" cy="467239"/>
+            <a:chOff x="3247978" y="2185896"/>
+            <a:chExt cx="891473" cy="467239"/>
+          </a:xfrm>
+        </p:grpSpPr>
+        <p:sp>
+          <p:nvSpPr>
+            <p:cNvPr id="6" name="Rectangle 5">
+              <a:extLst>
+                <a:ext uri="{FF2B5EF4-FFF2-40B4-BE49-F238E27FC236}">
+                  <a16:creationId xmlns:a16="http://schemas.microsoft.com/office/drawing/2014/main" id="{90E3C269-A4EB-9028-F766-37B03AD24CC6}"/>
+                </a:ext>
+              </a:extLst>
+            </p:cNvPr>
+            <p:cNvSpPr/>
+            <p:nvPr/>
+          </p:nvSpPr>
+          <p:spPr>
+            <a:xfrm>
+              <a:off x="3247978" y="2185896"/>
+              <a:ext cx="891473" cy="315589"/>
+            </a:xfrm>
+            <a:prstGeom prst="rect">
+              <a:avLst/>
+            </a:prstGeom>
+          </p:spPr>
+          <p:style>
+            <a:lnRef idx="2">
+              <a:schemeClr val="accent1">
+                <a:shade val="15000"/>
+              </a:schemeClr>
+            </a:lnRef>
+            <a:fillRef idx="1">
+              <a:schemeClr val="accent1"/>
+            </a:fillRef>
+            <a:effectRef idx="0">
+              <a:schemeClr val="accent1"/>
+            </a:effectRef>
+            <a:fontRef idx="minor">
+              <a:schemeClr val="lt1"/>
+            </a:fontRef>
+          </p:style>
+          <p:txBody>
+            <a:bodyPr rtlCol="0" anchor="ctr"/>
+            <a:lstStyle/>
+            <a:p>
+              <a:pPr algn="ctr"/>
+              <a:r>
+                <a:rPr lang="en-US" sz="900" dirty="0" err="1"/>
+                <a:t>SpectatingHub</a:t>
+              </a:r>
+              <a:endParaRPr lang="en-US" sz="900" dirty="0"/>
+            </a:p>
+          </p:txBody>
+        </p:sp>
+        <p:sp>
+          <p:nvSpPr>
+            <p:cNvPr id="108" name="Rectangle 107">
+              <a:extLst>
+                <a:ext uri="{FF2B5EF4-FFF2-40B4-BE49-F238E27FC236}">
+                  <a16:creationId xmlns:a16="http://schemas.microsoft.com/office/drawing/2014/main" id="{FAA18D24-9BDB-4E73-A8A2-498EC392C216}"/>
+                </a:ext>
+              </a:extLst>
+            </p:cNvPr>
+            <p:cNvSpPr/>
+            <p:nvPr/>
+          </p:nvSpPr>
+          <p:spPr>
+            <a:xfrm>
+              <a:off x="3388760" y="2504203"/>
+              <a:ext cx="598810" cy="148932"/>
+            </a:xfrm>
+            <a:prstGeom prst="rect">
+              <a:avLst/>
+            </a:prstGeom>
+          </p:spPr>
+          <p:style>
+            <a:lnRef idx="2">
+              <a:schemeClr val="accent1">
+                <a:shade val="15000"/>
+              </a:schemeClr>
+            </a:lnRef>
+            <a:fillRef idx="1">
+              <a:schemeClr val="accent1"/>
+            </a:fillRef>
+            <a:effectRef idx="0">
+              <a:schemeClr val="accent1"/>
+            </a:effectRef>
+            <a:fontRef idx="minor">
+              <a:schemeClr val="lt1"/>
+            </a:fontRef>
+          </p:style>
+          <p:txBody>
+            <a:bodyPr lIns="0" tIns="0" rIns="0" bIns="0" rtlCol="0" anchor="ctr"/>
+            <a:lstStyle/>
+            <a:p>
+              <a:pPr algn="ctr"/>
+              <a:r>
+                <a:rPr lang="en-US" sz="900" dirty="0"/>
+                <a:t>Watch()</a:t>
+              </a:r>
+            </a:p>
+          </p:txBody>
+        </p:sp>
+      </p:grpSp>
+      <p:grpSp>
+        <p:nvGrpSpPr>
+          <p:cNvPr id="121" name="Group 120">
+            <a:extLst>
+              <a:ext uri="{FF2B5EF4-FFF2-40B4-BE49-F238E27FC236}">
+                <a16:creationId xmlns:a16="http://schemas.microsoft.com/office/drawing/2014/main" id="{DA0A6167-FB4D-A5CD-B94F-408943CD9B80}"/>
+              </a:ext>
+            </a:extLst>
+          </p:cNvPr>
+          <p:cNvGrpSpPr/>
+          <p:nvPr/>
+        </p:nvGrpSpPr>
+        <p:grpSpPr>
+          <a:xfrm>
+            <a:off x="5444591" y="2195086"/>
+            <a:ext cx="891473" cy="473668"/>
+            <a:chOff x="4558766" y="2195086"/>
+            <a:chExt cx="891473" cy="473668"/>
+          </a:xfrm>
+        </p:grpSpPr>
+        <p:sp>
+          <p:nvSpPr>
+            <p:cNvPr id="7" name="Rectangle 6">
+              <a:extLst>
+                <a:ext uri="{FF2B5EF4-FFF2-40B4-BE49-F238E27FC236}">
+                  <a16:creationId xmlns:a16="http://schemas.microsoft.com/office/drawing/2014/main" id="{B8025CDD-CA99-CA9F-A6D2-BA4DF6E90784}"/>
+                </a:ext>
+              </a:extLst>
+            </p:cNvPr>
+            <p:cNvSpPr/>
+            <p:nvPr/>
+          </p:nvSpPr>
+          <p:spPr>
+            <a:xfrm>
+              <a:off x="4558766" y="2195086"/>
+              <a:ext cx="891473" cy="315589"/>
+            </a:xfrm>
+            <a:prstGeom prst="rect">
+              <a:avLst/>
+            </a:prstGeom>
+          </p:spPr>
+          <p:style>
+            <a:lnRef idx="2">
+              <a:schemeClr val="accent1">
+                <a:shade val="15000"/>
+              </a:schemeClr>
+            </a:lnRef>
+            <a:fillRef idx="1">
+              <a:schemeClr val="accent1"/>
+            </a:fillRef>
+            <a:effectRef idx="0">
+              <a:schemeClr val="accent1"/>
+            </a:effectRef>
+            <a:fontRef idx="minor">
+              <a:schemeClr val="lt1"/>
+            </a:fontRef>
+          </p:style>
+          <p:txBody>
+            <a:bodyPr rtlCol="0" anchor="ctr"/>
+            <a:lstStyle/>
+            <a:p>
+              <a:pPr algn="ctr"/>
+              <a:r>
+                <a:rPr lang="en-US" sz="900" dirty="0" err="1"/>
+                <a:t>SpectatingHub</a:t>
+              </a:r>
+              <a:endParaRPr lang="en-US" sz="900" dirty="0"/>
+            </a:p>
+          </p:txBody>
+        </p:sp>
+        <p:sp>
+          <p:nvSpPr>
+            <p:cNvPr id="112" name="Rectangle 111">
+              <a:extLst>
+                <a:ext uri="{FF2B5EF4-FFF2-40B4-BE49-F238E27FC236}">
+                  <a16:creationId xmlns:a16="http://schemas.microsoft.com/office/drawing/2014/main" id="{CF83DDFA-11B7-9CA1-3669-E1EE376B084F}"/>
+                </a:ext>
+              </a:extLst>
+            </p:cNvPr>
+            <p:cNvSpPr/>
+            <p:nvPr/>
+          </p:nvSpPr>
+          <p:spPr>
+            <a:xfrm>
+              <a:off x="4701564" y="2519822"/>
+              <a:ext cx="598810" cy="148932"/>
+            </a:xfrm>
+            <a:prstGeom prst="rect">
+              <a:avLst/>
+            </a:prstGeom>
+          </p:spPr>
+          <p:style>
+            <a:lnRef idx="2">
+              <a:schemeClr val="accent1">
+                <a:shade val="15000"/>
+              </a:schemeClr>
+            </a:lnRef>
+            <a:fillRef idx="1">
+              <a:schemeClr val="accent1"/>
+            </a:fillRef>
+            <a:effectRef idx="0">
+              <a:schemeClr val="accent1"/>
+            </a:effectRef>
+            <a:fontRef idx="minor">
+              <a:schemeClr val="lt1"/>
+            </a:fontRef>
+          </p:style>
+          <p:txBody>
+            <a:bodyPr lIns="0" tIns="0" rIns="0" bIns="0" rtlCol="0" anchor="ctr"/>
+            <a:lstStyle/>
+            <a:p>
+              <a:pPr algn="ctr"/>
+              <a:r>
+                <a:rPr lang="en-US" sz="900" dirty="0"/>
+                <a:t>Watch()</a:t>
+              </a:r>
+            </a:p>
+          </p:txBody>
+        </p:sp>
+      </p:grpSp>
+      <p:grpSp>
+        <p:nvGrpSpPr>
+          <p:cNvPr id="120" name="Group 119">
+            <a:extLst>
+              <a:ext uri="{FF2B5EF4-FFF2-40B4-BE49-F238E27FC236}">
+                <a16:creationId xmlns:a16="http://schemas.microsoft.com/office/drawing/2014/main" id="{2068E68F-3550-D1AE-E8B2-5DD77E506A40}"/>
+              </a:ext>
+            </a:extLst>
+          </p:cNvPr>
+          <p:cNvGrpSpPr/>
+          <p:nvPr/>
+        </p:nvGrpSpPr>
+        <p:grpSpPr>
+          <a:xfrm>
+            <a:off x="6785174" y="2223417"/>
+            <a:ext cx="891473" cy="455424"/>
+            <a:chOff x="5899349" y="2223417"/>
+            <a:chExt cx="891473" cy="455424"/>
+          </a:xfrm>
+        </p:grpSpPr>
+        <p:sp>
+          <p:nvSpPr>
+            <p:cNvPr id="8" name="Rectangle 7">
+              <a:extLst>
+                <a:ext uri="{FF2B5EF4-FFF2-40B4-BE49-F238E27FC236}">
+                  <a16:creationId xmlns:a16="http://schemas.microsoft.com/office/drawing/2014/main" id="{B21BD4A3-7082-C2A2-E27F-17B59641C7CD}"/>
+                </a:ext>
+              </a:extLst>
+            </p:cNvPr>
+            <p:cNvSpPr/>
+            <p:nvPr/>
+          </p:nvSpPr>
+          <p:spPr>
+            <a:xfrm>
+              <a:off x="5899349" y="2223417"/>
+              <a:ext cx="891473" cy="315589"/>
+            </a:xfrm>
+            <a:prstGeom prst="rect">
+              <a:avLst/>
+            </a:prstGeom>
+          </p:spPr>
+          <p:style>
+            <a:lnRef idx="2">
+              <a:schemeClr val="accent1">
+                <a:shade val="15000"/>
+              </a:schemeClr>
+            </a:lnRef>
+            <a:fillRef idx="1">
+              <a:schemeClr val="accent1"/>
+            </a:fillRef>
+            <a:effectRef idx="0">
+              <a:schemeClr val="accent1"/>
+            </a:effectRef>
+            <a:fontRef idx="minor">
+              <a:schemeClr val="lt1"/>
+            </a:fontRef>
+          </p:style>
+          <p:txBody>
+            <a:bodyPr rtlCol="0" anchor="ctr"/>
+            <a:lstStyle/>
+            <a:p>
+              <a:pPr algn="ctr"/>
+              <a:r>
+                <a:rPr lang="en-US" sz="900" dirty="0" err="1"/>
+                <a:t>SpectatingHub</a:t>
+              </a:r>
+              <a:endParaRPr lang="en-US" sz="900" dirty="0"/>
+            </a:p>
+          </p:txBody>
+        </p:sp>
+        <p:sp>
+          <p:nvSpPr>
+            <p:cNvPr id="113" name="Rectangle 112">
+              <a:extLst>
+                <a:ext uri="{FF2B5EF4-FFF2-40B4-BE49-F238E27FC236}">
+                  <a16:creationId xmlns:a16="http://schemas.microsoft.com/office/drawing/2014/main" id="{80996961-7362-8F37-BADF-ACD2958206CB}"/>
+                </a:ext>
+              </a:extLst>
+            </p:cNvPr>
+            <p:cNvSpPr/>
+            <p:nvPr/>
+          </p:nvSpPr>
+          <p:spPr>
+            <a:xfrm>
+              <a:off x="6037479" y="2529909"/>
+              <a:ext cx="598810" cy="148932"/>
+            </a:xfrm>
+            <a:prstGeom prst="rect">
+              <a:avLst/>
+            </a:prstGeom>
+          </p:spPr>
+          <p:style>
+            <a:lnRef idx="2">
+              <a:schemeClr val="accent1">
+                <a:shade val="15000"/>
+              </a:schemeClr>
+            </a:lnRef>
+            <a:fillRef idx="1">
+              <a:schemeClr val="accent1"/>
+            </a:fillRef>
+            <a:effectRef idx="0">
+              <a:schemeClr val="accent1"/>
+            </a:effectRef>
+            <a:fontRef idx="minor">
+              <a:schemeClr val="lt1"/>
+            </a:fontRef>
+          </p:style>
+          <p:txBody>
+            <a:bodyPr lIns="0" tIns="0" rIns="0" bIns="0" rtlCol="0" anchor="ctr"/>
+            <a:lstStyle/>
+            <a:p>
+              <a:pPr algn="ctr"/>
+              <a:r>
+                <a:rPr lang="en-US" sz="900" dirty="0"/>
+                <a:t>Watch()</a:t>
+              </a:r>
+            </a:p>
+          </p:txBody>
+        </p:sp>
+      </p:grpSp>
+      <p:grpSp>
+        <p:nvGrpSpPr>
+          <p:cNvPr id="119" name="Group 118">
+            <a:extLst>
+              <a:ext uri="{FF2B5EF4-FFF2-40B4-BE49-F238E27FC236}">
+                <a16:creationId xmlns:a16="http://schemas.microsoft.com/office/drawing/2014/main" id="{A74B2CFD-085D-33A6-A49B-097F28D096B5}"/>
+              </a:ext>
+            </a:extLst>
+          </p:cNvPr>
+          <p:cNvGrpSpPr/>
+          <p:nvPr/>
+        </p:nvGrpSpPr>
+        <p:grpSpPr>
+          <a:xfrm>
+            <a:off x="9949187" y="2220732"/>
+            <a:ext cx="891473" cy="466988"/>
+            <a:chOff x="9063362" y="2220732"/>
+            <a:chExt cx="891473" cy="466988"/>
+          </a:xfrm>
+        </p:grpSpPr>
+        <p:sp>
+          <p:nvSpPr>
+            <p:cNvPr id="10" name="Rectangle 9">
+              <a:extLst>
+                <a:ext uri="{FF2B5EF4-FFF2-40B4-BE49-F238E27FC236}">
+                  <a16:creationId xmlns:a16="http://schemas.microsoft.com/office/drawing/2014/main" id="{7E3522A7-896A-502F-AF24-DA180FA97253}"/>
+                </a:ext>
+              </a:extLst>
+            </p:cNvPr>
+            <p:cNvSpPr/>
+            <p:nvPr/>
+          </p:nvSpPr>
+          <p:spPr>
+            <a:xfrm>
+              <a:off x="9063362" y="2220732"/>
+              <a:ext cx="891473" cy="315589"/>
+            </a:xfrm>
+            <a:prstGeom prst="rect">
+              <a:avLst/>
+            </a:prstGeom>
+          </p:spPr>
+          <p:style>
+            <a:lnRef idx="2">
+              <a:schemeClr val="accent1">
+                <a:shade val="15000"/>
+              </a:schemeClr>
+            </a:lnRef>
+            <a:fillRef idx="1">
+              <a:schemeClr val="accent1"/>
+            </a:fillRef>
+            <a:effectRef idx="0">
+              <a:schemeClr val="accent1"/>
+            </a:effectRef>
+            <a:fontRef idx="minor">
+              <a:schemeClr val="lt1"/>
+            </a:fontRef>
+          </p:style>
+          <p:txBody>
+            <a:bodyPr rtlCol="0" anchor="ctr"/>
+            <a:lstStyle/>
+            <a:p>
+              <a:pPr algn="ctr"/>
+              <a:r>
+                <a:rPr lang="en-US" sz="900" dirty="0" err="1"/>
+                <a:t>SpectatingHub</a:t>
+              </a:r>
+              <a:endParaRPr lang="en-US" sz="900" dirty="0"/>
+            </a:p>
+          </p:txBody>
+        </p:sp>
+        <p:sp>
+          <p:nvSpPr>
+            <p:cNvPr id="114" name="Rectangle 113">
+              <a:extLst>
+                <a:ext uri="{FF2B5EF4-FFF2-40B4-BE49-F238E27FC236}">
+                  <a16:creationId xmlns:a16="http://schemas.microsoft.com/office/drawing/2014/main" id="{1651B1F6-0777-CC71-B6B4-1BB19C88718C}"/>
+                </a:ext>
+              </a:extLst>
+            </p:cNvPr>
+            <p:cNvSpPr/>
+            <p:nvPr/>
+          </p:nvSpPr>
+          <p:spPr>
+            <a:xfrm>
+              <a:off x="9209693" y="2538788"/>
+              <a:ext cx="598810" cy="148932"/>
+            </a:xfrm>
+            <a:prstGeom prst="rect">
+              <a:avLst/>
+            </a:prstGeom>
+          </p:spPr>
+          <p:style>
+            <a:lnRef idx="2">
+              <a:schemeClr val="accent1">
+                <a:shade val="15000"/>
+              </a:schemeClr>
+            </a:lnRef>
+            <a:fillRef idx="1">
+              <a:schemeClr val="accent1"/>
+            </a:fillRef>
+            <a:effectRef idx="0">
+              <a:schemeClr val="accent1"/>
+            </a:effectRef>
+            <a:fontRef idx="minor">
+              <a:schemeClr val="lt1"/>
+            </a:fontRef>
+          </p:style>
+          <p:txBody>
+            <a:bodyPr lIns="0" tIns="0" rIns="0" bIns="0" rtlCol="0" anchor="ctr"/>
+            <a:lstStyle/>
+            <a:p>
+              <a:pPr algn="ctr"/>
+              <a:r>
+                <a:rPr lang="en-US" sz="900" dirty="0"/>
+                <a:t>Watch()</a:t>
+              </a:r>
+            </a:p>
+          </p:txBody>
+        </p:sp>
+      </p:grpSp>
+      <p:grpSp>
+        <p:nvGrpSpPr>
+          <p:cNvPr id="118" name="Group 117">
+            <a:extLst>
+              <a:ext uri="{FF2B5EF4-FFF2-40B4-BE49-F238E27FC236}">
+                <a16:creationId xmlns:a16="http://schemas.microsoft.com/office/drawing/2014/main" id="{2AD7D829-ED5A-4870-A73D-3DA8D26B075E}"/>
+              </a:ext>
+            </a:extLst>
+          </p:cNvPr>
+          <p:cNvGrpSpPr/>
+          <p:nvPr/>
+        </p:nvGrpSpPr>
+        <p:grpSpPr>
+          <a:xfrm>
+            <a:off x="8672030" y="2215676"/>
+            <a:ext cx="831421" cy="463005"/>
+            <a:chOff x="7786205" y="2215676"/>
+            <a:chExt cx="831421" cy="463005"/>
+          </a:xfrm>
+        </p:grpSpPr>
+        <p:sp>
+          <p:nvSpPr>
+            <p:cNvPr id="9" name="Rectangle 8">
+              <a:extLst>
+                <a:ext uri="{FF2B5EF4-FFF2-40B4-BE49-F238E27FC236}">
+                  <a16:creationId xmlns:a16="http://schemas.microsoft.com/office/drawing/2014/main" id="{EEA9457C-F90B-75F9-275D-8343690194A4}"/>
+                </a:ext>
+              </a:extLst>
+            </p:cNvPr>
+            <p:cNvSpPr/>
+            <p:nvPr/>
+          </p:nvSpPr>
+          <p:spPr>
+            <a:xfrm>
+              <a:off x="7786205" y="2215676"/>
+              <a:ext cx="831421" cy="315589"/>
+            </a:xfrm>
+            <a:prstGeom prst="rect">
+              <a:avLst/>
+            </a:prstGeom>
+          </p:spPr>
+          <p:style>
+            <a:lnRef idx="2">
+              <a:schemeClr val="accent1">
+                <a:shade val="15000"/>
+              </a:schemeClr>
+            </a:lnRef>
+            <a:fillRef idx="1">
+              <a:schemeClr val="accent1"/>
+            </a:fillRef>
+            <a:effectRef idx="0">
+              <a:schemeClr val="accent1"/>
+            </a:effectRef>
+            <a:fontRef idx="minor">
+              <a:schemeClr val="lt1"/>
+            </a:fontRef>
+          </p:style>
+          <p:txBody>
+            <a:bodyPr rtlCol="0" anchor="ctr"/>
+            <a:lstStyle/>
+            <a:p>
+              <a:pPr algn="ctr"/>
+              <a:r>
+                <a:rPr lang="en-US" sz="900" dirty="0" err="1"/>
+                <a:t>GameHub</a:t>
+              </a:r>
+              <a:endParaRPr lang="en-US" sz="900" dirty="0"/>
+            </a:p>
+          </p:txBody>
+        </p:sp>
+        <p:sp>
+          <p:nvSpPr>
+            <p:cNvPr id="115" name="Rectangle 114">
+              <a:extLst>
+                <a:ext uri="{FF2B5EF4-FFF2-40B4-BE49-F238E27FC236}">
+                  <a16:creationId xmlns:a16="http://schemas.microsoft.com/office/drawing/2014/main" id="{548E963D-0F04-748D-F433-6D862324A136}"/>
+                </a:ext>
+              </a:extLst>
+            </p:cNvPr>
+            <p:cNvSpPr/>
+            <p:nvPr/>
+          </p:nvSpPr>
+          <p:spPr>
+            <a:xfrm>
+              <a:off x="7900491" y="2529749"/>
+              <a:ext cx="598810" cy="148932"/>
+            </a:xfrm>
+            <a:prstGeom prst="rect">
+              <a:avLst/>
+            </a:prstGeom>
+          </p:spPr>
+          <p:style>
+            <a:lnRef idx="2">
+              <a:schemeClr val="accent1">
+                <a:shade val="15000"/>
+              </a:schemeClr>
+            </a:lnRef>
+            <a:fillRef idx="1">
+              <a:schemeClr val="accent1"/>
+            </a:fillRef>
+            <a:effectRef idx="0">
+              <a:schemeClr val="accent1"/>
+            </a:effectRef>
+            <a:fontRef idx="minor">
+              <a:schemeClr val="lt1"/>
+            </a:fontRef>
+          </p:style>
+          <p:txBody>
+            <a:bodyPr lIns="0" tIns="0" rIns="0" bIns="0" rtlCol="0" anchor="ctr"/>
+            <a:lstStyle/>
+            <a:p>
+              <a:pPr algn="ctr"/>
+              <a:r>
+                <a:rPr lang="en-US" sz="900" dirty="0"/>
+                <a:t>Play()</a:t>
+              </a:r>
+            </a:p>
+          </p:txBody>
+        </p:sp>
+      </p:grpSp>
+      <p:grpSp>
+        <p:nvGrpSpPr>
+          <p:cNvPr id="23" name="Group 22">
+            <a:extLst>
+              <a:ext uri="{FF2B5EF4-FFF2-40B4-BE49-F238E27FC236}">
+                <a16:creationId xmlns:a16="http://schemas.microsoft.com/office/drawing/2014/main" id="{F42D4670-C32A-E285-09D2-5857048D083F}"/>
+              </a:ext>
+            </a:extLst>
+          </p:cNvPr>
+          <p:cNvGrpSpPr/>
+          <p:nvPr/>
+        </p:nvGrpSpPr>
+        <p:grpSpPr>
+          <a:xfrm>
+            <a:off x="537119" y="3550360"/>
+            <a:ext cx="2109662" cy="482449"/>
+            <a:chOff x="184599" y="3369743"/>
+            <a:chExt cx="2109662" cy="482449"/>
+          </a:xfrm>
+        </p:grpSpPr>
+        <p:sp>
+          <p:nvSpPr>
+            <p:cNvPr id="97" name="Rectangle 96">
+              <a:extLst>
+                <a:ext uri="{FF2B5EF4-FFF2-40B4-BE49-F238E27FC236}">
+                  <a16:creationId xmlns:a16="http://schemas.microsoft.com/office/drawing/2014/main" id="{8A7222CE-7DEF-ADD8-A978-170FC41E370A}"/>
+                </a:ext>
+              </a:extLst>
+            </p:cNvPr>
+            <p:cNvSpPr/>
+            <p:nvPr/>
+          </p:nvSpPr>
+          <p:spPr>
+            <a:xfrm>
+              <a:off x="184599" y="3369743"/>
+              <a:ext cx="2109662" cy="315589"/>
+            </a:xfrm>
+            <a:prstGeom prst="rect">
+              <a:avLst/>
+            </a:prstGeom>
+          </p:spPr>
+          <p:style>
+            <a:lnRef idx="2">
+              <a:schemeClr val="accent1">
+                <a:shade val="15000"/>
+              </a:schemeClr>
+            </a:lnRef>
+            <a:fillRef idx="1">
+              <a:schemeClr val="accent1"/>
+            </a:fillRef>
+            <a:effectRef idx="0">
+              <a:schemeClr val="accent1"/>
+            </a:effectRef>
+            <a:fontRef idx="minor">
+              <a:schemeClr val="lt1"/>
+            </a:fontRef>
+          </p:style>
+          <p:txBody>
+            <a:bodyPr rtlCol="0" anchor="ctr"/>
+            <a:lstStyle/>
+            <a:p>
+              <a:pPr algn="ctr"/>
+              <a:r>
+                <a:rPr lang="en-US" sz="900" dirty="0" err="1"/>
+                <a:t>GameController</a:t>
+              </a:r>
+              <a:endParaRPr lang="en-US" sz="900" dirty="0"/>
+            </a:p>
+          </p:txBody>
+        </p:sp>
+        <p:sp>
+          <p:nvSpPr>
+            <p:cNvPr id="126" name="Rectangle 125">
+              <a:extLst>
+                <a:ext uri="{FF2B5EF4-FFF2-40B4-BE49-F238E27FC236}">
+                  <a16:creationId xmlns:a16="http://schemas.microsoft.com/office/drawing/2014/main" id="{822C75F3-CDD6-2E7F-52D2-759E41477368}"/>
+                </a:ext>
+              </a:extLst>
+            </p:cNvPr>
+            <p:cNvSpPr/>
+            <p:nvPr/>
+          </p:nvSpPr>
+          <p:spPr>
+            <a:xfrm>
+              <a:off x="239390" y="3685332"/>
+              <a:ext cx="866140" cy="148932"/>
+            </a:xfrm>
+            <a:prstGeom prst="rect">
+              <a:avLst/>
+            </a:prstGeom>
+          </p:spPr>
+          <p:style>
+            <a:lnRef idx="2">
+              <a:schemeClr val="accent1">
+                <a:shade val="15000"/>
+              </a:schemeClr>
+            </a:lnRef>
+            <a:fillRef idx="1">
+              <a:schemeClr val="accent1"/>
+            </a:fillRef>
+            <a:effectRef idx="0">
+              <a:schemeClr val="accent1"/>
+            </a:effectRef>
+            <a:fontRef idx="minor">
+              <a:schemeClr val="lt1"/>
+            </a:fontRef>
+          </p:style>
+          <p:txBody>
+            <a:bodyPr lIns="0" tIns="0" rIns="0" bIns="0" rtlCol="0" anchor="ctr"/>
+            <a:lstStyle/>
+            <a:p>
+              <a:pPr algn="ctr"/>
+              <a:r>
+                <a:rPr lang="en-US" sz="900" dirty="0" err="1"/>
+                <a:t>GetActiveGames</a:t>
+              </a:r>
+              <a:r>
+                <a:rPr lang="en-US" sz="900" dirty="0"/>
+                <a:t>()</a:t>
+              </a:r>
+            </a:p>
+          </p:txBody>
+        </p:sp>
+        <p:sp>
+          <p:nvSpPr>
+            <p:cNvPr id="127" name="Rectangle 126">
+              <a:extLst>
+                <a:ext uri="{FF2B5EF4-FFF2-40B4-BE49-F238E27FC236}">
+                  <a16:creationId xmlns:a16="http://schemas.microsoft.com/office/drawing/2014/main" id="{1CE46474-B767-5875-95C8-E9774702852B}"/>
+                </a:ext>
+              </a:extLst>
+            </p:cNvPr>
+            <p:cNvSpPr/>
+            <p:nvPr/>
+          </p:nvSpPr>
+          <p:spPr>
+            <a:xfrm>
+              <a:off x="1251758" y="3689503"/>
+              <a:ext cx="866140" cy="162689"/>
+            </a:xfrm>
+            <a:prstGeom prst="rect">
+              <a:avLst/>
+            </a:prstGeom>
+          </p:spPr>
+          <p:style>
+            <a:lnRef idx="2">
+              <a:schemeClr val="accent1">
+                <a:shade val="15000"/>
+              </a:schemeClr>
+            </a:lnRef>
+            <a:fillRef idx="1">
+              <a:schemeClr val="accent1"/>
+            </a:fillRef>
+            <a:effectRef idx="0">
+              <a:schemeClr val="accent1"/>
+            </a:effectRef>
+            <a:fontRef idx="minor">
+              <a:schemeClr val="lt1"/>
+            </a:fontRef>
+          </p:style>
+          <p:txBody>
+            <a:bodyPr lIns="0" tIns="0" rIns="0" bIns="0" rtlCol="0" anchor="ctr"/>
+            <a:lstStyle/>
+            <a:p>
+              <a:pPr algn="ctr"/>
+              <a:r>
+                <a:rPr lang="en-US" sz="900" dirty="0" err="1"/>
+                <a:t>GetSavedGames</a:t>
+              </a:r>
+              <a:endParaRPr lang="en-US" sz="900" dirty="0"/>
+            </a:p>
+          </p:txBody>
+        </p:sp>
+      </p:grpSp>
+      <p:cxnSp>
+        <p:nvCxnSpPr>
+          <p:cNvPr id="128" name="Straight Arrow Connector 127">
+            <a:extLst>
+              <a:ext uri="{FF2B5EF4-FFF2-40B4-BE49-F238E27FC236}">
+                <a16:creationId xmlns:a16="http://schemas.microsoft.com/office/drawing/2014/main" id="{9B13B2FD-174B-3566-97A1-298007AD1FF9}"/>
+              </a:ext>
+            </a:extLst>
+          </p:cNvPr>
+          <p:cNvCxnSpPr>
+            <a:cxnSpLocks/>
+            <a:endCxn id="97" idx="0"/>
+          </p:cNvCxnSpPr>
+          <p:nvPr/>
+        </p:nvCxnSpPr>
+        <p:spPr>
+          <a:xfrm flipH="1">
+            <a:off x="1591950" y="3182942"/>
+            <a:ext cx="12328" cy="367418"/>
+          </a:xfrm>
+          <a:prstGeom prst="straightConnector1">
+            <a:avLst/>
+          </a:prstGeom>
+          <a:ln>
+            <a:headEnd type="triangle"/>
+            <a:tailEnd type="triangle"/>
+          </a:ln>
+        </p:spPr>
+        <p:style>
+          <a:lnRef idx="1">
+            <a:schemeClr val="accent1"/>
+          </a:lnRef>
+          <a:fillRef idx="0">
+            <a:schemeClr val="accent1"/>
+          </a:fillRef>
+          <a:effectRef idx="0">
+            <a:schemeClr val="accent1"/>
+          </a:effectRef>
+          <a:fontRef idx="minor">
+            <a:schemeClr val="tx1"/>
+          </a:fontRef>
+        </p:style>
+      </p:cxnSp>
+      <p:sp>
+        <p:nvSpPr>
+          <p:cNvPr id="132" name="Rectangle 131">
+            <a:extLst>
+              <a:ext uri="{FF2B5EF4-FFF2-40B4-BE49-F238E27FC236}">
+                <a16:creationId xmlns:a16="http://schemas.microsoft.com/office/drawing/2014/main" id="{DCDCF76C-B39D-FA99-7001-71E9691045D4}"/>
+              </a:ext>
+            </a:extLst>
+          </p:cNvPr>
+          <p:cNvSpPr/>
+          <p:nvPr/>
+        </p:nvSpPr>
+        <p:spPr>
+          <a:xfrm>
+            <a:off x="910668" y="5123818"/>
+            <a:ext cx="1248868" cy="1181612"/>
+          </a:xfrm>
+          <a:prstGeom prst="rect">
+            <a:avLst/>
+          </a:prstGeom>
+          <a:noFill/>
+        </p:spPr>
+        <p:style>
+          <a:lnRef idx="2">
+            <a:schemeClr val="accent1">
+              <a:shade val="15000"/>
+            </a:schemeClr>
+          </a:lnRef>
+          <a:fillRef idx="1">
+            <a:schemeClr val="accent1"/>
+          </a:fillRef>
+          <a:effectRef idx="0">
+            <a:schemeClr val="accent1"/>
+          </a:effectRef>
+          <a:fontRef idx="minor">
+            <a:schemeClr val="lt1"/>
+          </a:fontRef>
+        </p:style>
+        <p:txBody>
+          <a:bodyPr rtlCol="0" anchor="b" anchorCtr="0"/>
+          <a:lstStyle/>
+          <a:p>
+            <a:pPr algn="ctr"/>
+            <a:r>
+              <a:rPr lang="en-US" sz="900" dirty="0" err="1">
+                <a:solidFill>
+                  <a:schemeClr val="tx1"/>
+                </a:solidFill>
+              </a:rPr>
+              <a:t>Home.ts</a:t>
+            </a:r>
+            <a:endParaRPr lang="en-US" sz="900" dirty="0">
+              <a:solidFill>
+                <a:schemeClr val="tx1"/>
+              </a:solidFill>
+            </a:endParaRPr>
+          </a:p>
+        </p:txBody>
+      </p:sp>
+      <p:sp>
+        <p:nvSpPr>
+          <p:cNvPr id="133" name="Smiley Face 132">
+            <a:extLst>
+              <a:ext uri="{FF2B5EF4-FFF2-40B4-BE49-F238E27FC236}">
+                <a16:creationId xmlns:a16="http://schemas.microsoft.com/office/drawing/2014/main" id="{70366F74-C307-BC43-4163-AC942C257E8D}"/>
+              </a:ext>
+            </a:extLst>
+          </p:cNvPr>
+          <p:cNvSpPr/>
+          <p:nvPr/>
+        </p:nvSpPr>
+        <p:spPr>
+          <a:xfrm>
+            <a:off x="1145767" y="6492874"/>
+            <a:ext cx="174147" cy="170870"/>
+          </a:xfrm>
+          <a:prstGeom prst="smileyFace">
+            <a:avLst/>
+          </a:prstGeom>
+        </p:spPr>
+        <p:style>
+          <a:lnRef idx="2">
+            <a:schemeClr val="accent1">
+              <a:shade val="15000"/>
+            </a:schemeClr>
+          </a:lnRef>
+          <a:fillRef idx="1">
+            <a:schemeClr val="accent1"/>
+          </a:fillRef>
+          <a:effectRef idx="0">
+            <a:schemeClr val="accent1"/>
+          </a:effectRef>
+          <a:fontRef idx="minor">
+            <a:schemeClr val="lt1"/>
+          </a:fontRef>
+        </p:style>
+        <p:txBody>
+          <a:bodyPr rtlCol="0" anchor="ctr"/>
+          <a:lstStyle/>
+          <a:p>
+            <a:pPr algn="ctr"/>
+            <a:endParaRPr lang="en-US" dirty="0"/>
+          </a:p>
+        </p:txBody>
+      </p:sp>
+      <p:sp>
+        <p:nvSpPr>
+          <p:cNvPr id="4" name="Cylinder 3">
+            <a:extLst>
+              <a:ext uri="{FF2B5EF4-FFF2-40B4-BE49-F238E27FC236}">
+                <a16:creationId xmlns:a16="http://schemas.microsoft.com/office/drawing/2014/main" id="{B1FDDA03-5101-307E-8528-921FCC7BA748}"/>
+              </a:ext>
+            </a:extLst>
+          </p:cNvPr>
+          <p:cNvSpPr/>
+          <p:nvPr/>
+        </p:nvSpPr>
+        <p:spPr>
+          <a:xfrm>
+            <a:off x="224904" y="1632600"/>
+            <a:ext cx="1165540" cy="636213"/>
+          </a:xfrm>
+          <a:prstGeom prst="can">
+            <a:avLst/>
+          </a:prstGeom>
+        </p:spPr>
+        <p:style>
+          <a:lnRef idx="2">
+            <a:schemeClr val="accent1">
+              <a:shade val="15000"/>
+            </a:schemeClr>
+          </a:lnRef>
+          <a:fillRef idx="1">
+            <a:schemeClr val="accent1"/>
+          </a:fillRef>
+          <a:effectRef idx="0">
+            <a:schemeClr val="accent1"/>
+          </a:effectRef>
+          <a:fontRef idx="minor">
+            <a:schemeClr val="lt1"/>
+          </a:fontRef>
+        </p:style>
+        <p:txBody>
+          <a:bodyPr rtlCol="0" anchor="ctr"/>
+          <a:lstStyle/>
+          <a:p>
+            <a:pPr algn="ctr"/>
+            <a:r>
+              <a:rPr lang="en-US" sz="1000" dirty="0"/>
+              <a:t>Database</a:t>
+            </a:r>
+          </a:p>
+        </p:txBody>
+      </p:sp>
+      <p:cxnSp>
+        <p:nvCxnSpPr>
+          <p:cNvPr id="16" name="Straight Arrow Connector 15">
+            <a:extLst>
+              <a:ext uri="{FF2B5EF4-FFF2-40B4-BE49-F238E27FC236}">
+                <a16:creationId xmlns:a16="http://schemas.microsoft.com/office/drawing/2014/main" id="{344F192A-C984-3BF1-2586-0E560D4CC3CE}"/>
+              </a:ext>
+            </a:extLst>
+          </p:cNvPr>
+          <p:cNvCxnSpPr>
+            <a:cxnSpLocks/>
+            <a:stCxn id="107" idx="1"/>
+            <a:endCxn id="4" idx="4"/>
+          </p:cNvCxnSpPr>
+          <p:nvPr/>
+        </p:nvCxnSpPr>
+        <p:spPr>
+          <a:xfrm flipH="1" flipV="1">
+            <a:off x="1390444" y="1950707"/>
+            <a:ext cx="3534399" cy="1"/>
+          </a:xfrm>
+          <a:prstGeom prst="straightConnector1">
+            <a:avLst/>
+          </a:prstGeom>
+          <a:ln>
+            <a:headEnd type="triangle"/>
+            <a:tailEnd type="triangle"/>
+          </a:ln>
+        </p:spPr>
+        <p:style>
+          <a:lnRef idx="1">
+            <a:schemeClr val="accent1"/>
+          </a:lnRef>
+          <a:fillRef idx="0">
+            <a:schemeClr val="accent1"/>
+          </a:fillRef>
+          <a:effectRef idx="0">
+            <a:schemeClr val="accent1"/>
+          </a:effectRef>
+          <a:fontRef idx="minor">
+            <a:schemeClr val="tx1"/>
+          </a:fontRef>
+        </p:style>
+      </p:cxnSp>
+      <p:cxnSp>
+        <p:nvCxnSpPr>
+          <p:cNvPr id="26" name="Straight Arrow Connector 25">
+            <a:extLst>
+              <a:ext uri="{FF2B5EF4-FFF2-40B4-BE49-F238E27FC236}">
+                <a16:creationId xmlns:a16="http://schemas.microsoft.com/office/drawing/2014/main" id="{8D67C7F7-0FF5-9E4C-5406-34255C483BE9}"/>
+              </a:ext>
+            </a:extLst>
+          </p:cNvPr>
+          <p:cNvCxnSpPr>
+            <a:cxnSpLocks/>
+            <a:stCxn id="127" idx="2"/>
+            <a:endCxn id="132" idx="0"/>
+          </p:cNvCxnSpPr>
+          <p:nvPr/>
+        </p:nvCxnSpPr>
+        <p:spPr>
+          <a:xfrm flipH="1">
+            <a:off x="1535102" y="4032809"/>
+            <a:ext cx="502246" cy="1091009"/>
+          </a:xfrm>
+          <a:prstGeom prst="straightConnector1">
+            <a:avLst/>
+          </a:prstGeom>
+          <a:ln>
+            <a:headEnd type="triangle"/>
+            <a:tailEnd type="triangle"/>
+          </a:ln>
+        </p:spPr>
+        <p:style>
+          <a:lnRef idx="1">
+            <a:schemeClr val="accent1"/>
+          </a:lnRef>
+          <a:fillRef idx="0">
+            <a:schemeClr val="accent1"/>
+          </a:fillRef>
+          <a:effectRef idx="0">
+            <a:schemeClr val="accent1"/>
+          </a:effectRef>
+          <a:fontRef idx="minor">
+            <a:schemeClr val="tx1"/>
+          </a:fontRef>
+        </p:style>
+      </p:cxnSp>
+      <p:cxnSp>
+        <p:nvCxnSpPr>
+          <p:cNvPr id="31" name="Straight Arrow Connector 30">
+            <a:extLst>
+              <a:ext uri="{FF2B5EF4-FFF2-40B4-BE49-F238E27FC236}">
+                <a16:creationId xmlns:a16="http://schemas.microsoft.com/office/drawing/2014/main" id="{3843DCE6-A7A0-B627-6ABE-F27D56AA8A4E}"/>
+              </a:ext>
+            </a:extLst>
+          </p:cNvPr>
+          <p:cNvCxnSpPr>
+            <a:cxnSpLocks/>
+            <a:stCxn id="126" idx="2"/>
+            <a:endCxn id="132" idx="0"/>
+          </p:cNvCxnSpPr>
+          <p:nvPr/>
+        </p:nvCxnSpPr>
+        <p:spPr>
+          <a:xfrm>
+            <a:off x="1024980" y="4014881"/>
+            <a:ext cx="510122" cy="1108937"/>
+          </a:xfrm>
+          <a:prstGeom prst="straightConnector1">
+            <a:avLst/>
+          </a:prstGeom>
+          <a:ln>
+            <a:headEnd type="triangle"/>
+            <a:tailEnd type="triangle"/>
+          </a:ln>
+        </p:spPr>
+        <p:style>
+          <a:lnRef idx="1">
+            <a:schemeClr val="accent1"/>
+          </a:lnRef>
+          <a:fillRef idx="0">
+            <a:schemeClr val="accent1"/>
+          </a:fillRef>
+          <a:effectRef idx="0">
+            <a:schemeClr val="accent1"/>
+          </a:effectRef>
+          <a:fontRef idx="minor">
+            <a:schemeClr val="tx1"/>
+          </a:fontRef>
+        </p:style>
+      </p:cxnSp>
+      <p:cxnSp>
+        <p:nvCxnSpPr>
+          <p:cNvPr id="36" name="Straight Arrow Connector 35">
+            <a:extLst>
+              <a:ext uri="{FF2B5EF4-FFF2-40B4-BE49-F238E27FC236}">
+                <a16:creationId xmlns:a16="http://schemas.microsoft.com/office/drawing/2014/main" id="{CAA99893-F5DB-C4BD-22C2-9B561A2698AE}"/>
+              </a:ext>
+            </a:extLst>
+          </p:cNvPr>
+          <p:cNvCxnSpPr>
+            <a:cxnSpLocks/>
+            <a:stCxn id="4" idx="3"/>
+            <a:endCxn id="97" idx="0"/>
+          </p:cNvCxnSpPr>
+          <p:nvPr/>
+        </p:nvCxnSpPr>
+        <p:spPr>
+          <a:xfrm>
+            <a:off x="807674" y="2268813"/>
+            <a:ext cx="784276" cy="1281547"/>
+          </a:xfrm>
+          <a:prstGeom prst="straightConnector1">
+            <a:avLst/>
+          </a:prstGeom>
+          <a:ln>
+            <a:headEnd type="triangle"/>
             <a:tailEnd type="triangle"/>
           </a:ln>
         </p:spPr>
@@ -5266,7 +7797,7 @@
     </p:spTree>
     <p:extLst>
       <p:ext uri="{BB962C8B-B14F-4D97-AF65-F5344CB8AC3E}">
-        <p14:creationId xmlns:p14="http://schemas.microsoft.com/office/powerpoint/2010/main" val="2233212922"/>
+        <p14:creationId xmlns:p14="http://schemas.microsoft.com/office/powerpoint/2010/main" val="3896090519"/>
       </p:ext>
     </p:extLst>
   </p:cSld>

--- a/Documents/AngbandOS.Web Topology.pptx
+++ b/Documents/AngbandOS.Web Topology.pptx
@@ -7,6 +7,7 @@
   <p:sldIdLst>
     <p:sldId id="256" r:id="rId2"/>
     <p:sldId id="258" r:id="rId3"/>
+    <p:sldId id="259" r:id="rId4"/>
   </p:sldIdLst>
   <p:sldSz cx="12192000" cy="6858000"/>
   <p:notesSz cx="6858000" cy="9144000"/>
@@ -116,7 +117,7 @@
 <file path=ppt/revisionInfo.xml><?xml version="1.0" encoding="utf-8"?>
 <p1510:revInfo xmlns:a="http://schemas.openxmlformats.org/drawingml/2006/main" xmlns:r="http://schemas.openxmlformats.org/officeDocument/2006/relationships" xmlns:p1510="http://schemas.microsoft.com/office/powerpoint/2015/10/main">
   <p1510:revLst>
-    <p1510:client id="{F93D44ED-375D-4FA9-90AA-824A0B780C8F}" v="73" dt="2024-10-08T21:19:22.841"/>
+    <p1510:client id="{F93D44ED-375D-4FA9-90AA-824A0B780C8F}" v="96" dt="2024-10-11T15:04:43.468"/>
   </p1510:revLst>
 </p1510:revInfo>
 </file>
@@ -126,7 +127,7 @@
   <pc:docChgLst>
     <pc:chgData name="Marc Johnston" userId="4bd435294172a9e0" providerId="LiveId" clId="{F93D44ED-375D-4FA9-90AA-824A0B780C8F}"/>
     <pc:docChg chg="undo custSel addSld delSld modSld">
-      <pc:chgData name="Marc Johnston" userId="4bd435294172a9e0" providerId="LiveId" clId="{F93D44ED-375D-4FA9-90AA-824A0B780C8F}" dt="2024-10-08T21:28:12.017" v="1759" actId="14100"/>
+      <pc:chgData name="Marc Johnston" userId="4bd435294172a9e0" providerId="LiveId" clId="{F93D44ED-375D-4FA9-90AA-824A0B780C8F}" dt="2024-10-11T15:05:45.724" v="2387" actId="20577"/>
       <pc:docMkLst>
         <pc:docMk/>
       </pc:docMkLst>
@@ -410,7 +411,7 @@
         </pc:cxnChg>
       </pc:sldChg>
       <pc:sldChg chg="addSp delSp modSp new mod">
-        <pc:chgData name="Marc Johnston" userId="4bd435294172a9e0" providerId="LiveId" clId="{F93D44ED-375D-4FA9-90AA-824A0B780C8F}" dt="2024-10-08T21:28:12.017" v="1759" actId="14100"/>
+        <pc:chgData name="Marc Johnston" userId="4bd435294172a9e0" providerId="LiveId" clId="{F93D44ED-375D-4FA9-90AA-824A0B780C8F}" dt="2024-10-11T14:50:52.157" v="1792" actId="21"/>
         <pc:sldMkLst>
           <pc:docMk/>
           <pc:sldMk cId="3896090519" sldId="258"/>
@@ -791,8 +792,8 @@
             <ac:spMk id="58" creationId="{38C7558C-8069-6938-3B1C-7B2700714817}"/>
           </ac:spMkLst>
         </pc:spChg>
-        <pc:spChg chg="mod topLvl">
-          <ac:chgData name="Marc Johnston" userId="4bd435294172a9e0" providerId="LiveId" clId="{F93D44ED-375D-4FA9-90AA-824A0B780C8F}" dt="2024-10-08T21:13:52.593" v="1653" actId="1038"/>
+        <pc:spChg chg="add del mod topLvl">
+          <ac:chgData name="Marc Johnston" userId="4bd435294172a9e0" providerId="LiveId" clId="{F93D44ED-375D-4FA9-90AA-824A0B780C8F}" dt="2024-10-11T14:50:52.157" v="1792" actId="21"/>
           <ac:spMkLst>
             <pc:docMk/>
             <pc:sldMk cId="3896090519" sldId="258"/>
@@ -1213,6 +1214,229 @@
             <pc:docMk/>
             <pc:sldMk cId="3896090519" sldId="258"/>
             <ac:cxnSpMk id="128" creationId="{9B13B2FD-174B-3566-97A1-298007AD1FF9}"/>
+          </ac:cxnSpMkLst>
+        </pc:cxnChg>
+      </pc:sldChg>
+      <pc:sldChg chg="addSp delSp modSp new mod">
+        <pc:chgData name="Marc Johnston" userId="4bd435294172a9e0" providerId="LiveId" clId="{F93D44ED-375D-4FA9-90AA-824A0B780C8F}" dt="2024-10-11T15:05:45.724" v="2387" actId="20577"/>
+        <pc:sldMkLst>
+          <pc:docMk/>
+          <pc:sldMk cId="724311830" sldId="259"/>
+        </pc:sldMkLst>
+        <pc:spChg chg="mod">
+          <ac:chgData name="Marc Johnston" userId="4bd435294172a9e0" providerId="LiveId" clId="{F93D44ED-375D-4FA9-90AA-824A0B780C8F}" dt="2024-10-11T15:05:45.724" v="2387" actId="20577"/>
+          <ac:spMkLst>
+            <pc:docMk/>
+            <pc:sldMk cId="724311830" sldId="259"/>
+            <ac:spMk id="2" creationId="{A05D08D7-ED52-D258-28EB-5E7B10684133}"/>
+          </ac:spMkLst>
+        </pc:spChg>
+        <pc:spChg chg="add mod">
+          <ac:chgData name="Marc Johnston" userId="4bd435294172a9e0" providerId="LiveId" clId="{F93D44ED-375D-4FA9-90AA-824A0B780C8F}" dt="2024-10-11T15:05:30.965" v="2375" actId="1076"/>
+          <ac:spMkLst>
+            <pc:docMk/>
+            <pc:sldMk cId="724311830" sldId="259"/>
+            <ac:spMk id="3" creationId="{A5FE8195-4316-B378-0D49-1F3AD65F3AE1}"/>
+          </ac:spMkLst>
+        </pc:spChg>
+        <pc:spChg chg="add mod">
+          <ac:chgData name="Marc Johnston" userId="4bd435294172a9e0" providerId="LiveId" clId="{F93D44ED-375D-4FA9-90AA-824A0B780C8F}" dt="2024-10-11T15:05:30.965" v="2375" actId="1076"/>
+          <ac:spMkLst>
+            <pc:docMk/>
+            <pc:sldMk cId="724311830" sldId="259"/>
+            <ac:spMk id="4" creationId="{5895AB41-3B1C-BD8F-A481-A5ED4D002BC2}"/>
+          </ac:spMkLst>
+        </pc:spChg>
+        <pc:spChg chg="add del mod">
+          <ac:chgData name="Marc Johnston" userId="4bd435294172a9e0" providerId="LiveId" clId="{F93D44ED-375D-4FA9-90AA-824A0B780C8F}" dt="2024-10-11T14:51:11.405" v="1796" actId="478"/>
+          <ac:spMkLst>
+            <pc:docMk/>
+            <pc:sldMk cId="724311830" sldId="259"/>
+            <ac:spMk id="5" creationId="{DEEADDEA-74DC-3C61-760B-84FC72893BD5}"/>
+          </ac:spMkLst>
+        </pc:spChg>
+        <pc:spChg chg="add mod">
+          <ac:chgData name="Marc Johnston" userId="4bd435294172a9e0" providerId="LiveId" clId="{F93D44ED-375D-4FA9-90AA-824A0B780C8F}" dt="2024-10-11T15:05:30.965" v="2375" actId="1076"/>
+          <ac:spMkLst>
+            <pc:docMk/>
+            <pc:sldMk cId="724311830" sldId="259"/>
+            <ac:spMk id="6" creationId="{C172A6F9-8855-1645-9903-61A2569960EC}"/>
+          </ac:spMkLst>
+        </pc:spChg>
+        <pc:spChg chg="add mod">
+          <ac:chgData name="Marc Johnston" userId="4bd435294172a9e0" providerId="LiveId" clId="{F93D44ED-375D-4FA9-90AA-824A0B780C8F}" dt="2024-10-11T15:05:30.965" v="2375" actId="1076"/>
+          <ac:spMkLst>
+            <pc:docMk/>
+            <pc:sldMk cId="724311830" sldId="259"/>
+            <ac:spMk id="7" creationId="{0F136BFE-876A-306D-01EF-A58949E1CCFE}"/>
+          </ac:spMkLst>
+        </pc:spChg>
+        <pc:spChg chg="add mod">
+          <ac:chgData name="Marc Johnston" userId="4bd435294172a9e0" providerId="LiveId" clId="{F93D44ED-375D-4FA9-90AA-824A0B780C8F}" dt="2024-10-11T15:05:30.965" v="2375" actId="1076"/>
+          <ac:spMkLst>
+            <pc:docMk/>
+            <pc:sldMk cId="724311830" sldId="259"/>
+            <ac:spMk id="8" creationId="{CE9D2222-B765-8243-F490-351231E50B29}"/>
+          </ac:spMkLst>
+        </pc:spChg>
+        <pc:spChg chg="add mod">
+          <ac:chgData name="Marc Johnston" userId="4bd435294172a9e0" providerId="LiveId" clId="{F93D44ED-375D-4FA9-90AA-824A0B780C8F}" dt="2024-10-11T15:05:30.965" v="2375" actId="1076"/>
+          <ac:spMkLst>
+            <pc:docMk/>
+            <pc:sldMk cId="724311830" sldId="259"/>
+            <ac:spMk id="9" creationId="{F20F36D2-6A7F-4940-FA54-D9F72BD235FD}"/>
+          </ac:spMkLst>
+        </pc:spChg>
+        <pc:spChg chg="add mod">
+          <ac:chgData name="Marc Johnston" userId="4bd435294172a9e0" providerId="LiveId" clId="{F93D44ED-375D-4FA9-90AA-824A0B780C8F}" dt="2024-10-11T15:05:30.965" v="2375" actId="1076"/>
+          <ac:spMkLst>
+            <pc:docMk/>
+            <pc:sldMk cId="724311830" sldId="259"/>
+            <ac:spMk id="10" creationId="{5681CE96-4C6A-3238-4AAA-63384767AD45}"/>
+          </ac:spMkLst>
+        </pc:spChg>
+        <pc:spChg chg="add mod">
+          <ac:chgData name="Marc Johnston" userId="4bd435294172a9e0" providerId="LiveId" clId="{F93D44ED-375D-4FA9-90AA-824A0B780C8F}" dt="2024-10-11T14:54:50.403" v="1853"/>
+          <ac:spMkLst>
+            <pc:docMk/>
+            <pc:sldMk cId="724311830" sldId="259"/>
+            <ac:spMk id="11" creationId="{EF570FD0-517F-5AA8-7AE4-4AE26CAAAD2B}"/>
+          </ac:spMkLst>
+        </pc:spChg>
+        <pc:spChg chg="mod topLvl">
+          <ac:chgData name="Marc Johnston" userId="4bd435294172a9e0" providerId="LiveId" clId="{F93D44ED-375D-4FA9-90AA-824A0B780C8F}" dt="2024-10-11T15:05:30.965" v="2375" actId="1076"/>
+          <ac:spMkLst>
+            <pc:docMk/>
+            <pc:sldMk cId="724311830" sldId="259"/>
+            <ac:spMk id="13" creationId="{6714259B-86E2-B7F7-E207-FA114F60CB62}"/>
+          </ac:spMkLst>
+        </pc:spChg>
+        <pc:spChg chg="mod topLvl">
+          <ac:chgData name="Marc Johnston" userId="4bd435294172a9e0" providerId="LiveId" clId="{F93D44ED-375D-4FA9-90AA-824A0B780C8F}" dt="2024-10-11T15:05:30.965" v="2375" actId="1076"/>
+          <ac:spMkLst>
+            <pc:docMk/>
+            <pc:sldMk cId="724311830" sldId="259"/>
+            <ac:spMk id="14" creationId="{27A162AF-228C-B392-524F-CED1BA08F738}"/>
+          </ac:spMkLst>
+        </pc:spChg>
+        <pc:spChg chg="add mod">
+          <ac:chgData name="Marc Johnston" userId="4bd435294172a9e0" providerId="LiveId" clId="{F93D44ED-375D-4FA9-90AA-824A0B780C8F}" dt="2024-10-11T15:05:30.965" v="2375" actId="1076"/>
+          <ac:spMkLst>
+            <pc:docMk/>
+            <pc:sldMk cId="724311830" sldId="259"/>
+            <ac:spMk id="17" creationId="{373C7360-A3B5-9A60-924D-D8B14E91066E}"/>
+          </ac:spMkLst>
+        </pc:spChg>
+        <pc:spChg chg="add mod">
+          <ac:chgData name="Marc Johnston" userId="4bd435294172a9e0" providerId="LiveId" clId="{F93D44ED-375D-4FA9-90AA-824A0B780C8F}" dt="2024-10-11T15:05:30.965" v="2375" actId="1076"/>
+          <ac:spMkLst>
+            <pc:docMk/>
+            <pc:sldMk cId="724311830" sldId="259"/>
+            <ac:spMk id="18" creationId="{1208D908-E8AB-BFA4-3327-D95699E02B35}"/>
+          </ac:spMkLst>
+        </pc:spChg>
+        <pc:spChg chg="add mod">
+          <ac:chgData name="Marc Johnston" userId="4bd435294172a9e0" providerId="LiveId" clId="{F93D44ED-375D-4FA9-90AA-824A0B780C8F}" dt="2024-10-11T15:05:30.965" v="2375" actId="1076"/>
+          <ac:spMkLst>
+            <pc:docMk/>
+            <pc:sldMk cId="724311830" sldId="259"/>
+            <ac:spMk id="19" creationId="{9B59292E-6EDA-E378-D6C6-01DC7EB2B3F2}"/>
+          </ac:spMkLst>
+        </pc:spChg>
+        <pc:spChg chg="add mod">
+          <ac:chgData name="Marc Johnston" userId="4bd435294172a9e0" providerId="LiveId" clId="{F93D44ED-375D-4FA9-90AA-824A0B780C8F}" dt="2024-10-11T15:05:30.965" v="2375" actId="1076"/>
+          <ac:spMkLst>
+            <pc:docMk/>
+            <pc:sldMk cId="724311830" sldId="259"/>
+            <ac:spMk id="20" creationId="{B16225C5-80B6-190E-BE05-A17EF04CB78B}"/>
+          </ac:spMkLst>
+        </pc:spChg>
+        <pc:spChg chg="add mod">
+          <ac:chgData name="Marc Johnston" userId="4bd435294172a9e0" providerId="LiveId" clId="{F93D44ED-375D-4FA9-90AA-824A0B780C8F}" dt="2024-10-11T15:05:30.965" v="2375" actId="1076"/>
+          <ac:spMkLst>
+            <pc:docMk/>
+            <pc:sldMk cId="724311830" sldId="259"/>
+            <ac:spMk id="24" creationId="{622DDF5B-C55C-EADD-96BB-896A9244B391}"/>
+          </ac:spMkLst>
+        </pc:spChg>
+        <pc:spChg chg="add mod">
+          <ac:chgData name="Marc Johnston" userId="4bd435294172a9e0" providerId="LiveId" clId="{F93D44ED-375D-4FA9-90AA-824A0B780C8F}" dt="2024-10-11T15:05:30.965" v="2375" actId="1076"/>
+          <ac:spMkLst>
+            <pc:docMk/>
+            <pc:sldMk cId="724311830" sldId="259"/>
+            <ac:spMk id="30" creationId="{C4D62BA6-F6D8-15F6-1110-48E45E1C380F}"/>
+          </ac:spMkLst>
+        </pc:spChg>
+        <pc:spChg chg="add mod">
+          <ac:chgData name="Marc Johnston" userId="4bd435294172a9e0" providerId="LiveId" clId="{F93D44ED-375D-4FA9-90AA-824A0B780C8F}" dt="2024-10-11T15:03:54.113" v="2283"/>
+          <ac:spMkLst>
+            <pc:docMk/>
+            <pc:sldMk cId="724311830" sldId="259"/>
+            <ac:spMk id="31" creationId="{5E63A056-FDBA-73F4-683E-C4C6F7806543}"/>
+          </ac:spMkLst>
+        </pc:spChg>
+        <pc:spChg chg="add mod">
+          <ac:chgData name="Marc Johnston" userId="4bd435294172a9e0" providerId="LiveId" clId="{F93D44ED-375D-4FA9-90AA-824A0B780C8F}" dt="2024-10-11T15:05:30.965" v="2375" actId="1076"/>
+          <ac:spMkLst>
+            <pc:docMk/>
+            <pc:sldMk cId="724311830" sldId="259"/>
+            <ac:spMk id="32" creationId="{2BC8FD4E-0174-C6A6-97BE-DB5A3FBF5E23}"/>
+          </ac:spMkLst>
+        </pc:spChg>
+        <pc:spChg chg="add del mod">
+          <ac:chgData name="Marc Johnston" userId="4bd435294172a9e0" providerId="LiveId" clId="{F93D44ED-375D-4FA9-90AA-824A0B780C8F}" dt="2024-10-11T15:04:40.302" v="2302" actId="478"/>
+          <ac:spMkLst>
+            <pc:docMk/>
+            <pc:sldMk cId="724311830" sldId="259"/>
+            <ac:spMk id="36" creationId="{CDC9AC5B-9C94-C999-BCBF-E8AC2E99EACD}"/>
+          </ac:spMkLst>
+        </pc:spChg>
+        <pc:spChg chg="add mod">
+          <ac:chgData name="Marc Johnston" userId="4bd435294172a9e0" providerId="LiveId" clId="{F93D44ED-375D-4FA9-90AA-824A0B780C8F}" dt="2024-10-11T15:05:30.965" v="2375" actId="1076"/>
+          <ac:spMkLst>
+            <pc:docMk/>
+            <pc:sldMk cId="724311830" sldId="259"/>
+            <ac:spMk id="37" creationId="{52240882-EB3A-6589-E612-18B22B3E7F4B}"/>
+          </ac:spMkLst>
+        </pc:spChg>
+        <pc:grpChg chg="add del mod">
+          <ac:chgData name="Marc Johnston" userId="4bd435294172a9e0" providerId="LiveId" clId="{F93D44ED-375D-4FA9-90AA-824A0B780C8F}" dt="2024-10-11T14:55:30.056" v="1858" actId="165"/>
+          <ac:grpSpMkLst>
+            <pc:docMk/>
+            <pc:sldMk cId="724311830" sldId="259"/>
+            <ac:grpSpMk id="12" creationId="{EF525732-EC37-D073-24FE-17DEF273517A}"/>
+          </ac:grpSpMkLst>
+        </pc:grpChg>
+        <pc:cxnChg chg="add mod">
+          <ac:chgData name="Marc Johnston" userId="4bd435294172a9e0" providerId="LiveId" clId="{F93D44ED-375D-4FA9-90AA-824A0B780C8F}" dt="2024-10-11T15:05:30.965" v="2375" actId="1076"/>
+          <ac:cxnSpMkLst>
+            <pc:docMk/>
+            <pc:sldMk cId="724311830" sldId="259"/>
+            <ac:cxnSpMk id="16" creationId="{04F5A2D8-9A13-26B4-9D4F-2B5A1A9C20BF}"/>
+          </ac:cxnSpMkLst>
+        </pc:cxnChg>
+        <pc:cxnChg chg="add mod">
+          <ac:chgData name="Marc Johnston" userId="4bd435294172a9e0" providerId="LiveId" clId="{F93D44ED-375D-4FA9-90AA-824A0B780C8F}" dt="2024-10-11T15:05:30.965" v="2375" actId="1076"/>
+          <ac:cxnSpMkLst>
+            <pc:docMk/>
+            <pc:sldMk cId="724311830" sldId="259"/>
+            <ac:cxnSpMk id="22" creationId="{22B2166A-FB96-5490-1C22-D85EDA1AF1D0}"/>
+          </ac:cxnSpMkLst>
+        </pc:cxnChg>
+        <pc:cxnChg chg="add mod">
+          <ac:chgData name="Marc Johnston" userId="4bd435294172a9e0" providerId="LiveId" clId="{F93D44ED-375D-4FA9-90AA-824A0B780C8F}" dt="2024-10-11T15:05:30.965" v="2375" actId="1076"/>
+          <ac:cxnSpMkLst>
+            <pc:docMk/>
+            <pc:sldMk cId="724311830" sldId="259"/>
+            <ac:cxnSpMk id="27" creationId="{CC16B335-165E-2652-7A9B-249FB37B0B40}"/>
+          </ac:cxnSpMkLst>
+        </pc:cxnChg>
+        <pc:cxnChg chg="add mod">
+          <ac:chgData name="Marc Johnston" userId="4bd435294172a9e0" providerId="LiveId" clId="{F93D44ED-375D-4FA9-90AA-824A0B780C8F}" dt="2024-10-11T15:05:30.965" v="2375" actId="1076"/>
+          <ac:cxnSpMkLst>
+            <pc:docMk/>
+            <pc:sldMk cId="724311830" sldId="259"/>
+            <ac:cxnSpMk id="35" creationId="{02BF26EC-F4CC-6675-606A-1ABCEBEB9B9D}"/>
           </ac:cxnSpMkLst>
         </pc:cxnChg>
       </pc:sldChg>
@@ -1368,7 +1592,7 @@
           <a:p>
             <a:fld id="{9DDBC151-5FFB-4DB1-ABDD-62D5F90FDE0C}" type="datetimeFigureOut">
               <a:rPr lang="en-US" smtClean="0"/>
-              <a:t>10/8/2024</a:t>
+              <a:t>10/9/2024</a:t>
             </a:fld>
             <a:endParaRPr lang="en-US"/>
           </a:p>
@@ -1566,7 +1790,7 @@
           <a:p>
             <a:fld id="{9DDBC151-5FFB-4DB1-ABDD-62D5F90FDE0C}" type="datetimeFigureOut">
               <a:rPr lang="en-US" smtClean="0"/>
-              <a:t>10/8/2024</a:t>
+              <a:t>10/9/2024</a:t>
             </a:fld>
             <a:endParaRPr lang="en-US"/>
           </a:p>
@@ -1774,7 +1998,7 @@
           <a:p>
             <a:fld id="{9DDBC151-5FFB-4DB1-ABDD-62D5F90FDE0C}" type="datetimeFigureOut">
               <a:rPr lang="en-US" smtClean="0"/>
-              <a:t>10/8/2024</a:t>
+              <a:t>10/9/2024</a:t>
             </a:fld>
             <a:endParaRPr lang="en-US"/>
           </a:p>
@@ -1972,7 +2196,7 @@
           <a:p>
             <a:fld id="{9DDBC151-5FFB-4DB1-ABDD-62D5F90FDE0C}" type="datetimeFigureOut">
               <a:rPr lang="en-US" smtClean="0"/>
-              <a:t>10/8/2024</a:t>
+              <a:t>10/9/2024</a:t>
             </a:fld>
             <a:endParaRPr lang="en-US"/>
           </a:p>
@@ -2247,7 +2471,7 @@
           <a:p>
             <a:fld id="{9DDBC151-5FFB-4DB1-ABDD-62D5F90FDE0C}" type="datetimeFigureOut">
               <a:rPr lang="en-US" smtClean="0"/>
-              <a:t>10/8/2024</a:t>
+              <a:t>10/9/2024</a:t>
             </a:fld>
             <a:endParaRPr lang="en-US"/>
           </a:p>
@@ -2512,7 +2736,7 @@
           <a:p>
             <a:fld id="{9DDBC151-5FFB-4DB1-ABDD-62D5F90FDE0C}" type="datetimeFigureOut">
               <a:rPr lang="en-US" smtClean="0"/>
-              <a:t>10/8/2024</a:t>
+              <a:t>10/9/2024</a:t>
             </a:fld>
             <a:endParaRPr lang="en-US"/>
           </a:p>
@@ -2924,7 +3148,7 @@
           <a:p>
             <a:fld id="{9DDBC151-5FFB-4DB1-ABDD-62D5F90FDE0C}" type="datetimeFigureOut">
               <a:rPr lang="en-US" smtClean="0"/>
-              <a:t>10/8/2024</a:t>
+              <a:t>10/9/2024</a:t>
             </a:fld>
             <a:endParaRPr lang="en-US"/>
           </a:p>
@@ -3065,7 +3289,7 @@
           <a:p>
             <a:fld id="{9DDBC151-5FFB-4DB1-ABDD-62D5F90FDE0C}" type="datetimeFigureOut">
               <a:rPr lang="en-US" smtClean="0"/>
-              <a:t>10/8/2024</a:t>
+              <a:t>10/9/2024</a:t>
             </a:fld>
             <a:endParaRPr lang="en-US"/>
           </a:p>
@@ -3178,7 +3402,7 @@
           <a:p>
             <a:fld id="{9DDBC151-5FFB-4DB1-ABDD-62D5F90FDE0C}" type="datetimeFigureOut">
               <a:rPr lang="en-US" smtClean="0"/>
-              <a:t>10/8/2024</a:t>
+              <a:t>10/9/2024</a:t>
             </a:fld>
             <a:endParaRPr lang="en-US"/>
           </a:p>
@@ -3489,7 +3713,7 @@
           <a:p>
             <a:fld id="{9DDBC151-5FFB-4DB1-ABDD-62D5F90FDE0C}" type="datetimeFigureOut">
               <a:rPr lang="en-US" smtClean="0"/>
-              <a:t>10/8/2024</a:t>
+              <a:t>10/9/2024</a:t>
             </a:fld>
             <a:endParaRPr lang="en-US"/>
           </a:p>
@@ -3777,7 +4001,7 @@
           <a:p>
             <a:fld id="{9DDBC151-5FFB-4DB1-ABDD-62D5F90FDE0C}" type="datetimeFigureOut">
               <a:rPr lang="en-US" smtClean="0"/>
-              <a:t>10/8/2024</a:t>
+              <a:t>10/9/2024</a:t>
             </a:fld>
             <a:endParaRPr lang="en-US"/>
           </a:p>
@@ -4018,7 +4242,7 @@
           <a:p>
             <a:fld id="{9DDBC151-5FFB-4DB1-ABDD-62D5F90FDE0C}" type="datetimeFigureOut">
               <a:rPr lang="en-US" smtClean="0"/>
-              <a:t>10/8/2024</a:t>
+              <a:t>10/9/2024</a:t>
             </a:fld>
             <a:endParaRPr lang="en-US"/>
           </a:p>
@@ -7807,6 +8031,1305 @@
 </p:sld>
 </file>
 
+<file path=ppt/slides/slide3.xml><?xml version="1.0" encoding="utf-8"?>
+<p:sld xmlns:a="http://schemas.openxmlformats.org/drawingml/2006/main" xmlns:r="http://schemas.openxmlformats.org/officeDocument/2006/relationships" xmlns:p="http://schemas.openxmlformats.org/presentationml/2006/main">
+  <p:cSld>
+    <p:spTree>
+      <p:nvGrpSpPr>
+        <p:cNvPr id="1" name=""/>
+        <p:cNvGrpSpPr/>
+        <p:nvPr/>
+      </p:nvGrpSpPr>
+      <p:grpSpPr>
+        <a:xfrm>
+          <a:off x="0" y="0"/>
+          <a:ext cx="0" cy="0"/>
+          <a:chOff x="0" y="0"/>
+          <a:chExt cx="0" cy="0"/>
+        </a:xfrm>
+      </p:grpSpPr>
+      <p:sp>
+        <p:nvSpPr>
+          <p:cNvPr id="2" name="Title 1">
+            <a:extLst>
+              <a:ext uri="{FF2B5EF4-FFF2-40B4-BE49-F238E27FC236}">
+                <a16:creationId xmlns:a16="http://schemas.microsoft.com/office/drawing/2014/main" id="{A05D08D7-ED52-D258-28EB-5E7B10684133}"/>
+              </a:ext>
+            </a:extLst>
+          </p:cNvPr>
+          <p:cNvSpPr>
+            <a:spLocks noGrp="1"/>
+          </p:cNvSpPr>
+          <p:nvPr>
+            <p:ph type="title"/>
+          </p:nvPr>
+        </p:nvSpPr>
+        <p:spPr>
+          <a:xfrm>
+            <a:off x="838200" y="365125"/>
+            <a:ext cx="10515600" cy="533091"/>
+          </a:xfrm>
+        </p:spPr>
+        <p:txBody>
+          <a:bodyPr>
+            <a:normAutofit fontScale="90000"/>
+          </a:bodyPr>
+          <a:lstStyle/>
+          <a:p>
+            <a:pPr algn="ctr"/>
+            <a:r>
+              <a:rPr lang="en-US" dirty="0"/>
+              <a:t>Web User Initiate </a:t>
+            </a:r>
+            <a:r>
+              <a:rPr lang="en-US"/>
+              <a:t>and Play New </a:t>
+            </a:r>
+            <a:r>
+              <a:rPr lang="en-US" dirty="0"/>
+              <a:t>Game</a:t>
+            </a:r>
+          </a:p>
+        </p:txBody>
+      </p:sp>
+      <p:sp>
+        <p:nvSpPr>
+          <p:cNvPr id="3" name="Smiley Face 2">
+            <a:extLst>
+              <a:ext uri="{FF2B5EF4-FFF2-40B4-BE49-F238E27FC236}">
+                <a16:creationId xmlns:a16="http://schemas.microsoft.com/office/drawing/2014/main" id="{A5FE8195-4316-B378-0D49-1F3AD65F3AE1}"/>
+              </a:ext>
+            </a:extLst>
+          </p:cNvPr>
+          <p:cNvSpPr/>
+          <p:nvPr/>
+        </p:nvSpPr>
+        <p:spPr>
+          <a:xfrm>
+            <a:off x="5744838" y="1096254"/>
+            <a:ext cx="174147" cy="170870"/>
+          </a:xfrm>
+          <a:prstGeom prst="smileyFace">
+            <a:avLst/>
+          </a:prstGeom>
+        </p:spPr>
+        <p:style>
+          <a:lnRef idx="2">
+            <a:schemeClr val="accent1">
+              <a:shade val="15000"/>
+            </a:schemeClr>
+          </a:lnRef>
+          <a:fillRef idx="1">
+            <a:schemeClr val="accent1"/>
+          </a:fillRef>
+          <a:effectRef idx="0">
+            <a:schemeClr val="accent1"/>
+          </a:effectRef>
+          <a:fontRef idx="minor">
+            <a:schemeClr val="lt1"/>
+          </a:fontRef>
+        </p:style>
+        <p:txBody>
+          <a:bodyPr rtlCol="0" anchor="ctr"/>
+          <a:lstStyle/>
+          <a:p>
+            <a:pPr algn="ctr"/>
+            <a:endParaRPr lang="en-US" dirty="0"/>
+          </a:p>
+        </p:txBody>
+      </p:sp>
+      <p:sp>
+        <p:nvSpPr>
+          <p:cNvPr id="4" name="Rectangle 3">
+            <a:extLst>
+              <a:ext uri="{FF2B5EF4-FFF2-40B4-BE49-F238E27FC236}">
+                <a16:creationId xmlns:a16="http://schemas.microsoft.com/office/drawing/2014/main" id="{5895AB41-3B1C-BD8F-A481-A5ED4D002BC2}"/>
+              </a:ext>
+            </a:extLst>
+          </p:cNvPr>
+          <p:cNvSpPr/>
+          <p:nvPr/>
+        </p:nvSpPr>
+        <p:spPr>
+          <a:xfrm>
+            <a:off x="6554019" y="1468016"/>
+            <a:ext cx="1248868" cy="1030388"/>
+          </a:xfrm>
+          <a:prstGeom prst="rect">
+            <a:avLst/>
+          </a:prstGeom>
+          <a:noFill/>
+        </p:spPr>
+        <p:style>
+          <a:lnRef idx="2">
+            <a:schemeClr val="accent1">
+              <a:shade val="15000"/>
+            </a:schemeClr>
+          </a:lnRef>
+          <a:fillRef idx="1">
+            <a:schemeClr val="accent1"/>
+          </a:fillRef>
+          <a:effectRef idx="0">
+            <a:schemeClr val="accent1"/>
+          </a:effectRef>
+          <a:fontRef idx="minor">
+            <a:schemeClr val="lt1"/>
+          </a:fontRef>
+        </p:style>
+        <p:txBody>
+          <a:bodyPr rtlCol="0" anchor="t" anchorCtr="0"/>
+          <a:lstStyle/>
+          <a:p>
+            <a:pPr algn="ctr"/>
+            <a:r>
+              <a:rPr lang="en-US" sz="900" dirty="0">
+                <a:solidFill>
+                  <a:schemeClr val="tx1"/>
+                </a:solidFill>
+              </a:rPr>
+              <a:t>/</a:t>
+            </a:r>
+            <a:r>
+              <a:rPr lang="en-US" sz="900" dirty="0" err="1">
+                <a:solidFill>
+                  <a:schemeClr val="tx1"/>
+                </a:solidFill>
+              </a:rPr>
+              <a:t>play.ts</a:t>
+            </a:r>
+            <a:endParaRPr lang="en-US" sz="900" dirty="0">
+              <a:solidFill>
+                <a:schemeClr val="tx1"/>
+              </a:solidFill>
+            </a:endParaRPr>
+          </a:p>
+        </p:txBody>
+      </p:sp>
+      <p:sp>
+        <p:nvSpPr>
+          <p:cNvPr id="6" name="Rectangle 5">
+            <a:extLst>
+              <a:ext uri="{FF2B5EF4-FFF2-40B4-BE49-F238E27FC236}">
+                <a16:creationId xmlns:a16="http://schemas.microsoft.com/office/drawing/2014/main" id="{C172A6F9-8855-1645-9903-61A2569960EC}"/>
+              </a:ext>
+            </a:extLst>
+          </p:cNvPr>
+          <p:cNvSpPr/>
+          <p:nvPr/>
+        </p:nvSpPr>
+        <p:spPr>
+          <a:xfrm>
+            <a:off x="6624740" y="1755417"/>
+            <a:ext cx="1085850" cy="654929"/>
+          </a:xfrm>
+          <a:prstGeom prst="rect">
+            <a:avLst/>
+          </a:prstGeom>
+        </p:spPr>
+        <p:style>
+          <a:lnRef idx="2">
+            <a:schemeClr val="accent1">
+              <a:shade val="15000"/>
+            </a:schemeClr>
+          </a:lnRef>
+          <a:fillRef idx="1">
+            <a:schemeClr val="accent1"/>
+          </a:fillRef>
+          <a:effectRef idx="0">
+            <a:schemeClr val="accent1"/>
+          </a:effectRef>
+          <a:fontRef idx="minor">
+            <a:schemeClr val="lt1"/>
+          </a:fontRef>
+        </p:style>
+        <p:txBody>
+          <a:bodyPr rtlCol="0" anchor="b" anchorCtr="0"/>
+          <a:lstStyle/>
+          <a:p>
+            <a:pPr algn="ctr"/>
+            <a:r>
+              <a:rPr lang="en-US" sz="900" dirty="0" err="1"/>
+              <a:t>HTMLConsole</a:t>
+            </a:r>
+            <a:endParaRPr lang="en-US" sz="900" dirty="0"/>
+          </a:p>
+        </p:txBody>
+      </p:sp>
+      <p:sp>
+        <p:nvSpPr>
+          <p:cNvPr id="7" name="Rectangle 6">
+            <a:extLst>
+              <a:ext uri="{FF2B5EF4-FFF2-40B4-BE49-F238E27FC236}">
+                <a16:creationId xmlns:a16="http://schemas.microsoft.com/office/drawing/2014/main" id="{0F136BFE-876A-306D-01EF-A58949E1CCFE}"/>
+              </a:ext>
+            </a:extLst>
+          </p:cNvPr>
+          <p:cNvSpPr/>
+          <p:nvPr/>
+        </p:nvSpPr>
+        <p:spPr>
+          <a:xfrm>
+            <a:off x="6743990" y="1797976"/>
+            <a:ext cx="868925" cy="315589"/>
+          </a:xfrm>
+          <a:prstGeom prst="rect">
+            <a:avLst/>
+          </a:prstGeom>
+        </p:spPr>
+        <p:style>
+          <a:lnRef idx="2">
+            <a:schemeClr val="accent1">
+              <a:shade val="15000"/>
+            </a:schemeClr>
+          </a:lnRef>
+          <a:fillRef idx="1">
+            <a:schemeClr val="accent1"/>
+          </a:fillRef>
+          <a:effectRef idx="0">
+            <a:schemeClr val="accent1"/>
+          </a:effectRef>
+          <a:fontRef idx="minor">
+            <a:schemeClr val="lt1"/>
+          </a:fontRef>
+        </p:style>
+        <p:txBody>
+          <a:bodyPr rtlCol="0" anchor="ctr"/>
+          <a:lstStyle/>
+          <a:p>
+            <a:pPr algn="ctr"/>
+            <a:r>
+              <a:rPr lang="en-US" sz="900" dirty="0" err="1"/>
+              <a:t>HTMLCanvas</a:t>
+            </a:r>
+            <a:endParaRPr lang="en-US" sz="900" dirty="0"/>
+          </a:p>
+        </p:txBody>
+      </p:sp>
+      <p:sp>
+        <p:nvSpPr>
+          <p:cNvPr id="8" name="Cloud 7">
+            <a:extLst>
+              <a:ext uri="{FF2B5EF4-FFF2-40B4-BE49-F238E27FC236}">
+                <a16:creationId xmlns:a16="http://schemas.microsoft.com/office/drawing/2014/main" id="{CE9D2222-B765-8243-F490-351231E50B29}"/>
+              </a:ext>
+            </a:extLst>
+          </p:cNvPr>
+          <p:cNvSpPr/>
+          <p:nvPr/>
+        </p:nvSpPr>
+        <p:spPr>
+          <a:xfrm>
+            <a:off x="5196689" y="2047835"/>
+            <a:ext cx="1248868" cy="788563"/>
+          </a:xfrm>
+          <a:prstGeom prst="cloud">
+            <a:avLst/>
+          </a:prstGeom>
+          <a:noFill/>
+        </p:spPr>
+        <p:style>
+          <a:lnRef idx="2">
+            <a:schemeClr val="accent1">
+              <a:shade val="15000"/>
+            </a:schemeClr>
+          </a:lnRef>
+          <a:fillRef idx="1">
+            <a:schemeClr val="accent1"/>
+          </a:fillRef>
+          <a:effectRef idx="0">
+            <a:schemeClr val="accent1"/>
+          </a:effectRef>
+          <a:fontRef idx="minor">
+            <a:schemeClr val="lt1"/>
+          </a:fontRef>
+        </p:style>
+        <p:txBody>
+          <a:bodyPr rtlCol="0" anchor="ctr"/>
+          <a:lstStyle/>
+          <a:p>
+            <a:pPr algn="ctr"/>
+            <a:endParaRPr lang="en-US"/>
+          </a:p>
+        </p:txBody>
+      </p:sp>
+      <p:sp>
+        <p:nvSpPr>
+          <p:cNvPr id="9" name="Rectangle 8">
+            <a:extLst>
+              <a:ext uri="{FF2B5EF4-FFF2-40B4-BE49-F238E27FC236}">
+                <a16:creationId xmlns:a16="http://schemas.microsoft.com/office/drawing/2014/main" id="{F20F36D2-6A7F-4940-FA54-D9F72BD235FD}"/>
+              </a:ext>
+            </a:extLst>
+          </p:cNvPr>
+          <p:cNvSpPr/>
+          <p:nvPr/>
+        </p:nvSpPr>
+        <p:spPr>
+          <a:xfrm>
+            <a:off x="6748855" y="3191135"/>
+            <a:ext cx="868925" cy="315589"/>
+          </a:xfrm>
+          <a:prstGeom prst="rect">
+            <a:avLst/>
+          </a:prstGeom>
+        </p:spPr>
+        <p:style>
+          <a:lnRef idx="2">
+            <a:schemeClr val="accent1">
+              <a:shade val="15000"/>
+            </a:schemeClr>
+          </a:lnRef>
+          <a:fillRef idx="1">
+            <a:schemeClr val="accent1"/>
+          </a:fillRef>
+          <a:effectRef idx="0">
+            <a:schemeClr val="accent1"/>
+          </a:effectRef>
+          <a:fontRef idx="minor">
+            <a:schemeClr val="lt1"/>
+          </a:fontRef>
+        </p:style>
+        <p:txBody>
+          <a:bodyPr rtlCol="0" anchor="ctr"/>
+          <a:lstStyle/>
+          <a:p>
+            <a:pPr algn="ctr"/>
+            <a:r>
+              <a:rPr lang="en-US" sz="900" dirty="0" err="1"/>
+              <a:t>SignalRHub</a:t>
+            </a:r>
+            <a:endParaRPr lang="en-US" sz="900" dirty="0"/>
+          </a:p>
+        </p:txBody>
+      </p:sp>
+      <p:sp>
+        <p:nvSpPr>
+          <p:cNvPr id="10" name="Rectangle 9">
+            <a:extLst>
+              <a:ext uri="{FF2B5EF4-FFF2-40B4-BE49-F238E27FC236}">
+                <a16:creationId xmlns:a16="http://schemas.microsoft.com/office/drawing/2014/main" id="{5681CE96-4C6A-3238-4AAA-63384767AD45}"/>
+              </a:ext>
+            </a:extLst>
+          </p:cNvPr>
+          <p:cNvSpPr/>
+          <p:nvPr/>
+        </p:nvSpPr>
+        <p:spPr>
+          <a:xfrm>
+            <a:off x="5196689" y="1474687"/>
+            <a:ext cx="1248868" cy="282979"/>
+          </a:xfrm>
+          <a:prstGeom prst="rect">
+            <a:avLst/>
+          </a:prstGeom>
+          <a:noFill/>
+        </p:spPr>
+        <p:style>
+          <a:lnRef idx="2">
+            <a:schemeClr val="accent1">
+              <a:shade val="15000"/>
+            </a:schemeClr>
+          </a:lnRef>
+          <a:fillRef idx="1">
+            <a:schemeClr val="accent1"/>
+          </a:fillRef>
+          <a:effectRef idx="0">
+            <a:schemeClr val="accent1"/>
+          </a:effectRef>
+          <a:fontRef idx="minor">
+            <a:schemeClr val="lt1"/>
+          </a:fontRef>
+        </p:style>
+        <p:txBody>
+          <a:bodyPr rtlCol="0" anchor="t" anchorCtr="0"/>
+          <a:lstStyle/>
+          <a:p>
+            <a:pPr algn="ctr"/>
+            <a:r>
+              <a:rPr lang="en-US" sz="900" dirty="0">
+                <a:solidFill>
+                  <a:schemeClr val="tx1"/>
+                </a:solidFill>
+              </a:rPr>
+              <a:t>/</a:t>
+            </a:r>
+            <a:r>
+              <a:rPr lang="en-US" sz="900" dirty="0" err="1">
+                <a:solidFill>
+                  <a:schemeClr val="tx1"/>
+                </a:solidFill>
+              </a:rPr>
+              <a:t>play.ts</a:t>
+            </a:r>
+            <a:endParaRPr lang="en-US" sz="900" dirty="0">
+              <a:solidFill>
+                <a:schemeClr val="tx1"/>
+              </a:solidFill>
+            </a:endParaRPr>
+          </a:p>
+        </p:txBody>
+      </p:sp>
+      <p:sp>
+        <p:nvSpPr>
+          <p:cNvPr id="13" name="Rectangle 12">
+            <a:extLst>
+              <a:ext uri="{FF2B5EF4-FFF2-40B4-BE49-F238E27FC236}">
+                <a16:creationId xmlns:a16="http://schemas.microsoft.com/office/drawing/2014/main" id="{6714259B-86E2-B7F7-E207-FA114F60CB62}"/>
+              </a:ext>
+            </a:extLst>
+          </p:cNvPr>
+          <p:cNvSpPr/>
+          <p:nvPr/>
+        </p:nvSpPr>
+        <p:spPr>
+          <a:xfrm>
+            <a:off x="5375386" y="3199998"/>
+            <a:ext cx="891473" cy="390055"/>
+          </a:xfrm>
+          <a:prstGeom prst="rect">
+            <a:avLst/>
+          </a:prstGeom>
+        </p:spPr>
+        <p:style>
+          <a:lnRef idx="2">
+            <a:schemeClr val="accent1">
+              <a:shade val="15000"/>
+            </a:schemeClr>
+          </a:lnRef>
+          <a:fillRef idx="1">
+            <a:schemeClr val="accent1"/>
+          </a:fillRef>
+          <a:effectRef idx="0">
+            <a:schemeClr val="accent1"/>
+          </a:effectRef>
+          <a:fontRef idx="minor">
+            <a:schemeClr val="lt1"/>
+          </a:fontRef>
+        </p:style>
+        <p:txBody>
+          <a:bodyPr rtlCol="0" anchor="b" anchorCtr="0"/>
+          <a:lstStyle/>
+          <a:p>
+            <a:pPr algn="ctr"/>
+            <a:r>
+              <a:rPr lang="en-US" sz="900" dirty="0" err="1"/>
+              <a:t>GameHub</a:t>
+            </a:r>
+            <a:endParaRPr lang="en-US" sz="900" dirty="0"/>
+          </a:p>
+        </p:txBody>
+      </p:sp>
+      <p:sp>
+        <p:nvSpPr>
+          <p:cNvPr id="14" name="Rectangle 13">
+            <a:extLst>
+              <a:ext uri="{FF2B5EF4-FFF2-40B4-BE49-F238E27FC236}">
+                <a16:creationId xmlns:a16="http://schemas.microsoft.com/office/drawing/2014/main" id="{27A162AF-228C-B392-524F-CED1BA08F738}"/>
+              </a:ext>
+            </a:extLst>
+          </p:cNvPr>
+          <p:cNvSpPr/>
+          <p:nvPr/>
+        </p:nvSpPr>
+        <p:spPr>
+          <a:xfrm>
+            <a:off x="5532506" y="3199998"/>
+            <a:ext cx="598810" cy="148932"/>
+          </a:xfrm>
+          <a:prstGeom prst="rect">
+            <a:avLst/>
+          </a:prstGeom>
+        </p:spPr>
+        <p:style>
+          <a:lnRef idx="2">
+            <a:schemeClr val="accent1">
+              <a:shade val="15000"/>
+            </a:schemeClr>
+          </a:lnRef>
+          <a:fillRef idx="1">
+            <a:schemeClr val="accent1"/>
+          </a:fillRef>
+          <a:effectRef idx="0">
+            <a:schemeClr val="accent1"/>
+          </a:effectRef>
+          <a:fontRef idx="minor">
+            <a:schemeClr val="lt1"/>
+          </a:fontRef>
+        </p:style>
+        <p:txBody>
+          <a:bodyPr lIns="0" tIns="0" rIns="0" bIns="0" rtlCol="0" anchor="ctr"/>
+          <a:lstStyle/>
+          <a:p>
+            <a:pPr algn="ctr"/>
+            <a:r>
+              <a:rPr lang="en-US" sz="900" dirty="0"/>
+              <a:t>Play()</a:t>
+            </a:r>
+          </a:p>
+        </p:txBody>
+      </p:sp>
+      <p:cxnSp>
+        <p:nvCxnSpPr>
+          <p:cNvPr id="16" name="Straight Arrow Connector 15">
+            <a:extLst>
+              <a:ext uri="{FF2B5EF4-FFF2-40B4-BE49-F238E27FC236}">
+                <a16:creationId xmlns:a16="http://schemas.microsoft.com/office/drawing/2014/main" id="{04F5A2D8-9A13-26B4-9D4F-2B5A1A9C20BF}"/>
+              </a:ext>
+            </a:extLst>
+          </p:cNvPr>
+          <p:cNvCxnSpPr>
+            <a:cxnSpLocks/>
+            <a:stCxn id="10" idx="2"/>
+            <a:endCxn id="14" idx="0"/>
+          </p:cNvCxnSpPr>
+          <p:nvPr/>
+        </p:nvCxnSpPr>
+        <p:spPr>
+          <a:xfrm>
+            <a:off x="5821123" y="1757666"/>
+            <a:ext cx="10788" cy="1442332"/>
+          </a:xfrm>
+          <a:prstGeom prst="straightConnector1">
+            <a:avLst/>
+          </a:prstGeom>
+          <a:ln>
+            <a:tailEnd type="triangle"/>
+          </a:ln>
+        </p:spPr>
+        <p:style>
+          <a:lnRef idx="1">
+            <a:schemeClr val="accent1"/>
+          </a:lnRef>
+          <a:fillRef idx="0">
+            <a:schemeClr val="accent1"/>
+          </a:fillRef>
+          <a:effectRef idx="0">
+            <a:schemeClr val="accent1"/>
+          </a:effectRef>
+          <a:fontRef idx="minor">
+            <a:schemeClr val="tx1"/>
+          </a:fontRef>
+        </p:style>
+      </p:cxnSp>
+      <p:sp>
+        <p:nvSpPr>
+          <p:cNvPr id="17" name="Rectangle 16">
+            <a:extLst>
+              <a:ext uri="{FF2B5EF4-FFF2-40B4-BE49-F238E27FC236}">
+                <a16:creationId xmlns:a16="http://schemas.microsoft.com/office/drawing/2014/main" id="{373C7360-A3B5-9A60-924D-D8B14E91066E}"/>
+              </a:ext>
+            </a:extLst>
+          </p:cNvPr>
+          <p:cNvSpPr/>
+          <p:nvPr/>
+        </p:nvSpPr>
+        <p:spPr>
+          <a:xfrm>
+            <a:off x="3099842" y="1514997"/>
+            <a:ext cx="2096847" cy="282979"/>
+          </a:xfrm>
+          <a:prstGeom prst="rect">
+            <a:avLst/>
+          </a:prstGeom>
+          <a:noFill/>
+          <a:ln>
+            <a:noFill/>
+          </a:ln>
+        </p:spPr>
+        <p:style>
+          <a:lnRef idx="2">
+            <a:schemeClr val="accent1">
+              <a:shade val="15000"/>
+            </a:schemeClr>
+          </a:lnRef>
+          <a:fillRef idx="1">
+            <a:schemeClr val="accent1"/>
+          </a:fillRef>
+          <a:effectRef idx="0">
+            <a:schemeClr val="accent1"/>
+          </a:effectRef>
+          <a:fontRef idx="minor">
+            <a:schemeClr val="lt1"/>
+          </a:fontRef>
+        </p:style>
+        <p:txBody>
+          <a:bodyPr rtlCol="0" anchor="t" anchorCtr="0"/>
+          <a:lstStyle/>
+          <a:p>
+            <a:pPr algn="ctr"/>
+            <a:r>
+              <a:rPr lang="en-US" sz="900" dirty="0">
+                <a:solidFill>
+                  <a:schemeClr val="tx1"/>
+                </a:solidFill>
+              </a:rPr>
+              <a:t>1. User navigates to the play component</a:t>
+            </a:r>
+          </a:p>
+        </p:txBody>
+      </p:sp>
+      <p:sp>
+        <p:nvSpPr>
+          <p:cNvPr id="18" name="Rectangle 17">
+            <a:extLst>
+              <a:ext uri="{FF2B5EF4-FFF2-40B4-BE49-F238E27FC236}">
+                <a16:creationId xmlns:a16="http://schemas.microsoft.com/office/drawing/2014/main" id="{1208D908-E8AB-BFA4-3327-D95699E02B35}"/>
+              </a:ext>
+            </a:extLst>
+          </p:cNvPr>
+          <p:cNvSpPr/>
+          <p:nvPr/>
+        </p:nvSpPr>
+        <p:spPr>
+          <a:xfrm>
+            <a:off x="3095958" y="3148067"/>
+            <a:ext cx="2096847" cy="493915"/>
+          </a:xfrm>
+          <a:prstGeom prst="rect">
+            <a:avLst/>
+          </a:prstGeom>
+          <a:noFill/>
+          <a:ln>
+            <a:noFill/>
+          </a:ln>
+        </p:spPr>
+        <p:style>
+          <a:lnRef idx="2">
+            <a:schemeClr val="accent1">
+              <a:shade val="15000"/>
+            </a:schemeClr>
+          </a:lnRef>
+          <a:fillRef idx="1">
+            <a:schemeClr val="accent1"/>
+          </a:fillRef>
+          <a:effectRef idx="0">
+            <a:schemeClr val="accent1"/>
+          </a:effectRef>
+          <a:fontRef idx="minor">
+            <a:schemeClr val="lt1"/>
+          </a:fontRef>
+        </p:style>
+        <p:txBody>
+          <a:bodyPr rtlCol="0" anchor="t" anchorCtr="0"/>
+          <a:lstStyle/>
+          <a:p>
+            <a:pPr algn="ctr"/>
+            <a:r>
+              <a:rPr lang="en-US" sz="900" dirty="0">
+                <a:solidFill>
+                  <a:schemeClr val="tx1"/>
+                </a:solidFill>
+              </a:rPr>
+              <a:t>2. Play component calls the Play() method on the </a:t>
+            </a:r>
+            <a:r>
+              <a:rPr lang="en-US" sz="900" dirty="0" err="1">
+                <a:solidFill>
+                  <a:schemeClr val="tx1"/>
+                </a:solidFill>
+              </a:rPr>
+              <a:t>GameHub</a:t>
+            </a:r>
+            <a:r>
+              <a:rPr lang="en-US" sz="900" dirty="0">
+                <a:solidFill>
+                  <a:schemeClr val="tx1"/>
+                </a:solidFill>
+              </a:rPr>
+              <a:t> with a null game </a:t>
+            </a:r>
+            <a:r>
+              <a:rPr lang="en-US" sz="900" dirty="0" err="1">
+                <a:solidFill>
+                  <a:schemeClr val="tx1"/>
+                </a:solidFill>
+              </a:rPr>
+              <a:t>guid</a:t>
+            </a:r>
+            <a:endParaRPr lang="en-US" sz="900" dirty="0">
+              <a:solidFill>
+                <a:schemeClr val="tx1"/>
+              </a:solidFill>
+            </a:endParaRPr>
+          </a:p>
+        </p:txBody>
+      </p:sp>
+      <p:sp>
+        <p:nvSpPr>
+          <p:cNvPr id="19" name="Rectangle 18">
+            <a:extLst>
+              <a:ext uri="{FF2B5EF4-FFF2-40B4-BE49-F238E27FC236}">
+                <a16:creationId xmlns:a16="http://schemas.microsoft.com/office/drawing/2014/main" id="{9B59292E-6EDA-E378-D6C6-01DC7EB2B3F2}"/>
+              </a:ext>
+            </a:extLst>
+          </p:cNvPr>
+          <p:cNvSpPr/>
+          <p:nvPr/>
+        </p:nvSpPr>
+        <p:spPr>
+          <a:xfrm>
+            <a:off x="3095958" y="3750198"/>
+            <a:ext cx="2096847" cy="436291"/>
+          </a:xfrm>
+          <a:prstGeom prst="rect">
+            <a:avLst/>
+          </a:prstGeom>
+          <a:noFill/>
+          <a:ln>
+            <a:noFill/>
+          </a:ln>
+        </p:spPr>
+        <p:style>
+          <a:lnRef idx="2">
+            <a:schemeClr val="accent1">
+              <a:shade val="15000"/>
+            </a:schemeClr>
+          </a:lnRef>
+          <a:fillRef idx="1">
+            <a:schemeClr val="accent1"/>
+          </a:fillRef>
+          <a:effectRef idx="0">
+            <a:schemeClr val="accent1"/>
+          </a:effectRef>
+          <a:fontRef idx="minor">
+            <a:schemeClr val="lt1"/>
+          </a:fontRef>
+        </p:style>
+        <p:txBody>
+          <a:bodyPr rtlCol="0" anchor="t" anchorCtr="0"/>
+          <a:lstStyle/>
+          <a:p>
+            <a:pPr algn="ctr"/>
+            <a:r>
+              <a:rPr lang="en-US" sz="900" dirty="0">
+                <a:solidFill>
+                  <a:schemeClr val="tx1"/>
+                </a:solidFill>
+              </a:rPr>
+              <a:t>3. </a:t>
+            </a:r>
+            <a:r>
+              <a:rPr lang="en-US" sz="900" dirty="0" err="1">
+                <a:solidFill>
+                  <a:schemeClr val="tx1"/>
+                </a:solidFill>
+              </a:rPr>
+              <a:t>GameHub</a:t>
+            </a:r>
+            <a:r>
+              <a:rPr lang="en-US" sz="900" dirty="0">
+                <a:solidFill>
+                  <a:schemeClr val="tx1"/>
+                </a:solidFill>
+              </a:rPr>
+              <a:t> sends the request to the </a:t>
+            </a:r>
+            <a:r>
+              <a:rPr lang="en-US" sz="900" dirty="0" err="1">
+                <a:solidFill>
+                  <a:schemeClr val="tx1"/>
+                </a:solidFill>
+              </a:rPr>
+              <a:t>GameService</a:t>
+            </a:r>
+            <a:r>
+              <a:rPr lang="en-US" sz="900" dirty="0">
+                <a:solidFill>
+                  <a:schemeClr val="tx1"/>
+                </a:solidFill>
+              </a:rPr>
+              <a:t> </a:t>
+            </a:r>
+            <a:r>
+              <a:rPr lang="en-US" sz="900" dirty="0" err="1">
+                <a:solidFill>
+                  <a:schemeClr val="tx1"/>
+                </a:solidFill>
+              </a:rPr>
+              <a:t>PlayAsync</a:t>
+            </a:r>
+            <a:r>
+              <a:rPr lang="en-US" sz="900" dirty="0">
+                <a:solidFill>
+                  <a:schemeClr val="tx1"/>
+                </a:solidFill>
+              </a:rPr>
+              <a:t>() method</a:t>
+            </a:r>
+          </a:p>
+        </p:txBody>
+      </p:sp>
+      <p:sp>
+        <p:nvSpPr>
+          <p:cNvPr id="20" name="Rectangle 19">
+            <a:extLst>
+              <a:ext uri="{FF2B5EF4-FFF2-40B4-BE49-F238E27FC236}">
+                <a16:creationId xmlns:a16="http://schemas.microsoft.com/office/drawing/2014/main" id="{B16225C5-80B6-190E-BE05-A17EF04CB78B}"/>
+              </a:ext>
+            </a:extLst>
+          </p:cNvPr>
+          <p:cNvSpPr/>
+          <p:nvPr/>
+        </p:nvSpPr>
+        <p:spPr>
+          <a:xfrm>
+            <a:off x="5373215" y="4227283"/>
+            <a:ext cx="868925" cy="390055"/>
+          </a:xfrm>
+          <a:prstGeom prst="rect">
+            <a:avLst/>
+          </a:prstGeom>
+        </p:spPr>
+        <p:style>
+          <a:lnRef idx="2">
+            <a:schemeClr val="accent1">
+              <a:shade val="15000"/>
+            </a:schemeClr>
+          </a:lnRef>
+          <a:fillRef idx="1">
+            <a:schemeClr val="accent1"/>
+          </a:fillRef>
+          <a:effectRef idx="0">
+            <a:schemeClr val="accent1"/>
+          </a:effectRef>
+          <a:fontRef idx="minor">
+            <a:schemeClr val="lt1"/>
+          </a:fontRef>
+        </p:style>
+        <p:txBody>
+          <a:bodyPr rtlCol="0" anchor="b" anchorCtr="0"/>
+          <a:lstStyle/>
+          <a:p>
+            <a:pPr algn="ctr"/>
+            <a:r>
+              <a:rPr lang="en-US" sz="900" dirty="0" err="1"/>
+              <a:t>GameService</a:t>
+            </a:r>
+            <a:endParaRPr lang="en-US" sz="900" dirty="0"/>
+          </a:p>
+        </p:txBody>
+      </p:sp>
+      <p:cxnSp>
+        <p:nvCxnSpPr>
+          <p:cNvPr id="22" name="Straight Arrow Connector 21">
+            <a:extLst>
+              <a:ext uri="{FF2B5EF4-FFF2-40B4-BE49-F238E27FC236}">
+                <a16:creationId xmlns:a16="http://schemas.microsoft.com/office/drawing/2014/main" id="{22B2166A-FB96-5490-1C22-D85EDA1AF1D0}"/>
+              </a:ext>
+            </a:extLst>
+          </p:cNvPr>
+          <p:cNvCxnSpPr>
+            <a:cxnSpLocks/>
+            <a:stCxn id="13" idx="2"/>
+            <a:endCxn id="20" idx="0"/>
+          </p:cNvCxnSpPr>
+          <p:nvPr/>
+        </p:nvCxnSpPr>
+        <p:spPr>
+          <a:xfrm flipH="1">
+            <a:off x="5807678" y="3590053"/>
+            <a:ext cx="13445" cy="637230"/>
+          </a:xfrm>
+          <a:prstGeom prst="straightConnector1">
+            <a:avLst/>
+          </a:prstGeom>
+          <a:ln>
+            <a:tailEnd type="triangle"/>
+          </a:ln>
+        </p:spPr>
+        <p:style>
+          <a:lnRef idx="1">
+            <a:schemeClr val="accent1"/>
+          </a:lnRef>
+          <a:fillRef idx="0">
+            <a:schemeClr val="accent1"/>
+          </a:fillRef>
+          <a:effectRef idx="0">
+            <a:schemeClr val="accent1"/>
+          </a:effectRef>
+          <a:fontRef idx="minor">
+            <a:schemeClr val="tx1"/>
+          </a:fontRef>
+        </p:style>
+      </p:cxnSp>
+      <p:sp>
+        <p:nvSpPr>
+          <p:cNvPr id="24" name="Rectangle 23">
+            <a:extLst>
+              <a:ext uri="{FF2B5EF4-FFF2-40B4-BE49-F238E27FC236}">
+                <a16:creationId xmlns:a16="http://schemas.microsoft.com/office/drawing/2014/main" id="{622DDF5B-C55C-EADD-96BB-896A9244B391}"/>
+              </a:ext>
+            </a:extLst>
+          </p:cNvPr>
+          <p:cNvSpPr/>
+          <p:nvPr/>
+        </p:nvSpPr>
+        <p:spPr>
+          <a:xfrm>
+            <a:off x="5508272" y="4244113"/>
+            <a:ext cx="598810" cy="148932"/>
+          </a:xfrm>
+          <a:prstGeom prst="rect">
+            <a:avLst/>
+          </a:prstGeom>
+        </p:spPr>
+        <p:style>
+          <a:lnRef idx="2">
+            <a:schemeClr val="accent1">
+              <a:shade val="15000"/>
+            </a:schemeClr>
+          </a:lnRef>
+          <a:fillRef idx="1">
+            <a:schemeClr val="accent1"/>
+          </a:fillRef>
+          <a:effectRef idx="0">
+            <a:schemeClr val="accent1"/>
+          </a:effectRef>
+          <a:fontRef idx="minor">
+            <a:schemeClr val="lt1"/>
+          </a:fontRef>
+        </p:style>
+        <p:txBody>
+          <a:bodyPr lIns="0" tIns="0" rIns="0" bIns="0" rtlCol="0" anchor="ctr"/>
+          <a:lstStyle/>
+          <a:p>
+            <a:pPr algn="ctr"/>
+            <a:r>
+              <a:rPr lang="en-US" sz="900" dirty="0" err="1"/>
+              <a:t>PlayAsync</a:t>
+            </a:r>
+            <a:r>
+              <a:rPr lang="en-US" sz="900" dirty="0"/>
+              <a:t>()</a:t>
+            </a:r>
+          </a:p>
+        </p:txBody>
+      </p:sp>
+      <p:cxnSp>
+        <p:nvCxnSpPr>
+          <p:cNvPr id="27" name="Straight Arrow Connector 26">
+            <a:extLst>
+              <a:ext uri="{FF2B5EF4-FFF2-40B4-BE49-F238E27FC236}">
+                <a16:creationId xmlns:a16="http://schemas.microsoft.com/office/drawing/2014/main" id="{CC16B335-165E-2652-7A9B-249FB37B0B40}"/>
+              </a:ext>
+            </a:extLst>
+          </p:cNvPr>
+          <p:cNvCxnSpPr>
+            <a:cxnSpLocks/>
+            <a:stCxn id="20" idx="3"/>
+            <a:endCxn id="9" idx="2"/>
+          </p:cNvCxnSpPr>
+          <p:nvPr/>
+        </p:nvCxnSpPr>
+        <p:spPr>
+          <a:xfrm flipV="1">
+            <a:off x="6242140" y="3506724"/>
+            <a:ext cx="941178" cy="915587"/>
+          </a:xfrm>
+          <a:prstGeom prst="straightConnector1">
+            <a:avLst/>
+          </a:prstGeom>
+          <a:ln>
+            <a:tailEnd type="triangle"/>
+          </a:ln>
+        </p:spPr>
+        <p:style>
+          <a:lnRef idx="1">
+            <a:schemeClr val="accent1"/>
+          </a:lnRef>
+          <a:fillRef idx="0">
+            <a:schemeClr val="accent1"/>
+          </a:fillRef>
+          <a:effectRef idx="0">
+            <a:schemeClr val="accent1"/>
+          </a:effectRef>
+          <a:fontRef idx="minor">
+            <a:schemeClr val="tx1"/>
+          </a:fontRef>
+        </p:style>
+      </p:cxnSp>
+      <p:sp>
+        <p:nvSpPr>
+          <p:cNvPr id="30" name="Rectangle 29">
+            <a:extLst>
+              <a:ext uri="{FF2B5EF4-FFF2-40B4-BE49-F238E27FC236}">
+                <a16:creationId xmlns:a16="http://schemas.microsoft.com/office/drawing/2014/main" id="{C4D62BA6-F6D8-15F6-1110-48E45E1C380F}"/>
+              </a:ext>
+            </a:extLst>
+          </p:cNvPr>
+          <p:cNvSpPr/>
+          <p:nvPr/>
+        </p:nvSpPr>
+        <p:spPr>
+          <a:xfrm>
+            <a:off x="6655312" y="3885706"/>
+            <a:ext cx="2096847" cy="436291"/>
+          </a:xfrm>
+          <a:prstGeom prst="rect">
+            <a:avLst/>
+          </a:prstGeom>
+          <a:noFill/>
+          <a:ln>
+            <a:noFill/>
+          </a:ln>
+        </p:spPr>
+        <p:style>
+          <a:lnRef idx="2">
+            <a:schemeClr val="accent1">
+              <a:shade val="15000"/>
+            </a:schemeClr>
+          </a:lnRef>
+          <a:fillRef idx="1">
+            <a:schemeClr val="accent1"/>
+          </a:fillRef>
+          <a:effectRef idx="0">
+            <a:schemeClr val="accent1"/>
+          </a:effectRef>
+          <a:fontRef idx="minor">
+            <a:schemeClr val="lt1"/>
+          </a:fontRef>
+        </p:style>
+        <p:txBody>
+          <a:bodyPr rtlCol="0" anchor="t" anchorCtr="0"/>
+          <a:lstStyle/>
+          <a:p>
+            <a:pPr algn="ctr"/>
+            <a:r>
+              <a:rPr lang="en-US" sz="900" dirty="0">
+                <a:solidFill>
+                  <a:schemeClr val="tx1"/>
+                </a:solidFill>
+              </a:rPr>
+              <a:t>4. </a:t>
+            </a:r>
+            <a:r>
+              <a:rPr lang="en-US" sz="900" dirty="0" err="1">
+                <a:solidFill>
+                  <a:schemeClr val="tx1"/>
+                </a:solidFill>
+              </a:rPr>
+              <a:t>GameService</a:t>
+            </a:r>
+            <a:r>
+              <a:rPr lang="en-US" sz="900" dirty="0">
+                <a:solidFill>
+                  <a:schemeClr val="tx1"/>
+                </a:solidFill>
+              </a:rPr>
+              <a:t> creates a Core game and provides it to a new </a:t>
+            </a:r>
+            <a:r>
+              <a:rPr lang="en-US" sz="900" dirty="0" err="1">
+                <a:solidFill>
+                  <a:schemeClr val="tx1"/>
+                </a:solidFill>
+              </a:rPr>
+              <a:t>SignalRHub</a:t>
+            </a:r>
+            <a:r>
+              <a:rPr lang="en-US" sz="900" dirty="0">
+                <a:solidFill>
+                  <a:schemeClr val="tx1"/>
+                </a:solidFill>
+              </a:rPr>
+              <a:t> object to communicate with the client</a:t>
+            </a:r>
+          </a:p>
+        </p:txBody>
+      </p:sp>
+      <p:sp>
+        <p:nvSpPr>
+          <p:cNvPr id="32" name="Rectangle 31">
+            <a:extLst>
+              <a:ext uri="{FF2B5EF4-FFF2-40B4-BE49-F238E27FC236}">
+                <a16:creationId xmlns:a16="http://schemas.microsoft.com/office/drawing/2014/main" id="{2BC8FD4E-0174-C6A6-97BE-DB5A3FBF5E23}"/>
+              </a:ext>
+            </a:extLst>
+          </p:cNvPr>
+          <p:cNvSpPr/>
+          <p:nvPr/>
+        </p:nvSpPr>
+        <p:spPr>
+          <a:xfrm>
+            <a:off x="7257827" y="3606082"/>
+            <a:ext cx="355088" cy="278669"/>
+          </a:xfrm>
+          <a:prstGeom prst="rect">
+            <a:avLst/>
+          </a:prstGeom>
+        </p:spPr>
+        <p:style>
+          <a:lnRef idx="2">
+            <a:schemeClr val="accent1">
+              <a:shade val="15000"/>
+            </a:schemeClr>
+          </a:lnRef>
+          <a:fillRef idx="1">
+            <a:schemeClr val="accent1"/>
+          </a:fillRef>
+          <a:effectRef idx="0">
+            <a:schemeClr val="accent1"/>
+          </a:effectRef>
+          <a:fontRef idx="minor">
+            <a:schemeClr val="lt1"/>
+          </a:fontRef>
+        </p:style>
+        <p:txBody>
+          <a:bodyPr lIns="0" tIns="0" rIns="0" bIns="0" rtlCol="0" anchor="ctr"/>
+          <a:lstStyle/>
+          <a:p>
+            <a:pPr algn="ctr"/>
+            <a:r>
+              <a:rPr lang="en-US" sz="900" dirty="0"/>
+              <a:t>Core</a:t>
+            </a:r>
+          </a:p>
+        </p:txBody>
+      </p:sp>
+      <p:cxnSp>
+        <p:nvCxnSpPr>
+          <p:cNvPr id="35" name="Straight Arrow Connector 34">
+            <a:extLst>
+              <a:ext uri="{FF2B5EF4-FFF2-40B4-BE49-F238E27FC236}">
+                <a16:creationId xmlns:a16="http://schemas.microsoft.com/office/drawing/2014/main" id="{02BF26EC-F4CC-6675-606A-1ABCEBEB9B9D}"/>
+              </a:ext>
+            </a:extLst>
+          </p:cNvPr>
+          <p:cNvCxnSpPr>
+            <a:stCxn id="9" idx="0"/>
+            <a:endCxn id="6" idx="2"/>
+          </p:cNvCxnSpPr>
+          <p:nvPr/>
+        </p:nvCxnSpPr>
+        <p:spPr>
+          <a:xfrm flipH="1" flipV="1">
+            <a:off x="7167665" y="2410346"/>
+            <a:ext cx="15653" cy="780789"/>
+          </a:xfrm>
+          <a:prstGeom prst="straightConnector1">
+            <a:avLst/>
+          </a:prstGeom>
+          <a:ln>
+            <a:tailEnd type="triangle"/>
+          </a:ln>
+        </p:spPr>
+        <p:style>
+          <a:lnRef idx="1">
+            <a:schemeClr val="accent1"/>
+          </a:lnRef>
+          <a:fillRef idx="0">
+            <a:schemeClr val="accent1"/>
+          </a:fillRef>
+          <a:effectRef idx="0">
+            <a:schemeClr val="accent1"/>
+          </a:effectRef>
+          <a:fontRef idx="minor">
+            <a:schemeClr val="tx1"/>
+          </a:fontRef>
+        </p:style>
+      </p:cxnSp>
+      <p:sp>
+        <p:nvSpPr>
+          <p:cNvPr id="37" name="Rectangle 36">
+            <a:extLst>
+              <a:ext uri="{FF2B5EF4-FFF2-40B4-BE49-F238E27FC236}">
+                <a16:creationId xmlns:a16="http://schemas.microsoft.com/office/drawing/2014/main" id="{52240882-EB3A-6589-E612-18B22B3E7F4B}"/>
+              </a:ext>
+            </a:extLst>
+          </p:cNvPr>
+          <p:cNvSpPr/>
+          <p:nvPr/>
+        </p:nvSpPr>
+        <p:spPr>
+          <a:xfrm>
+            <a:off x="7257827" y="2609564"/>
+            <a:ext cx="2096847" cy="436291"/>
+          </a:xfrm>
+          <a:prstGeom prst="rect">
+            <a:avLst/>
+          </a:prstGeom>
+          <a:noFill/>
+          <a:ln>
+            <a:noFill/>
+          </a:ln>
+        </p:spPr>
+        <p:style>
+          <a:lnRef idx="2">
+            <a:schemeClr val="accent1">
+              <a:shade val="15000"/>
+            </a:schemeClr>
+          </a:lnRef>
+          <a:fillRef idx="1">
+            <a:schemeClr val="accent1"/>
+          </a:fillRef>
+          <a:effectRef idx="0">
+            <a:schemeClr val="accent1"/>
+          </a:effectRef>
+          <a:fontRef idx="minor">
+            <a:schemeClr val="lt1"/>
+          </a:fontRef>
+        </p:style>
+        <p:txBody>
+          <a:bodyPr rtlCol="0" anchor="t" anchorCtr="0"/>
+          <a:lstStyle/>
+          <a:p>
+            <a:pPr algn="ctr"/>
+            <a:r>
+              <a:rPr lang="en-US" sz="900" dirty="0">
+                <a:solidFill>
+                  <a:schemeClr val="tx1"/>
+                </a:solidFill>
+              </a:rPr>
+              <a:t>5. The </a:t>
+            </a:r>
+            <a:r>
+              <a:rPr lang="en-US" sz="900" dirty="0" err="1">
+                <a:solidFill>
+                  <a:schemeClr val="tx1"/>
+                </a:solidFill>
+              </a:rPr>
+              <a:t>SignalRHub</a:t>
+            </a:r>
+            <a:r>
+              <a:rPr lang="en-US" sz="900" dirty="0">
+                <a:solidFill>
+                  <a:schemeClr val="tx1"/>
+                </a:solidFill>
+              </a:rPr>
+              <a:t> sends game communication to the </a:t>
+            </a:r>
+            <a:r>
+              <a:rPr lang="en-US" sz="900" dirty="0" err="1">
+                <a:solidFill>
+                  <a:schemeClr val="tx1"/>
+                </a:solidFill>
+              </a:rPr>
+              <a:t>HTMLConsole</a:t>
+            </a:r>
+            <a:r>
+              <a:rPr lang="en-US" sz="900" dirty="0">
+                <a:solidFill>
+                  <a:schemeClr val="tx1"/>
+                </a:solidFill>
+              </a:rPr>
+              <a:t> module</a:t>
+            </a:r>
+          </a:p>
+        </p:txBody>
+      </p:sp>
+    </p:spTree>
+    <p:extLst>
+      <p:ext uri="{BB962C8B-B14F-4D97-AF65-F5344CB8AC3E}">
+        <p14:creationId xmlns:p14="http://schemas.microsoft.com/office/powerpoint/2010/main" val="724311830"/>
+      </p:ext>
+    </p:extLst>
+  </p:cSld>
+  <p:clrMapOvr>
+    <a:masterClrMapping/>
+  </p:clrMapOvr>
+</p:sld>
+</file>
+
 <file path=ppt/theme/theme1.xml><?xml version="1.0" encoding="utf-8"?>
 <a:theme xmlns:a="http://schemas.openxmlformats.org/drawingml/2006/main" name="Office Theme">
   <a:themeElements>
